--- a/mh8111_assignment/NaiveBayes.pptx
+++ b/mh8111_assignment/NaiveBayes.pptx
@@ -4,8 +4,29 @@
   <p:sldMasterIdLst>
     <p:sldMasterId id="2147483648" r:id="rId1"/>
   </p:sldMasterIdLst>
+  <p:notesMasterIdLst>
+    <p:notesMasterId r:id="rId21"/>
+  </p:notesMasterIdLst>
   <p:sldIdLst>
     <p:sldId id="256" r:id="rId2"/>
+    <p:sldId id="260" r:id="rId3"/>
+    <p:sldId id="257" r:id="rId4"/>
+    <p:sldId id="258" r:id="rId5"/>
+    <p:sldId id="259" r:id="rId6"/>
+    <p:sldId id="261" r:id="rId7"/>
+    <p:sldId id="262" r:id="rId8"/>
+    <p:sldId id="263" r:id="rId9"/>
+    <p:sldId id="264" r:id="rId10"/>
+    <p:sldId id="265" r:id="rId11"/>
+    <p:sldId id="266" r:id="rId12"/>
+    <p:sldId id="267" r:id="rId13"/>
+    <p:sldId id="268" r:id="rId14"/>
+    <p:sldId id="269" r:id="rId15"/>
+    <p:sldId id="270" r:id="rId16"/>
+    <p:sldId id="271" r:id="rId17"/>
+    <p:sldId id="272" r:id="rId18"/>
+    <p:sldId id="273" r:id="rId19"/>
+    <p:sldId id="274" r:id="rId20"/>
   </p:sldIdLst>
   <p:sldSz cx="12192000" cy="6858000"/>
   <p:notesSz cx="6858000" cy="9144000"/>
@@ -104,7 +125,446 @@
       </a:defRPr>
     </a:lvl9pPr>
   </p:defaultTextStyle>
+  <p:extLst>
+    <p:ext uri="{EFAFB233-063F-42B5-8137-9DF3F51BA10A}">
+      <p15:sldGuideLst xmlns:p15="http://schemas.microsoft.com/office/powerpoint/2012/main"/>
+    </p:ext>
+  </p:extLst>
 </p:presentation>
+</file>
+
+<file path=ppt/notesMasters/notesMaster1.xml><?xml version="1.0" encoding="utf-8"?>
+<p:notesMaster xmlns:a="http://schemas.openxmlformats.org/drawingml/2006/main" xmlns:r="http://schemas.openxmlformats.org/officeDocument/2006/relationships" xmlns:p="http://schemas.openxmlformats.org/presentationml/2006/main">
+  <p:cSld>
+    <p:bg>
+      <p:bgRef idx="1001">
+        <a:schemeClr val="bg1"/>
+      </p:bgRef>
+    </p:bg>
+    <p:spTree>
+      <p:nvGrpSpPr>
+        <p:cNvPr id="1" name=""/>
+        <p:cNvGrpSpPr/>
+        <p:nvPr/>
+      </p:nvGrpSpPr>
+      <p:grpSpPr>
+        <a:xfrm>
+          <a:off x="0" y="0"/>
+          <a:ext cx="0" cy="0"/>
+          <a:chOff x="0" y="0"/>
+          <a:chExt cx="0" cy="0"/>
+        </a:xfrm>
+      </p:grpSpPr>
+      <p:sp>
+        <p:nvSpPr>
+          <p:cNvPr id="2" name="Header Placeholder 1"/>
+          <p:cNvSpPr>
+            <a:spLocks noGrp="1"/>
+          </p:cNvSpPr>
+          <p:nvPr>
+            <p:ph type="hdr" sz="quarter"/>
+          </p:nvPr>
+        </p:nvSpPr>
+        <p:spPr>
+          <a:xfrm>
+            <a:off x="0" y="0"/>
+            <a:ext cx="2971800" cy="458788"/>
+          </a:xfrm>
+          <a:prstGeom prst="rect">
+            <a:avLst/>
+          </a:prstGeom>
+        </p:spPr>
+        <p:txBody>
+          <a:bodyPr vert="horz" lIns="91440" tIns="45720" rIns="91440" bIns="45720" rtlCol="0"/>
+          <a:lstStyle>
+            <a:lvl1pPr algn="l">
+              <a:defRPr sz="1200"/>
+            </a:lvl1pPr>
+          </a:lstStyle>
+          <a:p>
+            <a:endParaRPr lang="en-US"/>
+          </a:p>
+        </p:txBody>
+      </p:sp>
+      <p:sp>
+        <p:nvSpPr>
+          <p:cNvPr id="3" name="Date Placeholder 2"/>
+          <p:cNvSpPr>
+            <a:spLocks noGrp="1"/>
+          </p:cNvSpPr>
+          <p:nvPr>
+            <p:ph type="dt" idx="1"/>
+          </p:nvPr>
+        </p:nvSpPr>
+        <p:spPr>
+          <a:xfrm>
+            <a:off x="3884613" y="0"/>
+            <a:ext cx="2971800" cy="458788"/>
+          </a:xfrm>
+          <a:prstGeom prst="rect">
+            <a:avLst/>
+          </a:prstGeom>
+        </p:spPr>
+        <p:txBody>
+          <a:bodyPr vert="horz" lIns="91440" tIns="45720" rIns="91440" bIns="45720" rtlCol="0"/>
+          <a:lstStyle>
+            <a:lvl1pPr algn="r">
+              <a:defRPr sz="1200"/>
+            </a:lvl1pPr>
+          </a:lstStyle>
+          <a:p>
+            <a:fld id="{8F708E1F-AFF0-0F44-BF8B-3DF24F9BA01E}" type="datetimeFigureOut">
+              <a:rPr lang="en-US" smtClean="0"/>
+              <a:t>8/31/19</a:t>
+            </a:fld>
+            <a:endParaRPr lang="en-US"/>
+          </a:p>
+        </p:txBody>
+      </p:sp>
+      <p:sp>
+        <p:nvSpPr>
+          <p:cNvPr id="4" name="Slide Image Placeholder 3"/>
+          <p:cNvSpPr>
+            <a:spLocks noGrp="1" noRot="1" noChangeAspect="1"/>
+          </p:cNvSpPr>
+          <p:nvPr>
+            <p:ph type="sldImg" idx="2"/>
+          </p:nvPr>
+        </p:nvSpPr>
+        <p:spPr>
+          <a:xfrm>
+            <a:off x="685800" y="1143000"/>
+            <a:ext cx="5486400" cy="3086100"/>
+          </a:xfrm>
+          <a:prstGeom prst="rect">
+            <a:avLst/>
+          </a:prstGeom>
+          <a:noFill/>
+          <a:ln w="12700">
+            <a:solidFill>
+              <a:prstClr val="black"/>
+            </a:solidFill>
+          </a:ln>
+        </p:spPr>
+        <p:txBody>
+          <a:bodyPr vert="horz" lIns="91440" tIns="45720" rIns="91440" bIns="45720" rtlCol="0" anchor="ctr"/>
+          <a:lstStyle/>
+          <a:p>
+            <a:endParaRPr lang="en-US"/>
+          </a:p>
+        </p:txBody>
+      </p:sp>
+      <p:sp>
+        <p:nvSpPr>
+          <p:cNvPr id="5" name="Notes Placeholder 4"/>
+          <p:cNvSpPr>
+            <a:spLocks noGrp="1"/>
+          </p:cNvSpPr>
+          <p:nvPr>
+            <p:ph type="body" sz="quarter" idx="3"/>
+          </p:nvPr>
+        </p:nvSpPr>
+        <p:spPr>
+          <a:xfrm>
+            <a:off x="685800" y="4400550"/>
+            <a:ext cx="5486400" cy="3600450"/>
+          </a:xfrm>
+          <a:prstGeom prst="rect">
+            <a:avLst/>
+          </a:prstGeom>
+        </p:spPr>
+        <p:txBody>
+          <a:bodyPr vert="horz" lIns="91440" tIns="45720" rIns="91440" bIns="45720" rtlCol="0"/>
+          <a:lstStyle/>
+          <a:p>
+            <a:pPr lvl="0"/>
+            <a:r>
+              <a:rPr lang="en-GB"/>
+              <a:t>Click to edit Master text styles</a:t>
+            </a:r>
+          </a:p>
+          <a:p>
+            <a:pPr lvl="1"/>
+            <a:r>
+              <a:rPr lang="en-GB"/>
+              <a:t>Second level</a:t>
+            </a:r>
+          </a:p>
+          <a:p>
+            <a:pPr lvl="2"/>
+            <a:r>
+              <a:rPr lang="en-GB"/>
+              <a:t>Third level</a:t>
+            </a:r>
+          </a:p>
+          <a:p>
+            <a:pPr lvl="3"/>
+            <a:r>
+              <a:rPr lang="en-GB"/>
+              <a:t>Fourth level</a:t>
+            </a:r>
+          </a:p>
+          <a:p>
+            <a:pPr lvl="4"/>
+            <a:r>
+              <a:rPr lang="en-GB"/>
+              <a:t>Fifth level</a:t>
+            </a:r>
+            <a:endParaRPr lang="en-US"/>
+          </a:p>
+        </p:txBody>
+      </p:sp>
+      <p:sp>
+        <p:nvSpPr>
+          <p:cNvPr id="6" name="Footer Placeholder 5"/>
+          <p:cNvSpPr>
+            <a:spLocks noGrp="1"/>
+          </p:cNvSpPr>
+          <p:nvPr>
+            <p:ph type="ftr" sz="quarter" idx="4"/>
+          </p:nvPr>
+        </p:nvSpPr>
+        <p:spPr>
+          <a:xfrm>
+            <a:off x="0" y="8685213"/>
+            <a:ext cx="2971800" cy="458787"/>
+          </a:xfrm>
+          <a:prstGeom prst="rect">
+            <a:avLst/>
+          </a:prstGeom>
+        </p:spPr>
+        <p:txBody>
+          <a:bodyPr vert="horz" lIns="91440" tIns="45720" rIns="91440" bIns="45720" rtlCol="0" anchor="b"/>
+          <a:lstStyle>
+            <a:lvl1pPr algn="l">
+              <a:defRPr sz="1200"/>
+            </a:lvl1pPr>
+          </a:lstStyle>
+          <a:p>
+            <a:endParaRPr lang="en-US"/>
+          </a:p>
+        </p:txBody>
+      </p:sp>
+      <p:sp>
+        <p:nvSpPr>
+          <p:cNvPr id="7" name="Slide Number Placeholder 6"/>
+          <p:cNvSpPr>
+            <a:spLocks noGrp="1"/>
+          </p:cNvSpPr>
+          <p:nvPr>
+            <p:ph type="sldNum" sz="quarter" idx="5"/>
+          </p:nvPr>
+        </p:nvSpPr>
+        <p:spPr>
+          <a:xfrm>
+            <a:off x="3884613" y="8685213"/>
+            <a:ext cx="2971800" cy="458787"/>
+          </a:xfrm>
+          <a:prstGeom prst="rect">
+            <a:avLst/>
+          </a:prstGeom>
+        </p:spPr>
+        <p:txBody>
+          <a:bodyPr vert="horz" lIns="91440" tIns="45720" rIns="91440" bIns="45720" rtlCol="0" anchor="b"/>
+          <a:lstStyle>
+            <a:lvl1pPr algn="r">
+              <a:defRPr sz="1200"/>
+            </a:lvl1pPr>
+          </a:lstStyle>
+          <a:p>
+            <a:fld id="{D0975F60-E72C-214D-8A55-267FE1A8895D}" type="slidenum">
+              <a:rPr lang="en-US" smtClean="0"/>
+              <a:t>‹#›</a:t>
+            </a:fld>
+            <a:endParaRPr lang="en-US"/>
+          </a:p>
+        </p:txBody>
+      </p:sp>
+    </p:spTree>
+    <p:extLst>
+      <p:ext uri="{BB962C8B-B14F-4D97-AF65-F5344CB8AC3E}">
+        <p14:creationId xmlns:p14="http://schemas.microsoft.com/office/powerpoint/2010/main" val="105539217"/>
+      </p:ext>
+    </p:extLst>
+  </p:cSld>
+  <p:clrMap bg1="lt1" tx1="dk1" bg2="lt2" tx2="dk2" accent1="accent1" accent2="accent2" accent3="accent3" accent4="accent4" accent5="accent5" accent6="accent6" hlink="hlink" folHlink="folHlink"/>
+  <p:notesStyle>
+    <a:lvl1pPr marL="0" algn="l" defTabSz="914400" rtl="0" eaLnBrk="1" latinLnBrk="0" hangingPunct="1">
+      <a:defRPr sz="1200" kern="1200">
+        <a:solidFill>
+          <a:schemeClr val="tx1"/>
+        </a:solidFill>
+        <a:latin typeface="+mn-lt"/>
+        <a:ea typeface="+mn-ea"/>
+        <a:cs typeface="+mn-cs"/>
+      </a:defRPr>
+    </a:lvl1pPr>
+    <a:lvl2pPr marL="457200" algn="l" defTabSz="914400" rtl="0" eaLnBrk="1" latinLnBrk="0" hangingPunct="1">
+      <a:defRPr sz="1200" kern="1200">
+        <a:solidFill>
+          <a:schemeClr val="tx1"/>
+        </a:solidFill>
+        <a:latin typeface="+mn-lt"/>
+        <a:ea typeface="+mn-ea"/>
+        <a:cs typeface="+mn-cs"/>
+      </a:defRPr>
+    </a:lvl2pPr>
+    <a:lvl3pPr marL="914400" algn="l" defTabSz="914400" rtl="0" eaLnBrk="1" latinLnBrk="0" hangingPunct="1">
+      <a:defRPr sz="1200" kern="1200">
+        <a:solidFill>
+          <a:schemeClr val="tx1"/>
+        </a:solidFill>
+        <a:latin typeface="+mn-lt"/>
+        <a:ea typeface="+mn-ea"/>
+        <a:cs typeface="+mn-cs"/>
+      </a:defRPr>
+    </a:lvl3pPr>
+    <a:lvl4pPr marL="1371600" algn="l" defTabSz="914400" rtl="0" eaLnBrk="1" latinLnBrk="0" hangingPunct="1">
+      <a:defRPr sz="1200" kern="1200">
+        <a:solidFill>
+          <a:schemeClr val="tx1"/>
+        </a:solidFill>
+        <a:latin typeface="+mn-lt"/>
+        <a:ea typeface="+mn-ea"/>
+        <a:cs typeface="+mn-cs"/>
+      </a:defRPr>
+    </a:lvl4pPr>
+    <a:lvl5pPr marL="1828800" algn="l" defTabSz="914400" rtl="0" eaLnBrk="1" latinLnBrk="0" hangingPunct="1">
+      <a:defRPr sz="1200" kern="1200">
+        <a:solidFill>
+          <a:schemeClr val="tx1"/>
+        </a:solidFill>
+        <a:latin typeface="+mn-lt"/>
+        <a:ea typeface="+mn-ea"/>
+        <a:cs typeface="+mn-cs"/>
+      </a:defRPr>
+    </a:lvl5pPr>
+    <a:lvl6pPr marL="2286000" algn="l" defTabSz="914400" rtl="0" eaLnBrk="1" latinLnBrk="0" hangingPunct="1">
+      <a:defRPr sz="1200" kern="1200">
+        <a:solidFill>
+          <a:schemeClr val="tx1"/>
+        </a:solidFill>
+        <a:latin typeface="+mn-lt"/>
+        <a:ea typeface="+mn-ea"/>
+        <a:cs typeface="+mn-cs"/>
+      </a:defRPr>
+    </a:lvl6pPr>
+    <a:lvl7pPr marL="2743200" algn="l" defTabSz="914400" rtl="0" eaLnBrk="1" latinLnBrk="0" hangingPunct="1">
+      <a:defRPr sz="1200" kern="1200">
+        <a:solidFill>
+          <a:schemeClr val="tx1"/>
+        </a:solidFill>
+        <a:latin typeface="+mn-lt"/>
+        <a:ea typeface="+mn-ea"/>
+        <a:cs typeface="+mn-cs"/>
+      </a:defRPr>
+    </a:lvl7pPr>
+    <a:lvl8pPr marL="3200400" algn="l" defTabSz="914400" rtl="0" eaLnBrk="1" latinLnBrk="0" hangingPunct="1">
+      <a:defRPr sz="1200" kern="1200">
+        <a:solidFill>
+          <a:schemeClr val="tx1"/>
+        </a:solidFill>
+        <a:latin typeface="+mn-lt"/>
+        <a:ea typeface="+mn-ea"/>
+        <a:cs typeface="+mn-cs"/>
+      </a:defRPr>
+    </a:lvl8pPr>
+    <a:lvl9pPr marL="3657600" algn="l" defTabSz="914400" rtl="0" eaLnBrk="1" latinLnBrk="0" hangingPunct="1">
+      <a:defRPr sz="1200" kern="1200">
+        <a:solidFill>
+          <a:schemeClr val="tx1"/>
+        </a:solidFill>
+        <a:latin typeface="+mn-lt"/>
+        <a:ea typeface="+mn-ea"/>
+        <a:cs typeface="+mn-cs"/>
+      </a:defRPr>
+    </a:lvl9pPr>
+  </p:notesStyle>
+</p:notesMaster>
+</file>
+
+<file path=ppt/notesSlides/notesSlide1.xml><?xml version="1.0" encoding="utf-8"?>
+<p:notes xmlns:a="http://schemas.openxmlformats.org/drawingml/2006/main" xmlns:r="http://schemas.openxmlformats.org/officeDocument/2006/relationships" xmlns:p="http://schemas.openxmlformats.org/presentationml/2006/main">
+  <p:cSld>
+    <p:spTree>
+      <p:nvGrpSpPr>
+        <p:cNvPr id="1" name=""/>
+        <p:cNvGrpSpPr/>
+        <p:nvPr/>
+      </p:nvGrpSpPr>
+      <p:grpSpPr>
+        <a:xfrm>
+          <a:off x="0" y="0"/>
+          <a:ext cx="0" cy="0"/>
+          <a:chOff x="0" y="0"/>
+          <a:chExt cx="0" cy="0"/>
+        </a:xfrm>
+      </p:grpSpPr>
+      <p:sp>
+        <p:nvSpPr>
+          <p:cNvPr id="2" name="Slide Image Placeholder 1"/>
+          <p:cNvSpPr>
+            <a:spLocks noGrp="1" noRot="1" noChangeAspect="1"/>
+          </p:cNvSpPr>
+          <p:nvPr>
+            <p:ph type="sldImg"/>
+          </p:nvPr>
+        </p:nvSpPr>
+        <p:spPr/>
+      </p:sp>
+      <p:sp>
+        <p:nvSpPr>
+          <p:cNvPr id="3" name="Notes Placeholder 2"/>
+          <p:cNvSpPr>
+            <a:spLocks noGrp="1"/>
+          </p:cNvSpPr>
+          <p:nvPr>
+            <p:ph type="body" idx="1"/>
+          </p:nvPr>
+        </p:nvSpPr>
+        <p:spPr/>
+        <p:txBody>
+          <a:bodyPr/>
+          <a:lstStyle/>
+          <a:p>
+            <a:endParaRPr lang="en-US" dirty="0"/>
+          </a:p>
+        </p:txBody>
+      </p:sp>
+      <p:sp>
+        <p:nvSpPr>
+          <p:cNvPr id="4" name="Slide Number Placeholder 3"/>
+          <p:cNvSpPr>
+            <a:spLocks noGrp="1"/>
+          </p:cNvSpPr>
+          <p:nvPr>
+            <p:ph type="sldNum" sz="quarter" idx="5"/>
+          </p:nvPr>
+        </p:nvSpPr>
+        <p:spPr/>
+        <p:txBody>
+          <a:bodyPr/>
+          <a:lstStyle/>
+          <a:p>
+            <a:fld id="{D0975F60-E72C-214D-8A55-267FE1A8895D}" type="slidenum">
+              <a:rPr lang="en-US" smtClean="0"/>
+              <a:t>2</a:t>
+            </a:fld>
+            <a:endParaRPr lang="en-US"/>
+          </a:p>
+        </p:txBody>
+      </p:sp>
+    </p:spTree>
+    <p:extLst>
+      <p:ext uri="{BB962C8B-B14F-4D97-AF65-F5344CB8AC3E}">
+        <p14:creationId xmlns:p14="http://schemas.microsoft.com/office/powerpoint/2010/main" val="3017105387"/>
+      </p:ext>
+    </p:extLst>
+  </p:cSld>
+  <p:clrMapOvr>
+    <a:masterClrMapping/>
+  </p:clrMapOvr>
+</p:notes>
 </file>
 
 <file path=ppt/slideLayouts/slideLayout1.xml><?xml version="1.0" encoding="utf-8"?>
@@ -3400,6 +3860,2262 @@
 </p:sld>
 </file>
 
+<file path=ppt/slides/slide10.xml><?xml version="1.0" encoding="utf-8"?>
+<p:sld xmlns:a="http://schemas.openxmlformats.org/drawingml/2006/main" xmlns:r="http://schemas.openxmlformats.org/officeDocument/2006/relationships" xmlns:p="http://schemas.openxmlformats.org/presentationml/2006/main">
+  <p:cSld>
+    <p:spTree>
+      <p:nvGrpSpPr>
+        <p:cNvPr id="1" name=""/>
+        <p:cNvGrpSpPr/>
+        <p:nvPr/>
+      </p:nvGrpSpPr>
+      <p:grpSpPr>
+        <a:xfrm>
+          <a:off x="0" y="0"/>
+          <a:ext cx="0" cy="0"/>
+          <a:chOff x="0" y="0"/>
+          <a:chExt cx="0" cy="0"/>
+        </a:xfrm>
+      </p:grpSpPr>
+      <p:sp>
+        <p:nvSpPr>
+          <p:cNvPr id="2" name="Title 1">
+            <a:extLst>
+              <a:ext uri="{FF2B5EF4-FFF2-40B4-BE49-F238E27FC236}">
+                <a16:creationId xmlns:a16="http://schemas.microsoft.com/office/drawing/2014/main" id="{3CC21E0C-3B0C-B845-9922-15A023FB889C}"/>
+              </a:ext>
+            </a:extLst>
+          </p:cNvPr>
+          <p:cNvSpPr>
+            <a:spLocks noGrp="1"/>
+          </p:cNvSpPr>
+          <p:nvPr>
+            <p:ph type="title"/>
+          </p:nvPr>
+        </p:nvSpPr>
+        <p:spPr/>
+        <p:txBody>
+          <a:bodyPr/>
+          <a:lstStyle/>
+          <a:p>
+            <a:r>
+              <a:rPr lang="en-US" dirty="0"/>
+              <a:t>Feature Engineering</a:t>
+            </a:r>
+          </a:p>
+        </p:txBody>
+      </p:sp>
+      <p:sp>
+        <p:nvSpPr>
+          <p:cNvPr id="3" name="Content Placeholder 2">
+            <a:extLst>
+              <a:ext uri="{FF2B5EF4-FFF2-40B4-BE49-F238E27FC236}">
+                <a16:creationId xmlns:a16="http://schemas.microsoft.com/office/drawing/2014/main" id="{7AB298EF-5861-1B49-ACB0-8BCC3C63E1EB}"/>
+              </a:ext>
+            </a:extLst>
+          </p:cNvPr>
+          <p:cNvSpPr>
+            <a:spLocks noGrp="1"/>
+          </p:cNvSpPr>
+          <p:nvPr>
+            <p:ph idx="1"/>
+          </p:nvPr>
+        </p:nvSpPr>
+        <p:spPr/>
+        <p:txBody>
+          <a:bodyPr/>
+          <a:lstStyle/>
+          <a:p>
+            <a:endParaRPr lang="en-US"/>
+          </a:p>
+        </p:txBody>
+      </p:sp>
+    </p:spTree>
+    <p:extLst>
+      <p:ext uri="{BB962C8B-B14F-4D97-AF65-F5344CB8AC3E}">
+        <p14:creationId xmlns:p14="http://schemas.microsoft.com/office/powerpoint/2010/main" val="3330460826"/>
+      </p:ext>
+    </p:extLst>
+  </p:cSld>
+  <p:clrMapOvr>
+    <a:masterClrMapping/>
+  </p:clrMapOvr>
+</p:sld>
+</file>
+
+<file path=ppt/slides/slide11.xml><?xml version="1.0" encoding="utf-8"?>
+<p:sld xmlns:a="http://schemas.openxmlformats.org/drawingml/2006/main" xmlns:r="http://schemas.openxmlformats.org/officeDocument/2006/relationships" xmlns:p="http://schemas.openxmlformats.org/presentationml/2006/main">
+  <p:cSld>
+    <p:spTree>
+      <p:nvGrpSpPr>
+        <p:cNvPr id="1" name=""/>
+        <p:cNvGrpSpPr/>
+        <p:nvPr/>
+      </p:nvGrpSpPr>
+      <p:grpSpPr>
+        <a:xfrm>
+          <a:off x="0" y="0"/>
+          <a:ext cx="0" cy="0"/>
+          <a:chOff x="0" y="0"/>
+          <a:chExt cx="0" cy="0"/>
+        </a:xfrm>
+      </p:grpSpPr>
+      <p:sp>
+        <p:nvSpPr>
+          <p:cNvPr id="2" name="Title 1">
+            <a:extLst>
+              <a:ext uri="{FF2B5EF4-FFF2-40B4-BE49-F238E27FC236}">
+                <a16:creationId xmlns:a16="http://schemas.microsoft.com/office/drawing/2014/main" id="{FBEF0BDD-76B9-3941-A5D4-1CE46311B63C}"/>
+              </a:ext>
+            </a:extLst>
+          </p:cNvPr>
+          <p:cNvSpPr>
+            <a:spLocks noGrp="1"/>
+          </p:cNvSpPr>
+          <p:nvPr>
+            <p:ph type="title"/>
+          </p:nvPr>
+        </p:nvSpPr>
+        <p:spPr/>
+        <p:txBody>
+          <a:bodyPr/>
+          <a:lstStyle/>
+          <a:p>
+            <a:endParaRPr lang="en-US"/>
+          </a:p>
+        </p:txBody>
+      </p:sp>
+      <p:sp>
+        <p:nvSpPr>
+          <p:cNvPr id="3" name="Content Placeholder 2">
+            <a:extLst>
+              <a:ext uri="{FF2B5EF4-FFF2-40B4-BE49-F238E27FC236}">
+                <a16:creationId xmlns:a16="http://schemas.microsoft.com/office/drawing/2014/main" id="{4D1672F1-A5F2-5640-ABB8-CF328FE91336}"/>
+              </a:ext>
+            </a:extLst>
+          </p:cNvPr>
+          <p:cNvSpPr>
+            <a:spLocks noGrp="1"/>
+          </p:cNvSpPr>
+          <p:nvPr>
+            <p:ph idx="1"/>
+          </p:nvPr>
+        </p:nvSpPr>
+        <p:spPr/>
+        <p:txBody>
+          <a:bodyPr/>
+          <a:lstStyle/>
+          <a:p>
+            <a:endParaRPr lang="en-US"/>
+          </a:p>
+        </p:txBody>
+      </p:sp>
+    </p:spTree>
+    <p:extLst>
+      <p:ext uri="{BB962C8B-B14F-4D97-AF65-F5344CB8AC3E}">
+        <p14:creationId xmlns:p14="http://schemas.microsoft.com/office/powerpoint/2010/main" val="793438682"/>
+      </p:ext>
+    </p:extLst>
+  </p:cSld>
+  <p:clrMapOvr>
+    <a:masterClrMapping/>
+  </p:clrMapOvr>
+</p:sld>
+</file>
+
+<file path=ppt/slides/slide12.xml><?xml version="1.0" encoding="utf-8"?>
+<p:sld xmlns:a="http://schemas.openxmlformats.org/drawingml/2006/main" xmlns:r="http://schemas.openxmlformats.org/officeDocument/2006/relationships" xmlns:p="http://schemas.openxmlformats.org/presentationml/2006/main">
+  <p:cSld>
+    <p:spTree>
+      <p:nvGrpSpPr>
+        <p:cNvPr id="1" name=""/>
+        <p:cNvGrpSpPr/>
+        <p:nvPr/>
+      </p:nvGrpSpPr>
+      <p:grpSpPr>
+        <a:xfrm>
+          <a:off x="0" y="0"/>
+          <a:ext cx="0" cy="0"/>
+          <a:chOff x="0" y="0"/>
+          <a:chExt cx="0" cy="0"/>
+        </a:xfrm>
+      </p:grpSpPr>
+      <p:sp>
+        <p:nvSpPr>
+          <p:cNvPr id="2" name="Title 1">
+            <a:extLst>
+              <a:ext uri="{FF2B5EF4-FFF2-40B4-BE49-F238E27FC236}">
+                <a16:creationId xmlns:a16="http://schemas.microsoft.com/office/drawing/2014/main" id="{5BD95A30-F197-C340-BD77-21E6BB695E1F}"/>
+              </a:ext>
+            </a:extLst>
+          </p:cNvPr>
+          <p:cNvSpPr>
+            <a:spLocks noGrp="1"/>
+          </p:cNvSpPr>
+          <p:nvPr>
+            <p:ph type="title"/>
+          </p:nvPr>
+        </p:nvSpPr>
+        <p:spPr/>
+        <p:txBody>
+          <a:bodyPr/>
+          <a:lstStyle/>
+          <a:p>
+            <a:endParaRPr lang="en-US"/>
+          </a:p>
+        </p:txBody>
+      </p:sp>
+      <p:sp>
+        <p:nvSpPr>
+          <p:cNvPr id="3" name="Content Placeholder 2">
+            <a:extLst>
+              <a:ext uri="{FF2B5EF4-FFF2-40B4-BE49-F238E27FC236}">
+                <a16:creationId xmlns:a16="http://schemas.microsoft.com/office/drawing/2014/main" id="{DD192985-A4F8-9A40-838E-D8B5989AA7FC}"/>
+              </a:ext>
+            </a:extLst>
+          </p:cNvPr>
+          <p:cNvSpPr>
+            <a:spLocks noGrp="1"/>
+          </p:cNvSpPr>
+          <p:nvPr>
+            <p:ph idx="1"/>
+          </p:nvPr>
+        </p:nvSpPr>
+        <p:spPr/>
+        <p:txBody>
+          <a:bodyPr/>
+          <a:lstStyle/>
+          <a:p>
+            <a:endParaRPr lang="en-US"/>
+          </a:p>
+        </p:txBody>
+      </p:sp>
+    </p:spTree>
+    <p:extLst>
+      <p:ext uri="{BB962C8B-B14F-4D97-AF65-F5344CB8AC3E}">
+        <p14:creationId xmlns:p14="http://schemas.microsoft.com/office/powerpoint/2010/main" val="1636161466"/>
+      </p:ext>
+    </p:extLst>
+  </p:cSld>
+  <p:clrMapOvr>
+    <a:masterClrMapping/>
+  </p:clrMapOvr>
+</p:sld>
+</file>
+
+<file path=ppt/slides/slide13.xml><?xml version="1.0" encoding="utf-8"?>
+<p:sld xmlns:a="http://schemas.openxmlformats.org/drawingml/2006/main" xmlns:r="http://schemas.openxmlformats.org/officeDocument/2006/relationships" xmlns:p="http://schemas.openxmlformats.org/presentationml/2006/main">
+  <p:cSld>
+    <p:spTree>
+      <p:nvGrpSpPr>
+        <p:cNvPr id="1" name=""/>
+        <p:cNvGrpSpPr/>
+        <p:nvPr/>
+      </p:nvGrpSpPr>
+      <p:grpSpPr>
+        <a:xfrm>
+          <a:off x="0" y="0"/>
+          <a:ext cx="0" cy="0"/>
+          <a:chOff x="0" y="0"/>
+          <a:chExt cx="0" cy="0"/>
+        </a:xfrm>
+      </p:grpSpPr>
+      <p:sp>
+        <p:nvSpPr>
+          <p:cNvPr id="2" name="Title 1">
+            <a:extLst>
+              <a:ext uri="{FF2B5EF4-FFF2-40B4-BE49-F238E27FC236}">
+                <a16:creationId xmlns:a16="http://schemas.microsoft.com/office/drawing/2014/main" id="{41BA6EAF-97CE-8E4F-AD1C-FB9D504404C6}"/>
+              </a:ext>
+            </a:extLst>
+          </p:cNvPr>
+          <p:cNvSpPr>
+            <a:spLocks noGrp="1"/>
+          </p:cNvSpPr>
+          <p:nvPr>
+            <p:ph type="title"/>
+          </p:nvPr>
+        </p:nvSpPr>
+        <p:spPr/>
+        <p:txBody>
+          <a:bodyPr/>
+          <a:lstStyle/>
+          <a:p>
+            <a:endParaRPr lang="en-US"/>
+          </a:p>
+        </p:txBody>
+      </p:sp>
+      <p:sp>
+        <p:nvSpPr>
+          <p:cNvPr id="3" name="Content Placeholder 2">
+            <a:extLst>
+              <a:ext uri="{FF2B5EF4-FFF2-40B4-BE49-F238E27FC236}">
+                <a16:creationId xmlns:a16="http://schemas.microsoft.com/office/drawing/2014/main" id="{8238A6A0-1A65-B54C-9C01-78B81DCDC645}"/>
+              </a:ext>
+            </a:extLst>
+          </p:cNvPr>
+          <p:cNvSpPr>
+            <a:spLocks noGrp="1"/>
+          </p:cNvSpPr>
+          <p:nvPr>
+            <p:ph idx="1"/>
+          </p:nvPr>
+        </p:nvSpPr>
+        <p:spPr/>
+        <p:txBody>
+          <a:bodyPr/>
+          <a:lstStyle/>
+          <a:p>
+            <a:endParaRPr lang="en-US"/>
+          </a:p>
+        </p:txBody>
+      </p:sp>
+    </p:spTree>
+    <p:extLst>
+      <p:ext uri="{BB962C8B-B14F-4D97-AF65-F5344CB8AC3E}">
+        <p14:creationId xmlns:p14="http://schemas.microsoft.com/office/powerpoint/2010/main" val="1666752946"/>
+      </p:ext>
+    </p:extLst>
+  </p:cSld>
+  <p:clrMapOvr>
+    <a:masterClrMapping/>
+  </p:clrMapOvr>
+</p:sld>
+</file>
+
+<file path=ppt/slides/slide14.xml><?xml version="1.0" encoding="utf-8"?>
+<p:sld xmlns:a="http://schemas.openxmlformats.org/drawingml/2006/main" xmlns:r="http://schemas.openxmlformats.org/officeDocument/2006/relationships" xmlns:p="http://schemas.openxmlformats.org/presentationml/2006/main">
+  <p:cSld>
+    <p:spTree>
+      <p:nvGrpSpPr>
+        <p:cNvPr id="1" name=""/>
+        <p:cNvGrpSpPr/>
+        <p:nvPr/>
+      </p:nvGrpSpPr>
+      <p:grpSpPr>
+        <a:xfrm>
+          <a:off x="0" y="0"/>
+          <a:ext cx="0" cy="0"/>
+          <a:chOff x="0" y="0"/>
+          <a:chExt cx="0" cy="0"/>
+        </a:xfrm>
+      </p:grpSpPr>
+      <p:sp>
+        <p:nvSpPr>
+          <p:cNvPr id="2" name="Title 1">
+            <a:extLst>
+              <a:ext uri="{FF2B5EF4-FFF2-40B4-BE49-F238E27FC236}">
+                <a16:creationId xmlns:a16="http://schemas.microsoft.com/office/drawing/2014/main" id="{D2B9A25E-5188-AA45-B7E6-85C7EC6F1469}"/>
+              </a:ext>
+            </a:extLst>
+          </p:cNvPr>
+          <p:cNvSpPr>
+            <a:spLocks noGrp="1"/>
+          </p:cNvSpPr>
+          <p:nvPr>
+            <p:ph type="title"/>
+          </p:nvPr>
+        </p:nvSpPr>
+        <p:spPr/>
+        <p:txBody>
+          <a:bodyPr/>
+          <a:lstStyle/>
+          <a:p>
+            <a:endParaRPr lang="en-US"/>
+          </a:p>
+        </p:txBody>
+      </p:sp>
+      <p:sp>
+        <p:nvSpPr>
+          <p:cNvPr id="3" name="Content Placeholder 2">
+            <a:extLst>
+              <a:ext uri="{FF2B5EF4-FFF2-40B4-BE49-F238E27FC236}">
+                <a16:creationId xmlns:a16="http://schemas.microsoft.com/office/drawing/2014/main" id="{469E84E6-15FC-6645-9D08-AE42AEB5FF63}"/>
+              </a:ext>
+            </a:extLst>
+          </p:cNvPr>
+          <p:cNvSpPr>
+            <a:spLocks noGrp="1"/>
+          </p:cNvSpPr>
+          <p:nvPr>
+            <p:ph idx="1"/>
+          </p:nvPr>
+        </p:nvSpPr>
+        <p:spPr/>
+        <p:txBody>
+          <a:bodyPr/>
+          <a:lstStyle/>
+          <a:p>
+            <a:endParaRPr lang="en-US"/>
+          </a:p>
+        </p:txBody>
+      </p:sp>
+    </p:spTree>
+    <p:extLst>
+      <p:ext uri="{BB962C8B-B14F-4D97-AF65-F5344CB8AC3E}">
+        <p14:creationId xmlns:p14="http://schemas.microsoft.com/office/powerpoint/2010/main" val="1160017862"/>
+      </p:ext>
+    </p:extLst>
+  </p:cSld>
+  <p:clrMapOvr>
+    <a:masterClrMapping/>
+  </p:clrMapOvr>
+</p:sld>
+</file>
+
+<file path=ppt/slides/slide15.xml><?xml version="1.0" encoding="utf-8"?>
+<p:sld xmlns:a="http://schemas.openxmlformats.org/drawingml/2006/main" xmlns:r="http://schemas.openxmlformats.org/officeDocument/2006/relationships" xmlns:p="http://schemas.openxmlformats.org/presentationml/2006/main">
+  <p:cSld>
+    <p:spTree>
+      <p:nvGrpSpPr>
+        <p:cNvPr id="1" name=""/>
+        <p:cNvGrpSpPr/>
+        <p:nvPr/>
+      </p:nvGrpSpPr>
+      <p:grpSpPr>
+        <a:xfrm>
+          <a:off x="0" y="0"/>
+          <a:ext cx="0" cy="0"/>
+          <a:chOff x="0" y="0"/>
+          <a:chExt cx="0" cy="0"/>
+        </a:xfrm>
+      </p:grpSpPr>
+      <p:sp>
+        <p:nvSpPr>
+          <p:cNvPr id="2" name="Title 1">
+            <a:extLst>
+              <a:ext uri="{FF2B5EF4-FFF2-40B4-BE49-F238E27FC236}">
+                <a16:creationId xmlns:a16="http://schemas.microsoft.com/office/drawing/2014/main" id="{25C4E7F1-9457-1547-9335-8ADF6C6B8926}"/>
+              </a:ext>
+            </a:extLst>
+          </p:cNvPr>
+          <p:cNvSpPr>
+            <a:spLocks noGrp="1"/>
+          </p:cNvSpPr>
+          <p:nvPr>
+            <p:ph type="title"/>
+          </p:nvPr>
+        </p:nvSpPr>
+        <p:spPr/>
+        <p:txBody>
+          <a:bodyPr/>
+          <a:lstStyle/>
+          <a:p>
+            <a:endParaRPr lang="en-US"/>
+          </a:p>
+        </p:txBody>
+      </p:sp>
+      <p:sp>
+        <p:nvSpPr>
+          <p:cNvPr id="3" name="Content Placeholder 2">
+            <a:extLst>
+              <a:ext uri="{FF2B5EF4-FFF2-40B4-BE49-F238E27FC236}">
+                <a16:creationId xmlns:a16="http://schemas.microsoft.com/office/drawing/2014/main" id="{1ECC2723-5B49-DC48-8142-DCBA818C9497}"/>
+              </a:ext>
+            </a:extLst>
+          </p:cNvPr>
+          <p:cNvSpPr>
+            <a:spLocks noGrp="1"/>
+          </p:cNvSpPr>
+          <p:nvPr>
+            <p:ph idx="1"/>
+          </p:nvPr>
+        </p:nvSpPr>
+        <p:spPr/>
+        <p:txBody>
+          <a:bodyPr/>
+          <a:lstStyle/>
+          <a:p>
+            <a:endParaRPr lang="en-US"/>
+          </a:p>
+        </p:txBody>
+      </p:sp>
+    </p:spTree>
+    <p:extLst>
+      <p:ext uri="{BB962C8B-B14F-4D97-AF65-F5344CB8AC3E}">
+        <p14:creationId xmlns:p14="http://schemas.microsoft.com/office/powerpoint/2010/main" val="1507138489"/>
+      </p:ext>
+    </p:extLst>
+  </p:cSld>
+  <p:clrMapOvr>
+    <a:masterClrMapping/>
+  </p:clrMapOvr>
+</p:sld>
+</file>
+
+<file path=ppt/slides/slide16.xml><?xml version="1.0" encoding="utf-8"?>
+<p:sld xmlns:a="http://schemas.openxmlformats.org/drawingml/2006/main" xmlns:r="http://schemas.openxmlformats.org/officeDocument/2006/relationships" xmlns:p="http://schemas.openxmlformats.org/presentationml/2006/main">
+  <p:cSld>
+    <p:spTree>
+      <p:nvGrpSpPr>
+        <p:cNvPr id="1" name=""/>
+        <p:cNvGrpSpPr/>
+        <p:nvPr/>
+      </p:nvGrpSpPr>
+      <p:grpSpPr>
+        <a:xfrm>
+          <a:off x="0" y="0"/>
+          <a:ext cx="0" cy="0"/>
+          <a:chOff x="0" y="0"/>
+          <a:chExt cx="0" cy="0"/>
+        </a:xfrm>
+      </p:grpSpPr>
+      <p:sp>
+        <p:nvSpPr>
+          <p:cNvPr id="2" name="Title 1">
+            <a:extLst>
+              <a:ext uri="{FF2B5EF4-FFF2-40B4-BE49-F238E27FC236}">
+                <a16:creationId xmlns:a16="http://schemas.microsoft.com/office/drawing/2014/main" id="{44FF7820-F245-4E4B-8A0E-AED1225C14B8}"/>
+              </a:ext>
+            </a:extLst>
+          </p:cNvPr>
+          <p:cNvSpPr>
+            <a:spLocks noGrp="1"/>
+          </p:cNvSpPr>
+          <p:nvPr>
+            <p:ph type="title"/>
+          </p:nvPr>
+        </p:nvSpPr>
+        <p:spPr/>
+        <p:txBody>
+          <a:bodyPr/>
+          <a:lstStyle/>
+          <a:p>
+            <a:endParaRPr lang="en-US"/>
+          </a:p>
+        </p:txBody>
+      </p:sp>
+      <p:sp>
+        <p:nvSpPr>
+          <p:cNvPr id="3" name="Content Placeholder 2">
+            <a:extLst>
+              <a:ext uri="{FF2B5EF4-FFF2-40B4-BE49-F238E27FC236}">
+                <a16:creationId xmlns:a16="http://schemas.microsoft.com/office/drawing/2014/main" id="{7BCD48CC-4B72-3E46-93C1-1012421861BA}"/>
+              </a:ext>
+            </a:extLst>
+          </p:cNvPr>
+          <p:cNvSpPr>
+            <a:spLocks noGrp="1"/>
+          </p:cNvSpPr>
+          <p:nvPr>
+            <p:ph idx="1"/>
+          </p:nvPr>
+        </p:nvSpPr>
+        <p:spPr/>
+        <p:txBody>
+          <a:bodyPr/>
+          <a:lstStyle/>
+          <a:p>
+            <a:endParaRPr lang="en-US"/>
+          </a:p>
+        </p:txBody>
+      </p:sp>
+    </p:spTree>
+    <p:extLst>
+      <p:ext uri="{BB962C8B-B14F-4D97-AF65-F5344CB8AC3E}">
+        <p14:creationId xmlns:p14="http://schemas.microsoft.com/office/powerpoint/2010/main" val="1908851424"/>
+      </p:ext>
+    </p:extLst>
+  </p:cSld>
+  <p:clrMapOvr>
+    <a:masterClrMapping/>
+  </p:clrMapOvr>
+</p:sld>
+</file>
+
+<file path=ppt/slides/slide17.xml><?xml version="1.0" encoding="utf-8"?>
+<p:sld xmlns:a="http://schemas.openxmlformats.org/drawingml/2006/main" xmlns:r="http://schemas.openxmlformats.org/officeDocument/2006/relationships" xmlns:p="http://schemas.openxmlformats.org/presentationml/2006/main">
+  <p:cSld>
+    <p:spTree>
+      <p:nvGrpSpPr>
+        <p:cNvPr id="1" name=""/>
+        <p:cNvGrpSpPr/>
+        <p:nvPr/>
+      </p:nvGrpSpPr>
+      <p:grpSpPr>
+        <a:xfrm>
+          <a:off x="0" y="0"/>
+          <a:ext cx="0" cy="0"/>
+          <a:chOff x="0" y="0"/>
+          <a:chExt cx="0" cy="0"/>
+        </a:xfrm>
+      </p:grpSpPr>
+      <p:sp>
+        <p:nvSpPr>
+          <p:cNvPr id="2" name="Title 1">
+            <a:extLst>
+              <a:ext uri="{FF2B5EF4-FFF2-40B4-BE49-F238E27FC236}">
+                <a16:creationId xmlns:a16="http://schemas.microsoft.com/office/drawing/2014/main" id="{9AA271E4-C7DA-BE40-805A-3BAB90E3CAB5}"/>
+              </a:ext>
+            </a:extLst>
+          </p:cNvPr>
+          <p:cNvSpPr>
+            <a:spLocks noGrp="1"/>
+          </p:cNvSpPr>
+          <p:nvPr>
+            <p:ph type="title"/>
+          </p:nvPr>
+        </p:nvSpPr>
+        <p:spPr/>
+        <p:txBody>
+          <a:bodyPr/>
+          <a:lstStyle/>
+          <a:p>
+            <a:endParaRPr lang="en-US"/>
+          </a:p>
+        </p:txBody>
+      </p:sp>
+      <p:sp>
+        <p:nvSpPr>
+          <p:cNvPr id="3" name="Content Placeholder 2">
+            <a:extLst>
+              <a:ext uri="{FF2B5EF4-FFF2-40B4-BE49-F238E27FC236}">
+                <a16:creationId xmlns:a16="http://schemas.microsoft.com/office/drawing/2014/main" id="{5DF386C4-85C9-794F-874D-7783B8951C08}"/>
+              </a:ext>
+            </a:extLst>
+          </p:cNvPr>
+          <p:cNvSpPr>
+            <a:spLocks noGrp="1"/>
+          </p:cNvSpPr>
+          <p:nvPr>
+            <p:ph idx="1"/>
+          </p:nvPr>
+        </p:nvSpPr>
+        <p:spPr/>
+        <p:txBody>
+          <a:bodyPr/>
+          <a:lstStyle/>
+          <a:p>
+            <a:endParaRPr lang="en-US"/>
+          </a:p>
+        </p:txBody>
+      </p:sp>
+    </p:spTree>
+    <p:extLst>
+      <p:ext uri="{BB962C8B-B14F-4D97-AF65-F5344CB8AC3E}">
+        <p14:creationId xmlns:p14="http://schemas.microsoft.com/office/powerpoint/2010/main" val="847416120"/>
+      </p:ext>
+    </p:extLst>
+  </p:cSld>
+  <p:clrMapOvr>
+    <a:masterClrMapping/>
+  </p:clrMapOvr>
+</p:sld>
+</file>
+
+<file path=ppt/slides/slide18.xml><?xml version="1.0" encoding="utf-8"?>
+<p:sld xmlns:a="http://schemas.openxmlformats.org/drawingml/2006/main" xmlns:r="http://schemas.openxmlformats.org/officeDocument/2006/relationships" xmlns:p="http://schemas.openxmlformats.org/presentationml/2006/main">
+  <p:cSld>
+    <p:spTree>
+      <p:nvGrpSpPr>
+        <p:cNvPr id="1" name=""/>
+        <p:cNvGrpSpPr/>
+        <p:nvPr/>
+      </p:nvGrpSpPr>
+      <p:grpSpPr>
+        <a:xfrm>
+          <a:off x="0" y="0"/>
+          <a:ext cx="0" cy="0"/>
+          <a:chOff x="0" y="0"/>
+          <a:chExt cx="0" cy="0"/>
+        </a:xfrm>
+      </p:grpSpPr>
+      <p:sp>
+        <p:nvSpPr>
+          <p:cNvPr id="2" name="Title 1">
+            <a:extLst>
+              <a:ext uri="{FF2B5EF4-FFF2-40B4-BE49-F238E27FC236}">
+                <a16:creationId xmlns:a16="http://schemas.microsoft.com/office/drawing/2014/main" id="{B4A3C95A-4C7E-7C40-B4E3-4398BB0742FA}"/>
+              </a:ext>
+            </a:extLst>
+          </p:cNvPr>
+          <p:cNvSpPr>
+            <a:spLocks noGrp="1"/>
+          </p:cNvSpPr>
+          <p:nvPr>
+            <p:ph type="title"/>
+          </p:nvPr>
+        </p:nvSpPr>
+        <p:spPr/>
+        <p:txBody>
+          <a:bodyPr/>
+          <a:lstStyle/>
+          <a:p>
+            <a:endParaRPr lang="en-US"/>
+          </a:p>
+        </p:txBody>
+      </p:sp>
+      <p:sp>
+        <p:nvSpPr>
+          <p:cNvPr id="3" name="Content Placeholder 2">
+            <a:extLst>
+              <a:ext uri="{FF2B5EF4-FFF2-40B4-BE49-F238E27FC236}">
+                <a16:creationId xmlns:a16="http://schemas.microsoft.com/office/drawing/2014/main" id="{F370B737-95A4-4F44-AB54-CB239A353427}"/>
+              </a:ext>
+            </a:extLst>
+          </p:cNvPr>
+          <p:cNvSpPr>
+            <a:spLocks noGrp="1"/>
+          </p:cNvSpPr>
+          <p:nvPr>
+            <p:ph idx="1"/>
+          </p:nvPr>
+        </p:nvSpPr>
+        <p:spPr/>
+        <p:txBody>
+          <a:bodyPr/>
+          <a:lstStyle/>
+          <a:p>
+            <a:endParaRPr lang="en-US"/>
+          </a:p>
+        </p:txBody>
+      </p:sp>
+    </p:spTree>
+    <p:extLst>
+      <p:ext uri="{BB962C8B-B14F-4D97-AF65-F5344CB8AC3E}">
+        <p14:creationId xmlns:p14="http://schemas.microsoft.com/office/powerpoint/2010/main" val="4027145452"/>
+      </p:ext>
+    </p:extLst>
+  </p:cSld>
+  <p:clrMapOvr>
+    <a:masterClrMapping/>
+  </p:clrMapOvr>
+</p:sld>
+</file>
+
+<file path=ppt/slides/slide19.xml><?xml version="1.0" encoding="utf-8"?>
+<p:sld xmlns:a="http://schemas.openxmlformats.org/drawingml/2006/main" xmlns:r="http://schemas.openxmlformats.org/officeDocument/2006/relationships" xmlns:p="http://schemas.openxmlformats.org/presentationml/2006/main">
+  <p:cSld>
+    <p:spTree>
+      <p:nvGrpSpPr>
+        <p:cNvPr id="1" name=""/>
+        <p:cNvGrpSpPr/>
+        <p:nvPr/>
+      </p:nvGrpSpPr>
+      <p:grpSpPr>
+        <a:xfrm>
+          <a:off x="0" y="0"/>
+          <a:ext cx="0" cy="0"/>
+          <a:chOff x="0" y="0"/>
+          <a:chExt cx="0" cy="0"/>
+        </a:xfrm>
+      </p:grpSpPr>
+      <p:sp>
+        <p:nvSpPr>
+          <p:cNvPr id="2" name="Title 1">
+            <a:extLst>
+              <a:ext uri="{FF2B5EF4-FFF2-40B4-BE49-F238E27FC236}">
+                <a16:creationId xmlns:a16="http://schemas.microsoft.com/office/drawing/2014/main" id="{3966868E-E76E-974D-A571-B7DD745BD548}"/>
+              </a:ext>
+            </a:extLst>
+          </p:cNvPr>
+          <p:cNvSpPr>
+            <a:spLocks noGrp="1"/>
+          </p:cNvSpPr>
+          <p:nvPr>
+            <p:ph type="title"/>
+          </p:nvPr>
+        </p:nvSpPr>
+        <p:spPr/>
+        <p:txBody>
+          <a:bodyPr/>
+          <a:lstStyle/>
+          <a:p>
+            <a:endParaRPr lang="en-US"/>
+          </a:p>
+        </p:txBody>
+      </p:sp>
+      <p:sp>
+        <p:nvSpPr>
+          <p:cNvPr id="3" name="Content Placeholder 2">
+            <a:extLst>
+              <a:ext uri="{FF2B5EF4-FFF2-40B4-BE49-F238E27FC236}">
+                <a16:creationId xmlns:a16="http://schemas.microsoft.com/office/drawing/2014/main" id="{F1F5B760-DDD4-3D40-B076-10078924BE66}"/>
+              </a:ext>
+            </a:extLst>
+          </p:cNvPr>
+          <p:cNvSpPr>
+            <a:spLocks noGrp="1"/>
+          </p:cNvSpPr>
+          <p:nvPr>
+            <p:ph idx="1"/>
+          </p:nvPr>
+        </p:nvSpPr>
+        <p:spPr/>
+        <p:txBody>
+          <a:bodyPr/>
+          <a:lstStyle/>
+          <a:p>
+            <a:endParaRPr lang="en-US"/>
+          </a:p>
+        </p:txBody>
+      </p:sp>
+    </p:spTree>
+    <p:extLst>
+      <p:ext uri="{BB962C8B-B14F-4D97-AF65-F5344CB8AC3E}">
+        <p14:creationId xmlns:p14="http://schemas.microsoft.com/office/powerpoint/2010/main" val="1344392860"/>
+      </p:ext>
+    </p:extLst>
+  </p:cSld>
+  <p:clrMapOvr>
+    <a:masterClrMapping/>
+  </p:clrMapOvr>
+</p:sld>
+</file>
+
+<file path=ppt/slides/slide2.xml><?xml version="1.0" encoding="utf-8"?>
+<p:sld xmlns:a="http://schemas.openxmlformats.org/drawingml/2006/main" xmlns:r="http://schemas.openxmlformats.org/officeDocument/2006/relationships" xmlns:p="http://schemas.openxmlformats.org/presentationml/2006/main">
+  <p:cSld>
+    <p:spTree>
+      <p:nvGrpSpPr>
+        <p:cNvPr id="1" name=""/>
+        <p:cNvGrpSpPr/>
+        <p:nvPr/>
+      </p:nvGrpSpPr>
+      <p:grpSpPr>
+        <a:xfrm>
+          <a:off x="0" y="0"/>
+          <a:ext cx="0" cy="0"/>
+          <a:chOff x="0" y="0"/>
+          <a:chExt cx="0" cy="0"/>
+        </a:xfrm>
+      </p:grpSpPr>
+      <p:sp>
+        <p:nvSpPr>
+          <p:cNvPr id="2" name="Title 1">
+            <a:extLst>
+              <a:ext uri="{FF2B5EF4-FFF2-40B4-BE49-F238E27FC236}">
+                <a16:creationId xmlns:a16="http://schemas.microsoft.com/office/drawing/2014/main" id="{3CC8745D-31A9-D74B-BF75-5CB21FF6DB22}"/>
+              </a:ext>
+            </a:extLst>
+          </p:cNvPr>
+          <p:cNvSpPr>
+            <a:spLocks noGrp="1"/>
+          </p:cNvSpPr>
+          <p:nvPr>
+            <p:ph type="title"/>
+          </p:nvPr>
+        </p:nvSpPr>
+        <p:spPr/>
+        <p:txBody>
+          <a:bodyPr/>
+          <a:lstStyle/>
+          <a:p>
+            <a:r>
+              <a:rPr lang="en-US" dirty="0"/>
+              <a:t>Content Structure</a:t>
+            </a:r>
+          </a:p>
+        </p:txBody>
+      </p:sp>
+      <p:sp>
+        <p:nvSpPr>
+          <p:cNvPr id="3" name="Content Placeholder 2">
+            <a:extLst>
+              <a:ext uri="{FF2B5EF4-FFF2-40B4-BE49-F238E27FC236}">
+                <a16:creationId xmlns:a16="http://schemas.microsoft.com/office/drawing/2014/main" id="{86086781-D22F-8B41-BAE4-C1FCCE483421}"/>
+              </a:ext>
+            </a:extLst>
+          </p:cNvPr>
+          <p:cNvSpPr>
+            <a:spLocks noGrp="1"/>
+          </p:cNvSpPr>
+          <p:nvPr>
+            <p:ph idx="1"/>
+          </p:nvPr>
+        </p:nvSpPr>
+        <p:spPr/>
+        <p:txBody>
+          <a:bodyPr/>
+          <a:lstStyle/>
+          <a:p>
+            <a:r>
+              <a:rPr lang="en-US" dirty="0"/>
+              <a:t>Source Code and Dataset Directory</a:t>
+            </a:r>
+          </a:p>
+          <a:p>
+            <a:r>
+              <a:rPr lang="en-US" dirty="0"/>
+              <a:t>SMS Classification with Naïve Bayes (Book: Chapter 4)</a:t>
+            </a:r>
+          </a:p>
+          <a:p>
+            <a:r>
+              <a:rPr lang="en-US" dirty="0"/>
+              <a:t>UCI Adult Dataset Classification with Naïve Bayes (My Own)</a:t>
+            </a:r>
+          </a:p>
+        </p:txBody>
+      </p:sp>
+    </p:spTree>
+    <p:extLst>
+      <p:ext uri="{BB962C8B-B14F-4D97-AF65-F5344CB8AC3E}">
+        <p14:creationId xmlns:p14="http://schemas.microsoft.com/office/powerpoint/2010/main" val="1226627503"/>
+      </p:ext>
+    </p:extLst>
+  </p:cSld>
+  <p:clrMapOvr>
+    <a:masterClrMapping/>
+  </p:clrMapOvr>
+</p:sld>
+</file>
+
+<file path=ppt/slides/slide3.xml><?xml version="1.0" encoding="utf-8"?>
+<p:sld xmlns:a="http://schemas.openxmlformats.org/drawingml/2006/main" xmlns:r="http://schemas.openxmlformats.org/officeDocument/2006/relationships" xmlns:p="http://schemas.openxmlformats.org/presentationml/2006/main">
+  <p:cSld>
+    <p:spTree>
+      <p:nvGrpSpPr>
+        <p:cNvPr id="1" name=""/>
+        <p:cNvGrpSpPr/>
+        <p:nvPr/>
+      </p:nvGrpSpPr>
+      <p:grpSpPr>
+        <a:xfrm>
+          <a:off x="0" y="0"/>
+          <a:ext cx="0" cy="0"/>
+          <a:chOff x="0" y="0"/>
+          <a:chExt cx="0" cy="0"/>
+        </a:xfrm>
+      </p:grpSpPr>
+      <p:sp>
+        <p:nvSpPr>
+          <p:cNvPr id="2" name="Title 1">
+            <a:extLst>
+              <a:ext uri="{FF2B5EF4-FFF2-40B4-BE49-F238E27FC236}">
+                <a16:creationId xmlns:a16="http://schemas.microsoft.com/office/drawing/2014/main" id="{47694068-A7DE-A145-B39F-8F9AFE35B6D4}"/>
+              </a:ext>
+            </a:extLst>
+          </p:cNvPr>
+          <p:cNvSpPr>
+            <a:spLocks noGrp="1"/>
+          </p:cNvSpPr>
+          <p:nvPr>
+            <p:ph type="title"/>
+          </p:nvPr>
+        </p:nvSpPr>
+        <p:spPr/>
+        <p:txBody>
+          <a:bodyPr/>
+          <a:lstStyle/>
+          <a:p>
+            <a:r>
+              <a:rPr lang="en-US" dirty="0"/>
+              <a:t>Source Code and Dataset Directory</a:t>
+            </a:r>
+          </a:p>
+        </p:txBody>
+      </p:sp>
+      <p:sp>
+        <p:nvSpPr>
+          <p:cNvPr id="3" name="Content Placeholder 2">
+            <a:extLst>
+              <a:ext uri="{FF2B5EF4-FFF2-40B4-BE49-F238E27FC236}">
+                <a16:creationId xmlns:a16="http://schemas.microsoft.com/office/drawing/2014/main" id="{9697A901-BBC7-3C41-ABC0-43593F487CE6}"/>
+              </a:ext>
+            </a:extLst>
+          </p:cNvPr>
+          <p:cNvSpPr>
+            <a:spLocks noGrp="1"/>
+          </p:cNvSpPr>
+          <p:nvPr>
+            <p:ph idx="1"/>
+          </p:nvPr>
+        </p:nvSpPr>
+        <p:spPr>
+          <a:xfrm>
+            <a:off x="838200" y="1825625"/>
+            <a:ext cx="11074758" cy="4351338"/>
+          </a:xfrm>
+        </p:spPr>
+        <p:txBody>
+          <a:bodyPr/>
+          <a:lstStyle/>
+          <a:p>
+            <a:r>
+              <a:rPr lang="en-US" dirty="0"/>
+              <a:t>Two .R files</a:t>
+            </a:r>
+          </a:p>
+          <a:p>
+            <a:pPr lvl="1"/>
+            <a:r>
+              <a:rPr lang="en-US" dirty="0"/>
+              <a:t>MH8111_ExampleFromBook.R</a:t>
+            </a:r>
+          </a:p>
+          <a:p>
+            <a:pPr lvl="2"/>
+            <a:r>
+              <a:rPr lang="en-US" dirty="0"/>
+              <a:t>I followed the Machine Learning with R’s Chapter 4</a:t>
+            </a:r>
+          </a:p>
+          <a:p>
+            <a:pPr lvl="2"/>
+            <a:r>
+              <a:rPr lang="en-US" dirty="0"/>
+              <a:t>The classification method was Naïve Bayes</a:t>
+            </a:r>
+          </a:p>
+          <a:p>
+            <a:pPr lvl="1"/>
+            <a:r>
+              <a:rPr lang="en-US" dirty="0"/>
+              <a:t>MH8111_MyOwnDataSet.R</a:t>
+            </a:r>
+          </a:p>
+          <a:p>
+            <a:pPr lvl="2"/>
+            <a:r>
+              <a:rPr lang="en-US" dirty="0"/>
+              <a:t>I used Adult Dataset from UCI to predict income</a:t>
+            </a:r>
+          </a:p>
+          <a:p>
+            <a:pPr lvl="2"/>
+            <a:r>
+              <a:rPr lang="en-SG" dirty="0">
+                <a:hlinkClick r:id="rId2"/>
+              </a:rPr>
+              <a:t>https://archive.ics.uci.edu/ml/datasets/Adult</a:t>
+            </a:r>
+            <a:endParaRPr lang="en-SG" dirty="0"/>
+          </a:p>
+          <a:p>
+            <a:r>
+              <a:rPr lang="en-SG" dirty="0"/>
+              <a:t>Two Dataset files</a:t>
+            </a:r>
+          </a:p>
+          <a:p>
+            <a:pPr lvl="1"/>
+            <a:r>
+              <a:rPr lang="en-SG" dirty="0" err="1"/>
+              <a:t>sms_spam.csv</a:t>
+            </a:r>
+            <a:r>
+              <a:rPr lang="en-SG" dirty="0"/>
+              <a:t> is used by </a:t>
+            </a:r>
+            <a:r>
+              <a:rPr lang="en-US" dirty="0"/>
+              <a:t>MH8111_ExampleFromBook.R</a:t>
+            </a:r>
+            <a:endParaRPr lang="en-SG" dirty="0"/>
+          </a:p>
+          <a:p>
+            <a:pPr lvl="1"/>
+            <a:r>
+              <a:rPr lang="en-US" dirty="0" err="1"/>
+              <a:t>adult.data</a:t>
+            </a:r>
+            <a:r>
+              <a:rPr lang="en-US" dirty="0"/>
+              <a:t>, which I downloaded, is used by MH8111_MyOwnDataSet.R</a:t>
+            </a:r>
+          </a:p>
+        </p:txBody>
+      </p:sp>
+    </p:spTree>
+    <p:extLst>
+      <p:ext uri="{BB962C8B-B14F-4D97-AF65-F5344CB8AC3E}">
+        <p14:creationId xmlns:p14="http://schemas.microsoft.com/office/powerpoint/2010/main" val="3981682690"/>
+      </p:ext>
+    </p:extLst>
+  </p:cSld>
+  <p:clrMapOvr>
+    <a:masterClrMapping/>
+  </p:clrMapOvr>
+</p:sld>
+</file>
+
+<file path=ppt/slides/slide4.xml><?xml version="1.0" encoding="utf-8"?>
+<p:sld xmlns:a="http://schemas.openxmlformats.org/drawingml/2006/main" xmlns:r="http://schemas.openxmlformats.org/officeDocument/2006/relationships" xmlns:p="http://schemas.openxmlformats.org/presentationml/2006/main">
+  <p:cSld>
+    <p:spTree>
+      <p:nvGrpSpPr>
+        <p:cNvPr id="1" name=""/>
+        <p:cNvGrpSpPr/>
+        <p:nvPr/>
+      </p:nvGrpSpPr>
+      <p:grpSpPr>
+        <a:xfrm>
+          <a:off x="0" y="0"/>
+          <a:ext cx="0" cy="0"/>
+          <a:chOff x="0" y="0"/>
+          <a:chExt cx="0" cy="0"/>
+        </a:xfrm>
+      </p:grpSpPr>
+      <p:sp>
+        <p:nvSpPr>
+          <p:cNvPr id="2" name="Title 1">
+            <a:extLst>
+              <a:ext uri="{FF2B5EF4-FFF2-40B4-BE49-F238E27FC236}">
+                <a16:creationId xmlns:a16="http://schemas.microsoft.com/office/drawing/2014/main" id="{EFF8E131-184B-104F-B613-794C068B11AD}"/>
+              </a:ext>
+            </a:extLst>
+          </p:cNvPr>
+          <p:cNvSpPr>
+            <a:spLocks noGrp="1"/>
+          </p:cNvSpPr>
+          <p:nvPr>
+            <p:ph type="title"/>
+          </p:nvPr>
+        </p:nvSpPr>
+        <p:spPr/>
+        <p:txBody>
+          <a:bodyPr/>
+          <a:lstStyle/>
+          <a:p>
+            <a:r>
+              <a:rPr lang="en-US" dirty="0"/>
+              <a:t>SMS classification with Naïve Bayes</a:t>
+            </a:r>
+          </a:p>
+        </p:txBody>
+      </p:sp>
+      <p:sp>
+        <p:nvSpPr>
+          <p:cNvPr id="3" name="Content Placeholder 2">
+            <a:extLst>
+              <a:ext uri="{FF2B5EF4-FFF2-40B4-BE49-F238E27FC236}">
+                <a16:creationId xmlns:a16="http://schemas.microsoft.com/office/drawing/2014/main" id="{40ECE1E6-787C-CA4C-ACCA-99FBCEEAC3FD}"/>
+              </a:ext>
+            </a:extLst>
+          </p:cNvPr>
+          <p:cNvSpPr>
+            <a:spLocks noGrp="1"/>
+          </p:cNvSpPr>
+          <p:nvPr>
+            <p:ph idx="1"/>
+          </p:nvPr>
+        </p:nvSpPr>
+        <p:spPr/>
+        <p:txBody>
+          <a:bodyPr/>
+          <a:lstStyle/>
+          <a:p>
+            <a:r>
+              <a:rPr lang="en-US" dirty="0"/>
+              <a:t>Followed the book example, I’ve learnt the Naïve Bayes classification model.</a:t>
+            </a:r>
+          </a:p>
+          <a:p>
+            <a:r>
+              <a:rPr lang="en-US" dirty="0"/>
+              <a:t>Some of the library functions used in the book is deprecated now, and I have to come up with my own work around. </a:t>
+            </a:r>
+          </a:p>
+          <a:p>
+            <a:r>
+              <a:rPr lang="en-US" dirty="0"/>
+              <a:t>Overall, the example is easy to follow and it help me understand the models step by step.</a:t>
+            </a:r>
+          </a:p>
+          <a:p>
+            <a:r>
+              <a:rPr lang="en-US" dirty="0"/>
+              <a:t>I’m not going to discuss this part as it’s very straight forward.</a:t>
+            </a:r>
+          </a:p>
+        </p:txBody>
+      </p:sp>
+    </p:spTree>
+    <p:extLst>
+      <p:ext uri="{BB962C8B-B14F-4D97-AF65-F5344CB8AC3E}">
+        <p14:creationId xmlns:p14="http://schemas.microsoft.com/office/powerpoint/2010/main" val="4194766396"/>
+      </p:ext>
+    </p:extLst>
+  </p:cSld>
+  <p:clrMapOvr>
+    <a:masterClrMapping/>
+  </p:clrMapOvr>
+</p:sld>
+</file>
+
+<file path=ppt/slides/slide5.xml><?xml version="1.0" encoding="utf-8"?>
+<p:sld xmlns:a="http://schemas.openxmlformats.org/drawingml/2006/main" xmlns:r="http://schemas.openxmlformats.org/officeDocument/2006/relationships" xmlns:p="http://schemas.openxmlformats.org/presentationml/2006/main">
+  <p:cSld>
+    <p:spTree>
+      <p:nvGrpSpPr>
+        <p:cNvPr id="1" name=""/>
+        <p:cNvGrpSpPr/>
+        <p:nvPr/>
+      </p:nvGrpSpPr>
+      <p:grpSpPr>
+        <a:xfrm>
+          <a:off x="0" y="0"/>
+          <a:ext cx="0" cy="0"/>
+          <a:chOff x="0" y="0"/>
+          <a:chExt cx="0" cy="0"/>
+        </a:xfrm>
+      </p:grpSpPr>
+      <p:sp>
+        <p:nvSpPr>
+          <p:cNvPr id="2" name="Title 1">
+            <a:extLst>
+              <a:ext uri="{FF2B5EF4-FFF2-40B4-BE49-F238E27FC236}">
+                <a16:creationId xmlns:a16="http://schemas.microsoft.com/office/drawing/2014/main" id="{D3106B36-EF1D-B54F-94B2-45505031D7A4}"/>
+              </a:ext>
+            </a:extLst>
+          </p:cNvPr>
+          <p:cNvSpPr>
+            <a:spLocks noGrp="1"/>
+          </p:cNvSpPr>
+          <p:nvPr>
+            <p:ph type="title"/>
+          </p:nvPr>
+        </p:nvSpPr>
+        <p:spPr/>
+        <p:txBody>
+          <a:bodyPr/>
+          <a:lstStyle/>
+          <a:p>
+            <a:r>
+              <a:rPr lang="en-US" dirty="0"/>
+              <a:t>Adult Dataset Classification with Naïve Bayes</a:t>
+            </a:r>
+          </a:p>
+        </p:txBody>
+      </p:sp>
+      <p:sp>
+        <p:nvSpPr>
+          <p:cNvPr id="3" name="Content Placeholder 2">
+            <a:extLst>
+              <a:ext uri="{FF2B5EF4-FFF2-40B4-BE49-F238E27FC236}">
+                <a16:creationId xmlns:a16="http://schemas.microsoft.com/office/drawing/2014/main" id="{6BF21373-F526-F946-B3C5-EE76EAA21381}"/>
+              </a:ext>
+            </a:extLst>
+          </p:cNvPr>
+          <p:cNvSpPr>
+            <a:spLocks noGrp="1"/>
+          </p:cNvSpPr>
+          <p:nvPr>
+            <p:ph idx="1"/>
+          </p:nvPr>
+        </p:nvSpPr>
+        <p:spPr/>
+        <p:txBody>
+          <a:bodyPr/>
+          <a:lstStyle/>
+          <a:p>
+            <a:pPr marL="0" indent="0">
+              <a:buNone/>
+            </a:pPr>
+            <a:r>
+              <a:rPr lang="en-US" dirty="0"/>
+              <a:t>I will dedicate the rest of the slides to fully document the details of the classification using the Adult dataset, here is a summary of what I’m going to cover in the following sections,</a:t>
+            </a:r>
+          </a:p>
+          <a:p>
+            <a:pPr marL="0" indent="0">
+              <a:buNone/>
+            </a:pPr>
+            <a:endParaRPr lang="en-US" dirty="0"/>
+          </a:p>
+          <a:p>
+            <a:pPr lvl="1"/>
+            <a:r>
+              <a:rPr lang="en-US" dirty="0"/>
+              <a:t>Data Description</a:t>
+            </a:r>
+          </a:p>
+          <a:p>
+            <a:pPr lvl="1"/>
+            <a:r>
+              <a:rPr lang="en-US" dirty="0"/>
+              <a:t>Data Exploration</a:t>
+            </a:r>
+          </a:p>
+          <a:p>
+            <a:pPr lvl="1"/>
+            <a:r>
+              <a:rPr lang="en-US" dirty="0"/>
+              <a:t>Missing Data Handling</a:t>
+            </a:r>
+          </a:p>
+          <a:p>
+            <a:pPr lvl="1"/>
+            <a:r>
+              <a:rPr lang="en-US" dirty="0"/>
+              <a:t>Feature Engineering (The Major Component)</a:t>
+            </a:r>
+          </a:p>
+          <a:p>
+            <a:pPr lvl="1"/>
+            <a:r>
+              <a:rPr lang="en-US" dirty="0"/>
+              <a:t>Model Training &amp; Prediction &amp; Performance Evaluation</a:t>
+            </a:r>
+          </a:p>
+          <a:p>
+            <a:pPr lvl="1"/>
+            <a:r>
+              <a:rPr lang="en-US" dirty="0"/>
+              <a:t>Model Improvement &amp; Performance Re-evaluation</a:t>
+            </a:r>
+          </a:p>
+          <a:p>
+            <a:pPr lvl="1"/>
+            <a:endParaRPr lang="en-US" dirty="0"/>
+          </a:p>
+          <a:p>
+            <a:pPr marL="0" indent="0">
+              <a:buNone/>
+            </a:pPr>
+            <a:endParaRPr lang="en-US" dirty="0"/>
+          </a:p>
+        </p:txBody>
+      </p:sp>
+    </p:spTree>
+    <p:extLst>
+      <p:ext uri="{BB962C8B-B14F-4D97-AF65-F5344CB8AC3E}">
+        <p14:creationId xmlns:p14="http://schemas.microsoft.com/office/powerpoint/2010/main" val="1381304132"/>
+      </p:ext>
+    </p:extLst>
+  </p:cSld>
+  <p:clrMapOvr>
+    <a:masterClrMapping/>
+  </p:clrMapOvr>
+</p:sld>
+</file>
+
+<file path=ppt/slides/slide6.xml><?xml version="1.0" encoding="utf-8"?>
+<p:sld xmlns:a="http://schemas.openxmlformats.org/drawingml/2006/main" xmlns:r="http://schemas.openxmlformats.org/officeDocument/2006/relationships" xmlns:p="http://schemas.openxmlformats.org/presentationml/2006/main">
+  <p:cSld>
+    <p:spTree>
+      <p:nvGrpSpPr>
+        <p:cNvPr id="1" name=""/>
+        <p:cNvGrpSpPr/>
+        <p:nvPr/>
+      </p:nvGrpSpPr>
+      <p:grpSpPr>
+        <a:xfrm>
+          <a:off x="0" y="0"/>
+          <a:ext cx="0" cy="0"/>
+          <a:chOff x="0" y="0"/>
+          <a:chExt cx="0" cy="0"/>
+        </a:xfrm>
+      </p:grpSpPr>
+      <p:sp>
+        <p:nvSpPr>
+          <p:cNvPr id="2" name="Title 1">
+            <a:extLst>
+              <a:ext uri="{FF2B5EF4-FFF2-40B4-BE49-F238E27FC236}">
+                <a16:creationId xmlns:a16="http://schemas.microsoft.com/office/drawing/2014/main" id="{82C16AA0-4E31-244D-94F0-7CBEF947B9C1}"/>
+              </a:ext>
+            </a:extLst>
+          </p:cNvPr>
+          <p:cNvSpPr>
+            <a:spLocks noGrp="1"/>
+          </p:cNvSpPr>
+          <p:nvPr>
+            <p:ph type="title"/>
+          </p:nvPr>
+        </p:nvSpPr>
+        <p:spPr/>
+        <p:txBody>
+          <a:bodyPr/>
+          <a:lstStyle/>
+          <a:p>
+            <a:r>
+              <a:rPr lang="en-US" dirty="0"/>
+              <a:t>Data Description</a:t>
+            </a:r>
+          </a:p>
+        </p:txBody>
+      </p:sp>
+      <p:sp>
+        <p:nvSpPr>
+          <p:cNvPr id="3" name="Content Placeholder 2">
+            <a:extLst>
+              <a:ext uri="{FF2B5EF4-FFF2-40B4-BE49-F238E27FC236}">
+                <a16:creationId xmlns:a16="http://schemas.microsoft.com/office/drawing/2014/main" id="{2AC8920D-E1CA-5344-9EF3-8688E9BA97EF}"/>
+              </a:ext>
+            </a:extLst>
+          </p:cNvPr>
+          <p:cNvSpPr>
+            <a:spLocks noGrp="1"/>
+          </p:cNvSpPr>
+          <p:nvPr>
+            <p:ph idx="1"/>
+          </p:nvPr>
+        </p:nvSpPr>
+        <p:spPr>
+          <a:xfrm>
+            <a:off x="838200" y="1506828"/>
+            <a:ext cx="10515600" cy="5138671"/>
+          </a:xfrm>
+        </p:spPr>
+        <p:txBody>
+          <a:bodyPr>
+            <a:normAutofit fontScale="70000" lnSpcReduction="20000"/>
+          </a:bodyPr>
+          <a:lstStyle/>
+          <a:p>
+            <a:pPr marL="0" indent="0">
+              <a:buNone/>
+            </a:pPr>
+            <a:r>
+              <a:rPr lang="en-US" b="1" dirty="0">
+                <a:solidFill>
+                  <a:srgbClr val="00B050"/>
+                </a:solidFill>
+              </a:rPr>
+              <a:t># 0. income: &gt;50K, &lt;=50K. (class label)</a:t>
+            </a:r>
+          </a:p>
+          <a:p>
+            <a:pPr marL="0" indent="0">
+              <a:buNone/>
+            </a:pPr>
+            <a:r>
+              <a:rPr lang="en-US" dirty="0"/>
+              <a:t># 1. </a:t>
+            </a:r>
+            <a:r>
+              <a:rPr lang="en-US" dirty="0">
+                <a:solidFill>
+                  <a:srgbClr val="00B0F0"/>
+                </a:solidFill>
+              </a:rPr>
+              <a:t>age</a:t>
+            </a:r>
+            <a:r>
+              <a:rPr lang="en-US" dirty="0"/>
+              <a:t>: continuous.</a:t>
+            </a:r>
+          </a:p>
+          <a:p>
+            <a:pPr marL="0" indent="0">
+              <a:buNone/>
+            </a:pPr>
+            <a:r>
+              <a:rPr lang="en-US" dirty="0"/>
+              <a:t># 2. </a:t>
+            </a:r>
+            <a:r>
+              <a:rPr lang="en-US" dirty="0" err="1">
+                <a:solidFill>
+                  <a:srgbClr val="00B0F0"/>
+                </a:solidFill>
+              </a:rPr>
+              <a:t>work_class</a:t>
+            </a:r>
+            <a:r>
+              <a:rPr lang="en-US" dirty="0"/>
+              <a:t>: Private, Self-emp-not-</a:t>
+            </a:r>
+            <a:r>
+              <a:rPr lang="en-US" dirty="0" err="1"/>
+              <a:t>inc</a:t>
+            </a:r>
+            <a:r>
+              <a:rPr lang="en-US" dirty="0"/>
+              <a:t>, Self-emp-</a:t>
+            </a:r>
+            <a:r>
+              <a:rPr lang="en-US" dirty="0" err="1"/>
+              <a:t>inc</a:t>
+            </a:r>
+            <a:r>
+              <a:rPr lang="en-US" dirty="0"/>
+              <a:t>, Federal-gov, Local-gov, State-gov, </a:t>
+            </a:r>
+          </a:p>
+          <a:p>
+            <a:pPr marL="0" indent="0">
+              <a:buNone/>
+            </a:pPr>
+            <a:r>
+              <a:rPr lang="en-US" dirty="0"/>
+              <a:t># 3. </a:t>
+            </a:r>
+            <a:r>
+              <a:rPr lang="en-US" dirty="0" err="1">
+                <a:solidFill>
+                  <a:srgbClr val="00B0F0"/>
+                </a:solidFill>
+              </a:rPr>
+              <a:t>fnlwgt</a:t>
+            </a:r>
+            <a:r>
+              <a:rPr lang="en-US" dirty="0"/>
+              <a:t>: continuous.</a:t>
+            </a:r>
+          </a:p>
+          <a:p>
+            <a:pPr marL="0" indent="0">
+              <a:buNone/>
+            </a:pPr>
+            <a:r>
+              <a:rPr lang="en-US" dirty="0"/>
+              <a:t># 4. </a:t>
+            </a:r>
+            <a:r>
+              <a:rPr lang="en-US" dirty="0">
+                <a:solidFill>
+                  <a:srgbClr val="00B0F0"/>
+                </a:solidFill>
+              </a:rPr>
+              <a:t>education</a:t>
+            </a:r>
+            <a:r>
+              <a:rPr lang="en-US" dirty="0"/>
+              <a:t>: Bachelors, Some-college, 11th, HS-grad, Prof-school, Assoc-</a:t>
+            </a:r>
+            <a:r>
+              <a:rPr lang="en-US" dirty="0" err="1"/>
+              <a:t>acdm</a:t>
+            </a:r>
+            <a:r>
+              <a:rPr lang="en-US" dirty="0"/>
+              <a:t>, Assoc-</a:t>
+            </a:r>
+            <a:r>
+              <a:rPr lang="en-US" dirty="0" err="1"/>
+              <a:t>voc</a:t>
+            </a:r>
+            <a:r>
+              <a:rPr lang="en-US" dirty="0"/>
+              <a:t>, </a:t>
+            </a:r>
+          </a:p>
+          <a:p>
+            <a:pPr marL="0" indent="0">
+              <a:buNone/>
+            </a:pPr>
+            <a:r>
+              <a:rPr lang="en-US" dirty="0"/>
+              <a:t># 5. </a:t>
+            </a:r>
+            <a:r>
+              <a:rPr lang="en-US" dirty="0">
+                <a:solidFill>
+                  <a:srgbClr val="00B0F0"/>
+                </a:solidFill>
+              </a:rPr>
+              <a:t>education-num</a:t>
+            </a:r>
+            <a:r>
+              <a:rPr lang="en-US" dirty="0"/>
+              <a:t>: continuous.</a:t>
+            </a:r>
+          </a:p>
+          <a:p>
+            <a:pPr marL="0" indent="0">
+              <a:buNone/>
+            </a:pPr>
+            <a:r>
+              <a:rPr lang="en-US" dirty="0"/>
+              <a:t># 6. </a:t>
+            </a:r>
+            <a:r>
+              <a:rPr lang="en-US" dirty="0" err="1">
+                <a:solidFill>
+                  <a:srgbClr val="00B0F0"/>
+                </a:solidFill>
+              </a:rPr>
+              <a:t>marital_status</a:t>
+            </a:r>
+            <a:r>
+              <a:rPr lang="en-US" dirty="0"/>
+              <a:t>: Married-civ-spouse, Divorced, Never-married, Separated, </a:t>
+            </a:r>
+          </a:p>
+          <a:p>
+            <a:pPr marL="0" indent="0">
+              <a:buNone/>
+            </a:pPr>
+            <a:r>
+              <a:rPr lang="en-US" dirty="0"/>
+              <a:t># 7. </a:t>
+            </a:r>
+            <a:r>
+              <a:rPr lang="en-US" dirty="0">
+                <a:solidFill>
+                  <a:srgbClr val="00B0F0"/>
+                </a:solidFill>
+              </a:rPr>
+              <a:t>occupation</a:t>
+            </a:r>
+            <a:r>
+              <a:rPr lang="en-US" dirty="0"/>
+              <a:t>: Tech-support, Craft-repair, Other-service, Sales, Exec-managerial, Prof-specialty, </a:t>
+            </a:r>
+          </a:p>
+          <a:p>
+            <a:pPr marL="0" indent="0">
+              <a:buNone/>
+            </a:pPr>
+            <a:r>
+              <a:rPr lang="en-US" dirty="0"/>
+              <a:t># 8. </a:t>
+            </a:r>
+            <a:r>
+              <a:rPr lang="en-US" dirty="0">
+                <a:solidFill>
+                  <a:srgbClr val="00B0F0"/>
+                </a:solidFill>
+              </a:rPr>
+              <a:t>relationship</a:t>
+            </a:r>
+            <a:r>
+              <a:rPr lang="en-US" dirty="0"/>
+              <a:t>: Wife, Own-child, Husband, Not-in-family, Other-relative, Unmarried.</a:t>
+            </a:r>
+          </a:p>
+          <a:p>
+            <a:pPr marL="0" indent="0">
+              <a:buNone/>
+            </a:pPr>
+            <a:r>
+              <a:rPr lang="en-US" dirty="0"/>
+              <a:t># 9. </a:t>
+            </a:r>
+            <a:r>
+              <a:rPr lang="en-US" dirty="0">
+                <a:solidFill>
+                  <a:srgbClr val="00B0F0"/>
+                </a:solidFill>
+              </a:rPr>
+              <a:t>race</a:t>
+            </a:r>
+            <a:r>
+              <a:rPr lang="en-US" dirty="0"/>
+              <a:t>: White, Asian-Pac-Islander, Amer-Indian-Eskimo, Other, Black.</a:t>
+            </a:r>
+          </a:p>
+          <a:p>
+            <a:pPr marL="0" indent="0">
+              <a:buNone/>
+            </a:pPr>
+            <a:r>
+              <a:rPr lang="en-US" dirty="0"/>
+              <a:t># 10. </a:t>
+            </a:r>
+            <a:r>
+              <a:rPr lang="en-US" dirty="0">
+                <a:solidFill>
+                  <a:srgbClr val="00B0F0"/>
+                </a:solidFill>
+              </a:rPr>
+              <a:t>sex</a:t>
+            </a:r>
+            <a:r>
+              <a:rPr lang="en-US" dirty="0"/>
+              <a:t>: Female, Male.</a:t>
+            </a:r>
+          </a:p>
+          <a:p>
+            <a:pPr marL="0" indent="0">
+              <a:buNone/>
+            </a:pPr>
+            <a:r>
+              <a:rPr lang="en-US" dirty="0"/>
+              <a:t># 11. </a:t>
+            </a:r>
+            <a:r>
+              <a:rPr lang="en-US" dirty="0">
+                <a:solidFill>
+                  <a:srgbClr val="00B0F0"/>
+                </a:solidFill>
+              </a:rPr>
+              <a:t>capital-gain</a:t>
+            </a:r>
+            <a:r>
+              <a:rPr lang="en-US" dirty="0"/>
+              <a:t>: continuous.</a:t>
+            </a:r>
+          </a:p>
+          <a:p>
+            <a:pPr marL="0" indent="0">
+              <a:buNone/>
+            </a:pPr>
+            <a:r>
+              <a:rPr lang="en-US" dirty="0"/>
+              <a:t># 12. </a:t>
+            </a:r>
+            <a:r>
+              <a:rPr lang="en-US" dirty="0">
+                <a:solidFill>
+                  <a:srgbClr val="00B0F0"/>
+                </a:solidFill>
+              </a:rPr>
+              <a:t>capital-loss</a:t>
+            </a:r>
+            <a:r>
+              <a:rPr lang="en-US" dirty="0"/>
+              <a:t>: continuous.</a:t>
+            </a:r>
+          </a:p>
+          <a:p>
+            <a:pPr marL="0" indent="0">
+              <a:buNone/>
+            </a:pPr>
+            <a:r>
+              <a:rPr lang="en-US" dirty="0"/>
+              <a:t># 13. </a:t>
+            </a:r>
+            <a:r>
+              <a:rPr lang="en-US" dirty="0">
+                <a:solidFill>
+                  <a:srgbClr val="00B0F0"/>
+                </a:solidFill>
+              </a:rPr>
+              <a:t>hours-per-week</a:t>
+            </a:r>
+            <a:r>
+              <a:rPr lang="en-US" dirty="0"/>
+              <a:t>: continuous.</a:t>
+            </a:r>
+          </a:p>
+          <a:p>
+            <a:pPr marL="0" indent="0">
+              <a:buNone/>
+            </a:pPr>
+            <a:r>
+              <a:rPr lang="en-US" dirty="0"/>
+              <a:t># 14. </a:t>
+            </a:r>
+            <a:r>
+              <a:rPr lang="en-US" dirty="0">
+                <a:solidFill>
+                  <a:srgbClr val="00B0F0"/>
+                </a:solidFill>
+              </a:rPr>
+              <a:t>country</a:t>
+            </a:r>
+            <a:r>
+              <a:rPr lang="en-US" dirty="0"/>
+              <a:t>: United-States, Cambodia, England, Puerto-Rico, Canada, .</a:t>
+            </a:r>
+          </a:p>
+        </p:txBody>
+      </p:sp>
+    </p:spTree>
+    <p:extLst>
+      <p:ext uri="{BB962C8B-B14F-4D97-AF65-F5344CB8AC3E}">
+        <p14:creationId xmlns:p14="http://schemas.microsoft.com/office/powerpoint/2010/main" val="477240056"/>
+      </p:ext>
+    </p:extLst>
+  </p:cSld>
+  <p:clrMapOvr>
+    <a:masterClrMapping/>
+  </p:clrMapOvr>
+</p:sld>
+</file>
+
+<file path=ppt/slides/slide7.xml><?xml version="1.0" encoding="utf-8"?>
+<p:sld xmlns:a="http://schemas.openxmlformats.org/drawingml/2006/main" xmlns:r="http://schemas.openxmlformats.org/officeDocument/2006/relationships" xmlns:p="http://schemas.openxmlformats.org/presentationml/2006/main">
+  <p:cSld>
+    <p:spTree>
+      <p:nvGrpSpPr>
+        <p:cNvPr id="1" name=""/>
+        <p:cNvGrpSpPr/>
+        <p:nvPr/>
+      </p:nvGrpSpPr>
+      <p:grpSpPr>
+        <a:xfrm>
+          <a:off x="0" y="0"/>
+          <a:ext cx="0" cy="0"/>
+          <a:chOff x="0" y="0"/>
+          <a:chExt cx="0" cy="0"/>
+        </a:xfrm>
+      </p:grpSpPr>
+      <p:sp>
+        <p:nvSpPr>
+          <p:cNvPr id="2" name="Title 1">
+            <a:extLst>
+              <a:ext uri="{FF2B5EF4-FFF2-40B4-BE49-F238E27FC236}">
+                <a16:creationId xmlns:a16="http://schemas.microsoft.com/office/drawing/2014/main" id="{E6473163-E2DD-224E-9ADE-DC7BA62394C4}"/>
+              </a:ext>
+            </a:extLst>
+          </p:cNvPr>
+          <p:cNvSpPr>
+            <a:spLocks noGrp="1"/>
+          </p:cNvSpPr>
+          <p:nvPr>
+            <p:ph type="title"/>
+          </p:nvPr>
+        </p:nvSpPr>
+        <p:spPr/>
+        <p:txBody>
+          <a:bodyPr/>
+          <a:lstStyle/>
+          <a:p>
+            <a:r>
+              <a:rPr lang="en-US" dirty="0"/>
+              <a:t>Data Exploration</a:t>
+            </a:r>
+          </a:p>
+        </p:txBody>
+      </p:sp>
+      <p:sp>
+        <p:nvSpPr>
+          <p:cNvPr id="3" name="Content Placeholder 2">
+            <a:extLst>
+              <a:ext uri="{FF2B5EF4-FFF2-40B4-BE49-F238E27FC236}">
+                <a16:creationId xmlns:a16="http://schemas.microsoft.com/office/drawing/2014/main" id="{E6CC6509-6BD7-9C45-8D0B-F2C6604D680B}"/>
+              </a:ext>
+            </a:extLst>
+          </p:cNvPr>
+          <p:cNvSpPr>
+            <a:spLocks noGrp="1"/>
+          </p:cNvSpPr>
+          <p:nvPr>
+            <p:ph idx="1"/>
+          </p:nvPr>
+        </p:nvSpPr>
+        <p:spPr/>
+        <p:txBody>
+          <a:bodyPr/>
+          <a:lstStyle/>
+          <a:p>
+            <a:endParaRPr lang="en-US"/>
+          </a:p>
+        </p:txBody>
+      </p:sp>
+    </p:spTree>
+    <p:extLst>
+      <p:ext uri="{BB962C8B-B14F-4D97-AF65-F5344CB8AC3E}">
+        <p14:creationId xmlns:p14="http://schemas.microsoft.com/office/powerpoint/2010/main" val="3563170994"/>
+      </p:ext>
+    </p:extLst>
+  </p:cSld>
+  <p:clrMapOvr>
+    <a:masterClrMapping/>
+  </p:clrMapOvr>
+</p:sld>
+</file>
+
+<file path=ppt/slides/slide8.xml><?xml version="1.0" encoding="utf-8"?>
+<p:sld xmlns:a="http://schemas.openxmlformats.org/drawingml/2006/main" xmlns:r="http://schemas.openxmlformats.org/officeDocument/2006/relationships" xmlns:p="http://schemas.openxmlformats.org/presentationml/2006/main">
+  <p:cSld>
+    <p:spTree>
+      <p:nvGrpSpPr>
+        <p:cNvPr id="1" name=""/>
+        <p:cNvGrpSpPr/>
+        <p:nvPr/>
+      </p:nvGrpSpPr>
+      <p:grpSpPr>
+        <a:xfrm>
+          <a:off x="0" y="0"/>
+          <a:ext cx="0" cy="0"/>
+          <a:chOff x="0" y="0"/>
+          <a:chExt cx="0" cy="0"/>
+        </a:xfrm>
+      </p:grpSpPr>
+      <p:sp>
+        <p:nvSpPr>
+          <p:cNvPr id="2" name="Title 1">
+            <a:extLst>
+              <a:ext uri="{FF2B5EF4-FFF2-40B4-BE49-F238E27FC236}">
+                <a16:creationId xmlns:a16="http://schemas.microsoft.com/office/drawing/2014/main" id="{E5955FC1-F6EC-F04C-98FE-98FE2F09C13B}"/>
+              </a:ext>
+            </a:extLst>
+          </p:cNvPr>
+          <p:cNvSpPr>
+            <a:spLocks noGrp="1"/>
+          </p:cNvSpPr>
+          <p:nvPr>
+            <p:ph type="title"/>
+          </p:nvPr>
+        </p:nvSpPr>
+        <p:spPr/>
+        <p:txBody>
+          <a:bodyPr/>
+          <a:lstStyle/>
+          <a:p>
+            <a:r>
+              <a:rPr lang="en-US" dirty="0"/>
+              <a:t>Missing Data Handling</a:t>
+            </a:r>
+          </a:p>
+        </p:txBody>
+      </p:sp>
+      <p:sp>
+        <p:nvSpPr>
+          <p:cNvPr id="3" name="Content Placeholder 2">
+            <a:extLst>
+              <a:ext uri="{FF2B5EF4-FFF2-40B4-BE49-F238E27FC236}">
+                <a16:creationId xmlns:a16="http://schemas.microsoft.com/office/drawing/2014/main" id="{E9D4D845-60AF-9D43-876C-3BEB208BF23A}"/>
+              </a:ext>
+            </a:extLst>
+          </p:cNvPr>
+          <p:cNvSpPr>
+            <a:spLocks noGrp="1"/>
+          </p:cNvSpPr>
+          <p:nvPr>
+            <p:ph idx="1"/>
+          </p:nvPr>
+        </p:nvSpPr>
+        <p:spPr/>
+        <p:txBody>
+          <a:bodyPr/>
+          <a:lstStyle/>
+          <a:p>
+            <a:endParaRPr lang="en-US"/>
+          </a:p>
+        </p:txBody>
+      </p:sp>
+    </p:spTree>
+    <p:extLst>
+      <p:ext uri="{BB962C8B-B14F-4D97-AF65-F5344CB8AC3E}">
+        <p14:creationId xmlns:p14="http://schemas.microsoft.com/office/powerpoint/2010/main" val="1135290462"/>
+      </p:ext>
+    </p:extLst>
+  </p:cSld>
+  <p:clrMapOvr>
+    <a:masterClrMapping/>
+  </p:clrMapOvr>
+</p:sld>
+</file>
+
+<file path=ppt/slides/slide9.xml><?xml version="1.0" encoding="utf-8"?>
+<p:sld xmlns:a="http://schemas.openxmlformats.org/drawingml/2006/main" xmlns:r="http://schemas.openxmlformats.org/officeDocument/2006/relationships" xmlns:p="http://schemas.openxmlformats.org/presentationml/2006/main">
+  <p:cSld>
+    <p:spTree>
+      <p:nvGrpSpPr>
+        <p:cNvPr id="1" name=""/>
+        <p:cNvGrpSpPr/>
+        <p:nvPr/>
+      </p:nvGrpSpPr>
+      <p:grpSpPr>
+        <a:xfrm>
+          <a:off x="0" y="0"/>
+          <a:ext cx="0" cy="0"/>
+          <a:chOff x="0" y="0"/>
+          <a:chExt cx="0" cy="0"/>
+        </a:xfrm>
+      </p:grpSpPr>
+      <p:sp>
+        <p:nvSpPr>
+          <p:cNvPr id="2" name="Title 1">
+            <a:extLst>
+              <a:ext uri="{FF2B5EF4-FFF2-40B4-BE49-F238E27FC236}">
+                <a16:creationId xmlns:a16="http://schemas.microsoft.com/office/drawing/2014/main" id="{E3090F77-4A97-964A-9191-F71ABF278C92}"/>
+              </a:ext>
+            </a:extLst>
+          </p:cNvPr>
+          <p:cNvSpPr>
+            <a:spLocks noGrp="1"/>
+          </p:cNvSpPr>
+          <p:nvPr>
+            <p:ph type="title"/>
+          </p:nvPr>
+        </p:nvSpPr>
+        <p:spPr/>
+        <p:txBody>
+          <a:bodyPr/>
+          <a:lstStyle/>
+          <a:p>
+            <a:r>
+              <a:rPr lang="en-US" dirty="0"/>
+              <a:t>Feature Engineering</a:t>
+            </a:r>
+          </a:p>
+        </p:txBody>
+      </p:sp>
+      <p:sp>
+        <p:nvSpPr>
+          <p:cNvPr id="3" name="Content Placeholder 2">
+            <a:extLst>
+              <a:ext uri="{FF2B5EF4-FFF2-40B4-BE49-F238E27FC236}">
+                <a16:creationId xmlns:a16="http://schemas.microsoft.com/office/drawing/2014/main" id="{2DAE3C0C-6361-AB4D-97F8-C7F1A90BA455}"/>
+              </a:ext>
+            </a:extLst>
+          </p:cNvPr>
+          <p:cNvSpPr>
+            <a:spLocks noGrp="1"/>
+          </p:cNvSpPr>
+          <p:nvPr>
+            <p:ph idx="1"/>
+          </p:nvPr>
+        </p:nvSpPr>
+        <p:spPr>
+          <a:xfrm>
+            <a:off x="838200" y="1825624"/>
+            <a:ext cx="10515600" cy="4871389"/>
+          </a:xfrm>
+        </p:spPr>
+        <p:txBody>
+          <a:bodyPr>
+            <a:normAutofit fontScale="92500" lnSpcReduction="20000"/>
+          </a:bodyPr>
+          <a:lstStyle/>
+          <a:p>
+            <a:r>
+              <a:rPr lang="en-US" b="1" dirty="0"/>
+              <a:t>The following feature has been converted</a:t>
+            </a:r>
+          </a:p>
+          <a:p>
+            <a:pPr lvl="1"/>
+            <a:r>
+              <a:rPr lang="en-US" dirty="0">
+                <a:solidFill>
+                  <a:srgbClr val="00B0F0"/>
+                </a:solidFill>
+              </a:rPr>
+              <a:t>age</a:t>
+            </a:r>
+            <a:r>
+              <a:rPr lang="en-US" dirty="0"/>
+              <a:t>: converted to categorical with Binning</a:t>
+            </a:r>
+          </a:p>
+          <a:p>
+            <a:pPr lvl="1"/>
+            <a:r>
+              <a:rPr lang="en-US" dirty="0" err="1">
+                <a:solidFill>
+                  <a:srgbClr val="00B0F0"/>
+                </a:solidFill>
+              </a:rPr>
+              <a:t>hours_per_week</a:t>
+            </a:r>
+            <a:r>
+              <a:rPr lang="en-US" dirty="0"/>
+              <a:t>: converted to categorical with Binning</a:t>
+            </a:r>
+          </a:p>
+          <a:p>
+            <a:pPr lvl="1"/>
+            <a:r>
+              <a:rPr lang="en-US" dirty="0">
+                <a:solidFill>
+                  <a:srgbClr val="00B0F0"/>
+                </a:solidFill>
+              </a:rPr>
+              <a:t>education</a:t>
+            </a:r>
+            <a:r>
+              <a:rPr lang="en-US" dirty="0"/>
+              <a:t>: reduced to fewer categories</a:t>
+            </a:r>
+          </a:p>
+          <a:p>
+            <a:pPr lvl="1"/>
+            <a:r>
+              <a:rPr lang="en-US" dirty="0" err="1">
+                <a:solidFill>
+                  <a:srgbClr val="00B0F0"/>
+                </a:solidFill>
+              </a:rPr>
+              <a:t>marital_status</a:t>
+            </a:r>
+            <a:r>
+              <a:rPr lang="en-US" dirty="0"/>
+              <a:t>: reduced to fewer categories</a:t>
+            </a:r>
+          </a:p>
+          <a:p>
+            <a:pPr lvl="1"/>
+            <a:r>
+              <a:rPr lang="en-US" dirty="0">
+                <a:solidFill>
+                  <a:srgbClr val="00B0F0"/>
+                </a:solidFill>
+              </a:rPr>
+              <a:t>country</a:t>
+            </a:r>
+            <a:r>
+              <a:rPr lang="en-US" dirty="0"/>
+              <a:t>: grouped together based on location and level of development</a:t>
+            </a:r>
+          </a:p>
+          <a:p>
+            <a:pPr lvl="1"/>
+            <a:r>
+              <a:rPr lang="en-US" dirty="0" err="1">
+                <a:solidFill>
+                  <a:srgbClr val="00B0F0"/>
+                </a:solidFill>
+              </a:rPr>
+              <a:t>work_class</a:t>
+            </a:r>
+            <a:r>
+              <a:rPr lang="en-US" dirty="0"/>
+              <a:t>: reduced to fewer categories</a:t>
+            </a:r>
+          </a:p>
+          <a:p>
+            <a:r>
+              <a:rPr lang="en-US" b="1" dirty="0"/>
+              <a:t>The following feature has been created</a:t>
+            </a:r>
+          </a:p>
+          <a:p>
+            <a:pPr lvl="1"/>
+            <a:r>
+              <a:rPr lang="en-US" dirty="0" err="1">
+                <a:solidFill>
+                  <a:srgbClr val="00B050"/>
+                </a:solidFill>
+              </a:rPr>
+              <a:t>investement</a:t>
+            </a:r>
+            <a:r>
+              <a:rPr lang="en-US" dirty="0"/>
+              <a:t>: created based on existing features </a:t>
+            </a:r>
+            <a:r>
+              <a:rPr lang="en-US" dirty="0" err="1">
+                <a:solidFill>
+                  <a:srgbClr val="FF0000"/>
+                </a:solidFill>
+              </a:rPr>
+              <a:t>capital_gain</a:t>
+            </a:r>
+            <a:r>
+              <a:rPr lang="en-US" dirty="0">
+                <a:solidFill>
+                  <a:srgbClr val="FF0000"/>
+                </a:solidFill>
+              </a:rPr>
+              <a:t> </a:t>
+            </a:r>
+            <a:r>
+              <a:rPr lang="en-US" dirty="0"/>
+              <a:t>and </a:t>
+            </a:r>
+            <a:r>
+              <a:rPr lang="en-US" dirty="0" err="1">
+                <a:solidFill>
+                  <a:srgbClr val="FF0000"/>
+                </a:solidFill>
+              </a:rPr>
+              <a:t>capital_loss</a:t>
+            </a:r>
+            <a:endParaRPr lang="en-US" dirty="0">
+              <a:solidFill>
+                <a:srgbClr val="FF0000"/>
+              </a:solidFill>
+            </a:endParaRPr>
+          </a:p>
+          <a:p>
+            <a:r>
+              <a:rPr lang="en-US" b="1" dirty="0"/>
+              <a:t>The following feature has been removed</a:t>
+            </a:r>
+          </a:p>
+          <a:p>
+            <a:pPr lvl="1"/>
+            <a:r>
+              <a:rPr lang="en-US" dirty="0" err="1">
+                <a:solidFill>
+                  <a:srgbClr val="FF0000"/>
+                </a:solidFill>
+              </a:rPr>
+              <a:t>education_sum</a:t>
+            </a:r>
+            <a:r>
+              <a:rPr lang="en-US" dirty="0"/>
+              <a:t>: removed due to redundancy with </a:t>
+            </a:r>
+            <a:r>
+              <a:rPr lang="en-US" dirty="0">
+                <a:solidFill>
+                  <a:srgbClr val="00B0F0"/>
+                </a:solidFill>
+              </a:rPr>
+              <a:t>education</a:t>
+            </a:r>
+            <a:r>
+              <a:rPr lang="en-US" dirty="0"/>
+              <a:t> feature</a:t>
+            </a:r>
+          </a:p>
+          <a:p>
+            <a:pPr lvl="1"/>
+            <a:r>
+              <a:rPr lang="en-US" dirty="0" err="1">
+                <a:solidFill>
+                  <a:srgbClr val="FF0000"/>
+                </a:solidFill>
+              </a:rPr>
+              <a:t>fnlwgt</a:t>
+            </a:r>
+            <a:r>
+              <a:rPr lang="en-US" dirty="0"/>
+              <a:t>: sampling weight dropped because I don’t see a point using it</a:t>
+            </a:r>
+          </a:p>
+          <a:p>
+            <a:pPr lvl="1"/>
+            <a:r>
+              <a:rPr lang="en-US" dirty="0" err="1">
+                <a:solidFill>
+                  <a:srgbClr val="FF0000"/>
+                </a:solidFill>
+              </a:rPr>
+              <a:t>capital_gain</a:t>
+            </a:r>
+            <a:r>
+              <a:rPr lang="en-US" dirty="0"/>
+              <a:t>: dropped as new feature </a:t>
+            </a:r>
+            <a:r>
+              <a:rPr lang="en-US" dirty="0">
+                <a:solidFill>
+                  <a:srgbClr val="00B050"/>
+                </a:solidFill>
+              </a:rPr>
+              <a:t>investment</a:t>
+            </a:r>
+            <a:r>
+              <a:rPr lang="en-US" dirty="0"/>
+              <a:t> is created </a:t>
+            </a:r>
+          </a:p>
+          <a:p>
+            <a:pPr lvl="1"/>
+            <a:r>
+              <a:rPr lang="en-US" dirty="0" err="1">
+                <a:solidFill>
+                  <a:srgbClr val="FF0000"/>
+                </a:solidFill>
+              </a:rPr>
+              <a:t>capital_loss</a:t>
+            </a:r>
+            <a:r>
+              <a:rPr lang="en-US" dirty="0"/>
+              <a:t>: dropped as new feature </a:t>
+            </a:r>
+            <a:r>
+              <a:rPr lang="en-US" dirty="0">
+                <a:solidFill>
+                  <a:srgbClr val="00B050"/>
+                </a:solidFill>
+              </a:rPr>
+              <a:t>investment</a:t>
+            </a:r>
+            <a:r>
+              <a:rPr lang="en-US" dirty="0"/>
+              <a:t> is created</a:t>
+            </a:r>
+          </a:p>
+          <a:p>
+            <a:pPr lvl="1"/>
+            <a:endParaRPr lang="en-US" dirty="0"/>
+          </a:p>
+        </p:txBody>
+      </p:sp>
+    </p:spTree>
+    <p:extLst>
+      <p:ext uri="{BB962C8B-B14F-4D97-AF65-F5344CB8AC3E}">
+        <p14:creationId xmlns:p14="http://schemas.microsoft.com/office/powerpoint/2010/main" val="1893510801"/>
+      </p:ext>
+    </p:extLst>
+  </p:cSld>
+  <p:clrMapOvr>
+    <a:masterClrMapping/>
+  </p:clrMapOvr>
+</p:sld>
+</file>
+
 <file path=ppt/theme/theme1.xml><?xml version="1.0" encoding="utf-8"?>
 <a:theme xmlns:a="http://schemas.openxmlformats.org/drawingml/2006/main" name="Office Theme">
   <a:themeElements>
@@ -3693,4 +6409,299 @@
     </a:ext>
   </a:extLst>
 </a:theme>
+</file>
+
+<file path=ppt/theme/theme2.xml><?xml version="1.0" encoding="utf-8"?>
+<a:theme xmlns:a="http://schemas.openxmlformats.org/drawingml/2006/main" name="Office Theme">
+  <a:themeElements>
+    <a:clrScheme name="Office">
+      <a:dk1>
+        <a:sysClr val="windowText" lastClr="000000"/>
+      </a:dk1>
+      <a:lt1>
+        <a:sysClr val="window" lastClr="FFFFFF"/>
+      </a:lt1>
+      <a:dk2>
+        <a:srgbClr val="44546A"/>
+      </a:dk2>
+      <a:lt2>
+        <a:srgbClr val="E7E6E6"/>
+      </a:lt2>
+      <a:accent1>
+        <a:srgbClr val="4472C4"/>
+      </a:accent1>
+      <a:accent2>
+        <a:srgbClr val="ED7D31"/>
+      </a:accent2>
+      <a:accent3>
+        <a:srgbClr val="A5A5A5"/>
+      </a:accent3>
+      <a:accent4>
+        <a:srgbClr val="FFC000"/>
+      </a:accent4>
+      <a:accent5>
+        <a:srgbClr val="5B9BD5"/>
+      </a:accent5>
+      <a:accent6>
+        <a:srgbClr val="70AD47"/>
+      </a:accent6>
+      <a:hlink>
+        <a:srgbClr val="0563C1"/>
+      </a:hlink>
+      <a:folHlink>
+        <a:srgbClr val="954F72"/>
+      </a:folHlink>
+    </a:clrScheme>
+    <a:fontScheme name="Office">
+      <a:majorFont>
+        <a:latin typeface="Calibri Light" panose="020F0302020204030204"/>
+        <a:ea typeface=""/>
+        <a:cs typeface=""/>
+        <a:font script="Jpan" typeface="游ゴシック Light"/>
+        <a:font script="Hang" typeface="맑은 고딕"/>
+        <a:font script="Hans" typeface="等线 Light"/>
+        <a:font script="Hant" typeface="新細明體"/>
+        <a:font script="Arab" typeface="Times New Roman"/>
+        <a:font script="Hebr" typeface="Times New Roman"/>
+        <a:font script="Thai" typeface="Angsana New"/>
+        <a:font script="Ethi" typeface="Nyala"/>
+        <a:font script="Beng" typeface="Vrinda"/>
+        <a:font script="Gujr" typeface="Shruti"/>
+        <a:font script="Khmr" typeface="MoolBoran"/>
+        <a:font script="Knda" typeface="Tunga"/>
+        <a:font script="Guru" typeface="Raavi"/>
+        <a:font script="Cans" typeface="Euphemia"/>
+        <a:font script="Cher" typeface="Plantagenet Cherokee"/>
+        <a:font script="Yiii" typeface="Microsoft Yi Baiti"/>
+        <a:font script="Tibt" typeface="Microsoft Himalaya"/>
+        <a:font script="Thaa" typeface="MV Boli"/>
+        <a:font script="Deva" typeface="Mangal"/>
+        <a:font script="Telu" typeface="Gautami"/>
+        <a:font script="Taml" typeface="Latha"/>
+        <a:font script="Syrc" typeface="Estrangelo Edessa"/>
+        <a:font script="Orya" typeface="Kalinga"/>
+        <a:font script="Mlym" typeface="Kartika"/>
+        <a:font script="Laoo" typeface="DokChampa"/>
+        <a:font script="Sinh" typeface="Iskoola Pota"/>
+        <a:font script="Mong" typeface="Mongolian Baiti"/>
+        <a:font script="Viet" typeface="Times New Roman"/>
+        <a:font script="Uigh" typeface="Microsoft Uighur"/>
+        <a:font script="Geor" typeface="Sylfaen"/>
+        <a:font script="Armn" typeface="Arial"/>
+        <a:font script="Bugi" typeface="Leelawadee UI"/>
+        <a:font script="Bopo" typeface="Microsoft JhengHei"/>
+        <a:font script="Java" typeface="Javanese Text"/>
+        <a:font script="Lisu" typeface="Segoe UI"/>
+        <a:font script="Mymr" typeface="Myanmar Text"/>
+        <a:font script="Nkoo" typeface="Ebrima"/>
+        <a:font script="Olck" typeface="Nirmala UI"/>
+        <a:font script="Osma" typeface="Ebrima"/>
+        <a:font script="Phag" typeface="Phagspa"/>
+        <a:font script="Syrn" typeface="Estrangelo Edessa"/>
+        <a:font script="Syrj" typeface="Estrangelo Edessa"/>
+        <a:font script="Syre" typeface="Estrangelo Edessa"/>
+        <a:font script="Sora" typeface="Nirmala UI"/>
+        <a:font script="Tale" typeface="Microsoft Tai Le"/>
+        <a:font script="Talu" typeface="Microsoft New Tai Lue"/>
+        <a:font script="Tfng" typeface="Ebrima"/>
+      </a:majorFont>
+      <a:minorFont>
+        <a:latin typeface="Calibri" panose="020F0502020204030204"/>
+        <a:ea typeface=""/>
+        <a:cs typeface=""/>
+        <a:font script="Jpan" typeface="游ゴシック"/>
+        <a:font script="Hang" typeface="맑은 고딕"/>
+        <a:font script="Hans" typeface="等线"/>
+        <a:font script="Hant" typeface="新細明體"/>
+        <a:font script="Arab" typeface="Arial"/>
+        <a:font script="Hebr" typeface="Arial"/>
+        <a:font script="Thai" typeface="Cordia New"/>
+        <a:font script="Ethi" typeface="Nyala"/>
+        <a:font script="Beng" typeface="Vrinda"/>
+        <a:font script="Gujr" typeface="Shruti"/>
+        <a:font script="Khmr" typeface="DaunPenh"/>
+        <a:font script="Knda" typeface="Tunga"/>
+        <a:font script="Guru" typeface="Raavi"/>
+        <a:font script="Cans" typeface="Euphemia"/>
+        <a:font script="Cher" typeface="Plantagenet Cherokee"/>
+        <a:font script="Yiii" typeface="Microsoft Yi Baiti"/>
+        <a:font script="Tibt" typeface="Microsoft Himalaya"/>
+        <a:font script="Thaa" typeface="MV Boli"/>
+        <a:font script="Deva" typeface="Mangal"/>
+        <a:font script="Telu" typeface="Gautami"/>
+        <a:font script="Taml" typeface="Latha"/>
+        <a:font script="Syrc" typeface="Estrangelo Edessa"/>
+        <a:font script="Orya" typeface="Kalinga"/>
+        <a:font script="Mlym" typeface="Kartika"/>
+        <a:font script="Laoo" typeface="DokChampa"/>
+        <a:font script="Sinh" typeface="Iskoola Pota"/>
+        <a:font script="Mong" typeface="Mongolian Baiti"/>
+        <a:font script="Viet" typeface="Arial"/>
+        <a:font script="Uigh" typeface="Microsoft Uighur"/>
+        <a:font script="Geor" typeface="Sylfaen"/>
+        <a:font script="Armn" typeface="Arial"/>
+        <a:font script="Bugi" typeface="Leelawadee UI"/>
+        <a:font script="Bopo" typeface="Microsoft JhengHei"/>
+        <a:font script="Java" typeface="Javanese Text"/>
+        <a:font script="Lisu" typeface="Segoe UI"/>
+        <a:font script="Mymr" typeface="Myanmar Text"/>
+        <a:font script="Nkoo" typeface="Ebrima"/>
+        <a:font script="Olck" typeface="Nirmala UI"/>
+        <a:font script="Osma" typeface="Ebrima"/>
+        <a:font script="Phag" typeface="Phagspa"/>
+        <a:font script="Syrn" typeface="Estrangelo Edessa"/>
+        <a:font script="Syrj" typeface="Estrangelo Edessa"/>
+        <a:font script="Syre" typeface="Estrangelo Edessa"/>
+        <a:font script="Sora" typeface="Nirmala UI"/>
+        <a:font script="Tale" typeface="Microsoft Tai Le"/>
+        <a:font script="Talu" typeface="Microsoft New Tai Lue"/>
+        <a:font script="Tfng" typeface="Ebrima"/>
+      </a:minorFont>
+    </a:fontScheme>
+    <a:fmtScheme name="Office">
+      <a:fillStyleLst>
+        <a:solidFill>
+          <a:schemeClr val="phClr"/>
+        </a:solidFill>
+        <a:gradFill rotWithShape="1">
+          <a:gsLst>
+            <a:gs pos="0">
+              <a:schemeClr val="phClr">
+                <a:lumMod val="110000"/>
+                <a:satMod val="105000"/>
+                <a:tint val="67000"/>
+              </a:schemeClr>
+            </a:gs>
+            <a:gs pos="50000">
+              <a:schemeClr val="phClr">
+                <a:lumMod val="105000"/>
+                <a:satMod val="103000"/>
+                <a:tint val="73000"/>
+              </a:schemeClr>
+            </a:gs>
+            <a:gs pos="100000">
+              <a:schemeClr val="phClr">
+                <a:lumMod val="105000"/>
+                <a:satMod val="109000"/>
+                <a:tint val="81000"/>
+              </a:schemeClr>
+            </a:gs>
+          </a:gsLst>
+          <a:lin ang="5400000" scaled="0"/>
+        </a:gradFill>
+        <a:gradFill rotWithShape="1">
+          <a:gsLst>
+            <a:gs pos="0">
+              <a:schemeClr val="phClr">
+                <a:satMod val="103000"/>
+                <a:lumMod val="102000"/>
+                <a:tint val="94000"/>
+              </a:schemeClr>
+            </a:gs>
+            <a:gs pos="50000">
+              <a:schemeClr val="phClr">
+                <a:satMod val="110000"/>
+                <a:lumMod val="100000"/>
+                <a:shade val="100000"/>
+              </a:schemeClr>
+            </a:gs>
+            <a:gs pos="100000">
+              <a:schemeClr val="phClr">
+                <a:lumMod val="99000"/>
+                <a:satMod val="120000"/>
+                <a:shade val="78000"/>
+              </a:schemeClr>
+            </a:gs>
+          </a:gsLst>
+          <a:lin ang="5400000" scaled="0"/>
+        </a:gradFill>
+      </a:fillStyleLst>
+      <a:lnStyleLst>
+        <a:ln w="6350" cap="flat" cmpd="sng" algn="ctr">
+          <a:solidFill>
+            <a:schemeClr val="phClr"/>
+          </a:solidFill>
+          <a:prstDash val="solid"/>
+          <a:miter lim="800000"/>
+        </a:ln>
+        <a:ln w="12700" cap="flat" cmpd="sng" algn="ctr">
+          <a:solidFill>
+            <a:schemeClr val="phClr"/>
+          </a:solidFill>
+          <a:prstDash val="solid"/>
+          <a:miter lim="800000"/>
+        </a:ln>
+        <a:ln w="19050" cap="flat" cmpd="sng" algn="ctr">
+          <a:solidFill>
+            <a:schemeClr val="phClr"/>
+          </a:solidFill>
+          <a:prstDash val="solid"/>
+          <a:miter lim="800000"/>
+        </a:ln>
+      </a:lnStyleLst>
+      <a:effectStyleLst>
+        <a:effectStyle>
+          <a:effectLst/>
+        </a:effectStyle>
+        <a:effectStyle>
+          <a:effectLst/>
+        </a:effectStyle>
+        <a:effectStyle>
+          <a:effectLst>
+            <a:outerShdw blurRad="57150" dist="19050" dir="5400000" algn="ctr" rotWithShape="0">
+              <a:srgbClr val="000000">
+                <a:alpha val="63000"/>
+              </a:srgbClr>
+            </a:outerShdw>
+          </a:effectLst>
+        </a:effectStyle>
+      </a:effectStyleLst>
+      <a:bgFillStyleLst>
+        <a:solidFill>
+          <a:schemeClr val="phClr"/>
+        </a:solidFill>
+        <a:solidFill>
+          <a:schemeClr val="phClr">
+            <a:tint val="95000"/>
+            <a:satMod val="170000"/>
+          </a:schemeClr>
+        </a:solidFill>
+        <a:gradFill rotWithShape="1">
+          <a:gsLst>
+            <a:gs pos="0">
+              <a:schemeClr val="phClr">
+                <a:tint val="93000"/>
+                <a:satMod val="150000"/>
+                <a:shade val="98000"/>
+                <a:lumMod val="102000"/>
+              </a:schemeClr>
+            </a:gs>
+            <a:gs pos="50000">
+              <a:schemeClr val="phClr">
+                <a:tint val="98000"/>
+                <a:satMod val="130000"/>
+                <a:shade val="90000"/>
+                <a:lumMod val="103000"/>
+              </a:schemeClr>
+            </a:gs>
+            <a:gs pos="100000">
+              <a:schemeClr val="phClr">
+                <a:shade val="63000"/>
+                <a:satMod val="120000"/>
+              </a:schemeClr>
+            </a:gs>
+          </a:gsLst>
+          <a:lin ang="5400000" scaled="0"/>
+        </a:gradFill>
+      </a:bgFillStyleLst>
+    </a:fmtScheme>
+  </a:themeElements>
+  <a:objectDefaults/>
+  <a:extraClrSchemeLst/>
+  <a:extLst>
+    <a:ext uri="{05A4C25C-085E-4340-85A3-A5531E510DB2}">
+      <thm15:themeFamily xmlns:thm15="http://schemas.microsoft.com/office/thememl/2012/main" name="Office Theme" id="{62F939B6-93AF-4DB8-9C6B-D6C7DFDC589F}" vid="{4A3C46E8-61CC-4603-A589-7422A47A8E4A}"/>
+    </a:ext>
+  </a:extLst>
+</a:theme>
 </file>
--- a/mh8111_assignment/NaiveBayes.pptx
+++ b/mh8111_assignment/NaiveBayes.pptx
@@ -5,7 +5,7 @@
     <p:sldMasterId id="2147483648" r:id="rId1"/>
   </p:sldMasterIdLst>
   <p:notesMasterIdLst>
-    <p:notesMasterId r:id="rId21"/>
+    <p:notesMasterId r:id="rId20"/>
   </p:notesMasterIdLst>
   <p:sldIdLst>
     <p:sldId id="256" r:id="rId2"/>
@@ -15,18 +15,17 @@
     <p:sldId id="259" r:id="rId6"/>
     <p:sldId id="261" r:id="rId7"/>
     <p:sldId id="262" r:id="rId8"/>
-    <p:sldId id="263" r:id="rId9"/>
-    <p:sldId id="264" r:id="rId10"/>
-    <p:sldId id="265" r:id="rId11"/>
-    <p:sldId id="266" r:id="rId12"/>
-    <p:sldId id="267" r:id="rId13"/>
-    <p:sldId id="268" r:id="rId14"/>
-    <p:sldId id="269" r:id="rId15"/>
-    <p:sldId id="270" r:id="rId16"/>
-    <p:sldId id="271" r:id="rId17"/>
-    <p:sldId id="272" r:id="rId18"/>
-    <p:sldId id="273" r:id="rId19"/>
-    <p:sldId id="274" r:id="rId20"/>
+    <p:sldId id="264" r:id="rId9"/>
+    <p:sldId id="265" r:id="rId10"/>
+    <p:sldId id="266" r:id="rId11"/>
+    <p:sldId id="275" r:id="rId12"/>
+    <p:sldId id="278" r:id="rId13"/>
+    <p:sldId id="276" r:id="rId14"/>
+    <p:sldId id="267" r:id="rId15"/>
+    <p:sldId id="268" r:id="rId16"/>
+    <p:sldId id="269" r:id="rId17"/>
+    <p:sldId id="280" r:id="rId18"/>
+    <p:sldId id="282" r:id="rId19"/>
   </p:sldIdLst>
   <p:sldSz cx="12192000" cy="6858000"/>
   <p:notesSz cx="6858000" cy="9144000"/>
@@ -558,6 +557,258 @@
     <p:extLst>
       <p:ext uri="{BB962C8B-B14F-4D97-AF65-F5344CB8AC3E}">
         <p14:creationId xmlns:p14="http://schemas.microsoft.com/office/powerpoint/2010/main" val="3017105387"/>
+      </p:ext>
+    </p:extLst>
+  </p:cSld>
+  <p:clrMapOvr>
+    <a:masterClrMapping/>
+  </p:clrMapOvr>
+</p:notes>
+</file>
+
+<file path=ppt/notesSlides/notesSlide2.xml><?xml version="1.0" encoding="utf-8"?>
+<p:notes xmlns:a="http://schemas.openxmlformats.org/drawingml/2006/main" xmlns:r="http://schemas.openxmlformats.org/officeDocument/2006/relationships" xmlns:p="http://schemas.openxmlformats.org/presentationml/2006/main">
+  <p:cSld>
+    <p:spTree>
+      <p:nvGrpSpPr>
+        <p:cNvPr id="1" name=""/>
+        <p:cNvGrpSpPr/>
+        <p:nvPr/>
+      </p:nvGrpSpPr>
+      <p:grpSpPr>
+        <a:xfrm>
+          <a:off x="0" y="0"/>
+          <a:ext cx="0" cy="0"/>
+          <a:chOff x="0" y="0"/>
+          <a:chExt cx="0" cy="0"/>
+        </a:xfrm>
+      </p:grpSpPr>
+      <p:sp>
+        <p:nvSpPr>
+          <p:cNvPr id="2" name="Slide Image Placeholder 1"/>
+          <p:cNvSpPr>
+            <a:spLocks noGrp="1" noRot="1" noChangeAspect="1"/>
+          </p:cNvSpPr>
+          <p:nvPr>
+            <p:ph type="sldImg"/>
+          </p:nvPr>
+        </p:nvSpPr>
+        <p:spPr/>
+      </p:sp>
+      <p:sp>
+        <p:nvSpPr>
+          <p:cNvPr id="3" name="Notes Placeholder 2"/>
+          <p:cNvSpPr>
+            <a:spLocks noGrp="1"/>
+          </p:cNvSpPr>
+          <p:nvPr>
+            <p:ph type="body" idx="1"/>
+          </p:nvPr>
+        </p:nvSpPr>
+        <p:spPr/>
+        <p:txBody>
+          <a:bodyPr/>
+          <a:lstStyle/>
+          <a:p>
+            <a:endParaRPr lang="en-US" dirty="0"/>
+          </a:p>
+        </p:txBody>
+      </p:sp>
+      <p:sp>
+        <p:nvSpPr>
+          <p:cNvPr id="4" name="Slide Number Placeholder 3"/>
+          <p:cNvSpPr>
+            <a:spLocks noGrp="1"/>
+          </p:cNvSpPr>
+          <p:nvPr>
+            <p:ph type="sldNum" sz="quarter" idx="5"/>
+          </p:nvPr>
+        </p:nvSpPr>
+        <p:spPr/>
+        <p:txBody>
+          <a:bodyPr/>
+          <a:lstStyle/>
+          <a:p>
+            <a:fld id="{D0975F60-E72C-214D-8A55-267FE1A8895D}" type="slidenum">
+              <a:rPr lang="en-US" smtClean="0"/>
+              <a:t>16</a:t>
+            </a:fld>
+            <a:endParaRPr lang="en-US"/>
+          </a:p>
+        </p:txBody>
+      </p:sp>
+    </p:spTree>
+    <p:extLst>
+      <p:ext uri="{BB962C8B-B14F-4D97-AF65-F5344CB8AC3E}">
+        <p14:creationId xmlns:p14="http://schemas.microsoft.com/office/powerpoint/2010/main" val="692305084"/>
+      </p:ext>
+    </p:extLst>
+  </p:cSld>
+  <p:clrMapOvr>
+    <a:masterClrMapping/>
+  </p:clrMapOvr>
+</p:notes>
+</file>
+
+<file path=ppt/notesSlides/notesSlide3.xml><?xml version="1.0" encoding="utf-8"?>
+<p:notes xmlns:a="http://schemas.openxmlformats.org/drawingml/2006/main" xmlns:r="http://schemas.openxmlformats.org/officeDocument/2006/relationships" xmlns:p="http://schemas.openxmlformats.org/presentationml/2006/main">
+  <p:cSld>
+    <p:spTree>
+      <p:nvGrpSpPr>
+        <p:cNvPr id="1" name=""/>
+        <p:cNvGrpSpPr/>
+        <p:nvPr/>
+      </p:nvGrpSpPr>
+      <p:grpSpPr>
+        <a:xfrm>
+          <a:off x="0" y="0"/>
+          <a:ext cx="0" cy="0"/>
+          <a:chOff x="0" y="0"/>
+          <a:chExt cx="0" cy="0"/>
+        </a:xfrm>
+      </p:grpSpPr>
+      <p:sp>
+        <p:nvSpPr>
+          <p:cNvPr id="2" name="Slide Image Placeholder 1"/>
+          <p:cNvSpPr>
+            <a:spLocks noGrp="1" noRot="1" noChangeAspect="1"/>
+          </p:cNvSpPr>
+          <p:nvPr>
+            <p:ph type="sldImg"/>
+          </p:nvPr>
+        </p:nvSpPr>
+        <p:spPr/>
+      </p:sp>
+      <p:sp>
+        <p:nvSpPr>
+          <p:cNvPr id="3" name="Notes Placeholder 2"/>
+          <p:cNvSpPr>
+            <a:spLocks noGrp="1"/>
+          </p:cNvSpPr>
+          <p:nvPr>
+            <p:ph type="body" idx="1"/>
+          </p:nvPr>
+        </p:nvSpPr>
+        <p:spPr/>
+        <p:txBody>
+          <a:bodyPr/>
+          <a:lstStyle/>
+          <a:p>
+            <a:endParaRPr lang="en-US" dirty="0"/>
+          </a:p>
+        </p:txBody>
+      </p:sp>
+      <p:sp>
+        <p:nvSpPr>
+          <p:cNvPr id="4" name="Slide Number Placeholder 3"/>
+          <p:cNvSpPr>
+            <a:spLocks noGrp="1"/>
+          </p:cNvSpPr>
+          <p:nvPr>
+            <p:ph type="sldNum" sz="quarter" idx="5"/>
+          </p:nvPr>
+        </p:nvSpPr>
+        <p:spPr/>
+        <p:txBody>
+          <a:bodyPr/>
+          <a:lstStyle/>
+          <a:p>
+            <a:fld id="{D0975F60-E72C-214D-8A55-267FE1A8895D}" type="slidenum">
+              <a:rPr lang="en-US" smtClean="0"/>
+              <a:t>17</a:t>
+            </a:fld>
+            <a:endParaRPr lang="en-US"/>
+          </a:p>
+        </p:txBody>
+      </p:sp>
+    </p:spTree>
+    <p:extLst>
+      <p:ext uri="{BB962C8B-B14F-4D97-AF65-F5344CB8AC3E}">
+        <p14:creationId xmlns:p14="http://schemas.microsoft.com/office/powerpoint/2010/main" val="2818972194"/>
+      </p:ext>
+    </p:extLst>
+  </p:cSld>
+  <p:clrMapOvr>
+    <a:masterClrMapping/>
+  </p:clrMapOvr>
+</p:notes>
+</file>
+
+<file path=ppt/notesSlides/notesSlide4.xml><?xml version="1.0" encoding="utf-8"?>
+<p:notes xmlns:a="http://schemas.openxmlformats.org/drawingml/2006/main" xmlns:r="http://schemas.openxmlformats.org/officeDocument/2006/relationships" xmlns:p="http://schemas.openxmlformats.org/presentationml/2006/main">
+  <p:cSld>
+    <p:spTree>
+      <p:nvGrpSpPr>
+        <p:cNvPr id="1" name=""/>
+        <p:cNvGrpSpPr/>
+        <p:nvPr/>
+      </p:nvGrpSpPr>
+      <p:grpSpPr>
+        <a:xfrm>
+          <a:off x="0" y="0"/>
+          <a:ext cx="0" cy="0"/>
+          <a:chOff x="0" y="0"/>
+          <a:chExt cx="0" cy="0"/>
+        </a:xfrm>
+      </p:grpSpPr>
+      <p:sp>
+        <p:nvSpPr>
+          <p:cNvPr id="2" name="Slide Image Placeholder 1"/>
+          <p:cNvSpPr>
+            <a:spLocks noGrp="1" noRot="1" noChangeAspect="1"/>
+          </p:cNvSpPr>
+          <p:nvPr>
+            <p:ph type="sldImg"/>
+          </p:nvPr>
+        </p:nvSpPr>
+        <p:spPr/>
+      </p:sp>
+      <p:sp>
+        <p:nvSpPr>
+          <p:cNvPr id="3" name="Notes Placeholder 2"/>
+          <p:cNvSpPr>
+            <a:spLocks noGrp="1"/>
+          </p:cNvSpPr>
+          <p:nvPr>
+            <p:ph type="body" idx="1"/>
+          </p:nvPr>
+        </p:nvSpPr>
+        <p:spPr/>
+        <p:txBody>
+          <a:bodyPr/>
+          <a:lstStyle/>
+          <a:p>
+            <a:endParaRPr lang="en-US" dirty="0"/>
+          </a:p>
+        </p:txBody>
+      </p:sp>
+      <p:sp>
+        <p:nvSpPr>
+          <p:cNvPr id="4" name="Slide Number Placeholder 3"/>
+          <p:cNvSpPr>
+            <a:spLocks noGrp="1"/>
+          </p:cNvSpPr>
+          <p:nvPr>
+            <p:ph type="sldNum" sz="quarter" idx="5"/>
+          </p:nvPr>
+        </p:nvSpPr>
+        <p:spPr/>
+        <p:txBody>
+          <a:bodyPr/>
+          <a:lstStyle/>
+          <a:p>
+            <a:fld id="{D0975F60-E72C-214D-8A55-267FE1A8895D}" type="slidenum">
+              <a:rPr lang="en-US" smtClean="0"/>
+              <a:t>18</a:t>
+            </a:fld>
+            <a:endParaRPr lang="en-US"/>
+          </a:p>
+        </p:txBody>
+      </p:sp>
+    </p:spTree>
+    <p:extLst>
+      <p:ext uri="{BB962C8B-B14F-4D97-AF65-F5344CB8AC3E}">
+        <p14:creationId xmlns:p14="http://schemas.microsoft.com/office/powerpoint/2010/main" val="931747865"/>
       </p:ext>
     </p:extLst>
   </p:cSld>
@@ -3820,8 +4071,8 @@
         </p:nvSpPr>
         <p:spPr>
           <a:xfrm>
-            <a:off x="1524000" y="2235200"/>
-            <a:ext cx="9144000" cy="2387600"/>
+            <a:off x="1524000" y="2235199"/>
+            <a:ext cx="9144000" cy="2768121"/>
           </a:xfrm>
         </p:spPr>
         <p:txBody>
@@ -3843,6 +4094,24 @@
             <a:r>
               <a:rPr lang="en-US" dirty="0"/>
               <a:t>Classification using Naïve Bayes</a:t>
+            </a:r>
+            <a:br>
+              <a:rPr lang="en-US" dirty="0"/>
+            </a:br>
+            <a:br>
+              <a:rPr lang="en-US" dirty="0"/>
+            </a:br>
+            <a:r>
+              <a:rPr lang="en-US" sz="5300" dirty="0"/>
+              <a:t>by Li </a:t>
+            </a:r>
+            <a:r>
+              <a:rPr lang="en-US" sz="5300" dirty="0" err="1"/>
+              <a:t>Fengzhi</a:t>
+            </a:r>
+            <a:r>
+              <a:rPr lang="en-US" sz="5300" dirty="0"/>
+              <a:t> (G1901809H)</a:t>
             </a:r>
           </a:p>
         </p:txBody>
@@ -3882,7 +4151,7 @@
           <p:cNvPr id="2" name="Title 1">
             <a:extLst>
               <a:ext uri="{FF2B5EF4-FFF2-40B4-BE49-F238E27FC236}">
-                <a16:creationId xmlns:a16="http://schemas.microsoft.com/office/drawing/2014/main" id="{3CC21E0C-3B0C-B845-9922-15A023FB889C}"/>
+                <a16:creationId xmlns:a16="http://schemas.microsoft.com/office/drawing/2014/main" id="{FBEF0BDD-76B9-3941-A5D4-1CE46311B63C}"/>
               </a:ext>
             </a:extLst>
           </p:cNvPr>
@@ -3900,8 +4169,13 @@
           <a:p>
             <a:r>
               <a:rPr lang="en-US" dirty="0"/>
-              <a:t>Feature Engineering</a:t>
-            </a:r>
+              <a:t>Feature Engineering: </a:t>
+            </a:r>
+            <a:r>
+              <a:rPr lang="en-US" dirty="0" err="1"/>
+              <a:t>hours_per_week</a:t>
+            </a:r>
+            <a:endParaRPr lang="en-US" dirty="0"/>
           </a:p>
         </p:txBody>
       </p:sp>
@@ -3910,7 +4184,7 @@
           <p:cNvPr id="3" name="Content Placeholder 2">
             <a:extLst>
               <a:ext uri="{FF2B5EF4-FFF2-40B4-BE49-F238E27FC236}">
-                <a16:creationId xmlns:a16="http://schemas.microsoft.com/office/drawing/2014/main" id="{7AB298EF-5861-1B49-ACB0-8BCC3C63E1EB}"/>
+                <a16:creationId xmlns:a16="http://schemas.microsoft.com/office/drawing/2014/main" id="{4D1672F1-A5F2-5640-ABB8-CF328FE91336}"/>
               </a:ext>
             </a:extLst>
           </p:cNvPr>
@@ -3923,17 +4197,145 @@
         </p:nvSpPr>
         <p:spPr/>
         <p:txBody>
-          <a:bodyPr/>
+          <a:bodyPr>
+            <a:normAutofit/>
+          </a:bodyPr>
           <a:lstStyle/>
           <a:p>
-            <a:endParaRPr lang="en-US"/>
+            <a:pPr marL="0" indent="0">
+              <a:buNone/>
+            </a:pPr>
+            <a:r>
+              <a:rPr lang="en-US" dirty="0"/>
+              <a:t>Feature </a:t>
+            </a:r>
+            <a:r>
+              <a:rPr lang="en-US" b="1" dirty="0" err="1">
+                <a:solidFill>
+                  <a:srgbClr val="00B0F0"/>
+                </a:solidFill>
+              </a:rPr>
+              <a:t>hours_per_week</a:t>
+            </a:r>
+            <a:r>
+              <a:rPr lang="en-US" b="1" dirty="0">
+                <a:solidFill>
+                  <a:srgbClr val="00B0F0"/>
+                </a:solidFill>
+              </a:rPr>
+              <a:t> </a:t>
+            </a:r>
+            <a:r>
+              <a:rPr lang="en-US" dirty="0"/>
+              <a:t>is converted from continuous numerical to categorical using Binning too, </a:t>
+            </a:r>
+          </a:p>
+          <a:p>
+            <a:pPr lvl="1"/>
+            <a:r>
+              <a:rPr lang="en-US" dirty="0"/>
+              <a:t>[0, 20]          =</a:t>
+            </a:r>
+            <a:r>
+              <a:rPr lang="en-US" b="1" dirty="0">
+                <a:solidFill>
+                  <a:srgbClr val="00B050"/>
+                </a:solidFill>
+              </a:rPr>
+              <a:t>LOOSE</a:t>
+            </a:r>
+            <a:r>
+              <a:rPr lang="en-US" dirty="0"/>
+              <a:t>, not working or part-time working</a:t>
+            </a:r>
+          </a:p>
+          <a:p>
+            <a:pPr lvl="1"/>
+            <a:r>
+              <a:rPr lang="en-US" dirty="0"/>
+              <a:t>(20, 40]        =</a:t>
+            </a:r>
+            <a:r>
+              <a:rPr lang="en-US" b="1" dirty="0">
+                <a:solidFill>
+                  <a:srgbClr val="00B050"/>
+                </a:solidFill>
+              </a:rPr>
+              <a:t>NORMAL</a:t>
+            </a:r>
+            <a:r>
+              <a:rPr lang="en-US" dirty="0"/>
+              <a:t>, normal working</a:t>
+            </a:r>
+          </a:p>
+          <a:p>
+            <a:pPr lvl="1"/>
+            <a:r>
+              <a:rPr lang="en-US" dirty="0"/>
+              <a:t>(40, 60]        =</a:t>
+            </a:r>
+            <a:r>
+              <a:rPr lang="en-US" b="1" dirty="0">
+                <a:solidFill>
+                  <a:srgbClr val="00B050"/>
+                </a:solidFill>
+              </a:rPr>
+              <a:t>OVERTIME</a:t>
+            </a:r>
+            <a:r>
+              <a:rPr lang="en-US" dirty="0"/>
+              <a:t>, over normal working hours</a:t>
+            </a:r>
+          </a:p>
+          <a:p>
+            <a:pPr lvl="1"/>
+            <a:r>
+              <a:rPr lang="en-US" dirty="0"/>
+              <a:t>(60,]             =</a:t>
+            </a:r>
+            <a:r>
+              <a:rPr lang="en-US" b="1" dirty="0">
+                <a:solidFill>
+                  <a:srgbClr val="00B050"/>
+                </a:solidFill>
+              </a:rPr>
+              <a:t>INSANE</a:t>
+            </a:r>
+            <a:r>
+              <a:rPr lang="en-US" dirty="0"/>
+              <a:t>, really long working hours, suggesting labor hardship or 			          </a:t>
+            </a:r>
+            <a:r>
+              <a:rPr lang="en-US" dirty="0" err="1"/>
+              <a:t>workholic</a:t>
+            </a:r>
+            <a:endParaRPr lang="en-US" dirty="0"/>
+          </a:p>
+          <a:p>
+            <a:pPr marL="0" indent="0">
+              <a:buNone/>
+            </a:pPr>
+            <a:r>
+              <a:rPr lang="en-US" dirty="0"/>
+              <a:t>Different working hours per week definitely tells something on the nature of job.  </a:t>
+            </a:r>
+          </a:p>
+          <a:p>
+            <a:pPr marL="0" indent="0">
+              <a:buNone/>
+            </a:pPr>
+            <a:endParaRPr lang="en-US" dirty="0">
+              <a:solidFill>
+                <a:srgbClr val="00B0F0"/>
+              </a:solidFill>
+            </a:endParaRPr>
           </a:p>
         </p:txBody>
       </p:sp>
     </p:spTree>
     <p:extLst>
       <p:ext uri="{BB962C8B-B14F-4D97-AF65-F5344CB8AC3E}">
-        <p14:creationId xmlns:p14="http://schemas.microsoft.com/office/powerpoint/2010/main" val="3330460826"/>
+        <p14:creationId xmlns:p14="http://schemas.microsoft.com/office/powerpoint/2010/main" val="793438682"/>
       </p:ext>
     </p:extLst>
   </p:cSld>
@@ -3981,7 +4383,10 @@
           <a:bodyPr/>
           <a:lstStyle/>
           <a:p>
-            <a:endParaRPr lang="en-US"/>
+            <a:r>
+              <a:rPr lang="en-US" dirty="0"/>
+              <a:t>Feature Engineering: education</a:t>
+            </a:r>
           </a:p>
         </p:txBody>
       </p:sp>
@@ -4003,17 +4408,178 @@
         </p:nvSpPr>
         <p:spPr/>
         <p:txBody>
-          <a:bodyPr/>
+          <a:bodyPr>
+            <a:normAutofit fontScale="92500" lnSpcReduction="20000"/>
+          </a:bodyPr>
           <a:lstStyle/>
           <a:p>
-            <a:endParaRPr lang="en-US"/>
+            <a:pPr marL="0" indent="0">
+              <a:buNone/>
+            </a:pPr>
+            <a:r>
+              <a:rPr lang="en-US" dirty="0"/>
+              <a:t>The original </a:t>
+            </a:r>
+            <a:r>
+              <a:rPr lang="en-US" b="1" dirty="0">
+                <a:solidFill>
+                  <a:srgbClr val="00B0F0"/>
+                </a:solidFill>
+              </a:rPr>
+              <a:t>education</a:t>
+            </a:r>
+            <a:r>
+              <a:rPr lang="en-US" dirty="0"/>
+              <a:t> feature has </a:t>
+            </a:r>
+            <a:r>
+              <a:rPr lang="en-US" b="1" dirty="0">
+                <a:solidFill>
+                  <a:srgbClr val="00B0F0"/>
+                </a:solidFill>
+              </a:rPr>
+              <a:t>17</a:t>
+            </a:r>
+            <a:r>
+              <a:rPr lang="en-US" dirty="0"/>
+              <a:t> categories, and I’ve reduced the categories by grouping certain similar categories together, below is my </a:t>
+            </a:r>
+            <a:r>
+              <a:rPr lang="en-US" b="1" dirty="0">
+                <a:solidFill>
+                  <a:srgbClr val="00B0F0"/>
+                </a:solidFill>
+              </a:rPr>
+              <a:t>6</a:t>
+            </a:r>
+            <a:r>
+              <a:rPr lang="en-US" dirty="0"/>
+              <a:t> categories after reduction, </a:t>
+            </a:r>
+          </a:p>
+          <a:p>
+            <a:pPr lvl="1"/>
+            <a:r>
+              <a:rPr lang="en-US" dirty="0" err="1">
+                <a:solidFill>
+                  <a:srgbClr val="00B050"/>
+                </a:solidFill>
+              </a:rPr>
+              <a:t>PreHighSchool</a:t>
+            </a:r>
+            <a:endParaRPr lang="en-US" dirty="0">
+              <a:solidFill>
+                <a:srgbClr val="00B050"/>
+              </a:solidFill>
+            </a:endParaRPr>
+          </a:p>
+          <a:p>
+            <a:pPr lvl="1"/>
+            <a:r>
+              <a:rPr lang="en-US" dirty="0" err="1">
+                <a:solidFill>
+                  <a:srgbClr val="00B050"/>
+                </a:solidFill>
+              </a:rPr>
+              <a:t>HighSchool</a:t>
+            </a:r>
+            <a:endParaRPr lang="en-US" dirty="0">
+              <a:solidFill>
+                <a:srgbClr val="00B050"/>
+              </a:solidFill>
+            </a:endParaRPr>
+          </a:p>
+          <a:p>
+            <a:pPr lvl="1"/>
+            <a:r>
+              <a:rPr lang="en-US" dirty="0">
+                <a:solidFill>
+                  <a:srgbClr val="00B050"/>
+                </a:solidFill>
+              </a:rPr>
+              <a:t>Bachelor</a:t>
+            </a:r>
+          </a:p>
+          <a:p>
+            <a:pPr lvl="1"/>
+            <a:r>
+              <a:rPr lang="en-US" dirty="0">
+                <a:solidFill>
+                  <a:srgbClr val="00B050"/>
+                </a:solidFill>
+              </a:rPr>
+              <a:t>Master</a:t>
+            </a:r>
+          </a:p>
+          <a:p>
+            <a:pPr lvl="1"/>
+            <a:r>
+              <a:rPr lang="en-US" dirty="0">
+                <a:solidFill>
+                  <a:srgbClr val="00B050"/>
+                </a:solidFill>
+              </a:rPr>
+              <a:t>Doctor</a:t>
+            </a:r>
+          </a:p>
+          <a:p>
+            <a:pPr lvl="1"/>
+            <a:r>
+              <a:rPr lang="en-US" dirty="0">
+                <a:solidFill>
+                  <a:srgbClr val="00B050"/>
+                </a:solidFill>
+              </a:rPr>
+              <a:t>Other</a:t>
+            </a:r>
+          </a:p>
+          <a:p>
+            <a:pPr marL="0" indent="0">
+              <a:buNone/>
+            </a:pPr>
+            <a:r>
+              <a:rPr lang="en-US" dirty="0"/>
+              <a:t>Original education even contains 1th to 12</a:t>
+            </a:r>
+            <a:r>
+              <a:rPr lang="en-US" baseline="30000" dirty="0"/>
+              <a:t>th</a:t>
+            </a:r>
+            <a:r>
+              <a:rPr lang="en-US" dirty="0"/>
+              <a:t> grades. I don’t think it impacts income differently whether the candidate makes 4</a:t>
+            </a:r>
+            <a:r>
+              <a:rPr lang="en-US" baseline="30000" dirty="0"/>
+              <a:t>th</a:t>
+            </a:r>
+            <a:r>
+              <a:rPr lang="en-US" dirty="0"/>
+              <a:t> grade or 6</a:t>
+            </a:r>
+            <a:r>
+              <a:rPr lang="en-US" baseline="30000" dirty="0"/>
+              <a:t>th</a:t>
+            </a:r>
+            <a:r>
+              <a:rPr lang="en-US" dirty="0"/>
+              <a:t> grade. However, between an Bachelor degree holder and a 4</a:t>
+            </a:r>
+            <a:r>
+              <a:rPr lang="en-US" baseline="30000" dirty="0"/>
+              <a:t>th</a:t>
+            </a:r>
+            <a:r>
+              <a:rPr lang="en-US" dirty="0"/>
+              <a:t> grade graduate, the impact is most likely significant. </a:t>
+            </a:r>
           </a:p>
         </p:txBody>
       </p:sp>
     </p:spTree>
     <p:extLst>
       <p:ext uri="{BB962C8B-B14F-4D97-AF65-F5344CB8AC3E}">
-        <p14:creationId xmlns:p14="http://schemas.microsoft.com/office/powerpoint/2010/main" val="793438682"/>
+        <p14:creationId xmlns:p14="http://schemas.microsoft.com/office/powerpoint/2010/main" val="1539611063"/>
       </p:ext>
     </p:extLst>
   </p:cSld>
@@ -4045,7 +4611,7 @@
           <p:cNvPr id="2" name="Title 1">
             <a:extLst>
               <a:ext uri="{FF2B5EF4-FFF2-40B4-BE49-F238E27FC236}">
-                <a16:creationId xmlns:a16="http://schemas.microsoft.com/office/drawing/2014/main" id="{5BD95A30-F197-C340-BD77-21E6BB695E1F}"/>
+                <a16:creationId xmlns:a16="http://schemas.microsoft.com/office/drawing/2014/main" id="{FBEF0BDD-76B9-3941-A5D4-1CE46311B63C}"/>
               </a:ext>
             </a:extLst>
           </p:cNvPr>
@@ -4056,12 +4622,33 @@
             <p:ph type="title"/>
           </p:nvPr>
         </p:nvSpPr>
-        <p:spPr/>
+        <p:spPr>
+          <a:xfrm>
+            <a:off x="534839" y="365125"/>
+            <a:ext cx="11490384" cy="1325563"/>
+          </a:xfrm>
+        </p:spPr>
         <p:txBody>
           <a:bodyPr/>
           <a:lstStyle/>
           <a:p>
-            <a:endParaRPr lang="en-US"/>
+            <a:r>
+              <a:rPr lang="en-US" dirty="0"/>
+              <a:t>Feature Engineering: </a:t>
+            </a:r>
+            <a:r>
+              <a:rPr lang="en-US" dirty="0" err="1"/>
+              <a:t>marital_status</a:t>
+            </a:r>
+            <a:r>
+              <a:rPr lang="en-US" dirty="0"/>
+              <a:t> &amp; </a:t>
+            </a:r>
+            <a:r>
+              <a:rPr lang="en-US" dirty="0" err="1"/>
+              <a:t>work_class</a:t>
+            </a:r>
+            <a:endParaRPr lang="en-US" dirty="0"/>
           </a:p>
         </p:txBody>
       </p:sp>
@@ -4070,7 +4657,7 @@
           <p:cNvPr id="3" name="Content Placeholder 2">
             <a:extLst>
               <a:ext uri="{FF2B5EF4-FFF2-40B4-BE49-F238E27FC236}">
-                <a16:creationId xmlns:a16="http://schemas.microsoft.com/office/drawing/2014/main" id="{DD192985-A4F8-9A40-838E-D8B5989AA7FC}"/>
+                <a16:creationId xmlns:a16="http://schemas.microsoft.com/office/drawing/2014/main" id="{4D1672F1-A5F2-5640-ABB8-CF328FE91336}"/>
               </a:ext>
             </a:extLst>
           </p:cNvPr>
@@ -4083,17 +4670,222 @@
         </p:nvSpPr>
         <p:spPr/>
         <p:txBody>
-          <a:bodyPr/>
+          <a:bodyPr>
+            <a:normAutofit fontScale="92500" lnSpcReduction="10000"/>
+          </a:bodyPr>
           <a:lstStyle/>
           <a:p>
-            <a:endParaRPr lang="en-US"/>
+            <a:pPr marL="0" indent="0">
+              <a:buNone/>
+            </a:pPr>
+            <a:r>
+              <a:rPr lang="en-US" dirty="0"/>
+              <a:t>The original </a:t>
+            </a:r>
+            <a:r>
+              <a:rPr lang="en-US" b="1" dirty="0" err="1">
+                <a:solidFill>
+                  <a:srgbClr val="00B0F0"/>
+                </a:solidFill>
+              </a:rPr>
+              <a:t>marital_status</a:t>
+            </a:r>
+            <a:r>
+              <a:rPr lang="en-US" b="1" dirty="0">
+                <a:solidFill>
+                  <a:srgbClr val="00B0F0"/>
+                </a:solidFill>
+              </a:rPr>
+              <a:t> </a:t>
+            </a:r>
+            <a:r>
+              <a:rPr lang="en-US" dirty="0"/>
+              <a:t>feature has </a:t>
+            </a:r>
+            <a:r>
+              <a:rPr lang="en-US" b="1" dirty="0">
+                <a:solidFill>
+                  <a:srgbClr val="00B0F0"/>
+                </a:solidFill>
+              </a:rPr>
+              <a:t>7</a:t>
+            </a:r>
+            <a:r>
+              <a:rPr lang="en-US" dirty="0"/>
+              <a:t> categories, and I managed to reduce it to </a:t>
+            </a:r>
+            <a:r>
+              <a:rPr lang="en-US" b="1" dirty="0">
+                <a:solidFill>
+                  <a:srgbClr val="00B0F0"/>
+                </a:solidFill>
+              </a:rPr>
+              <a:t>4</a:t>
+            </a:r>
+            <a:r>
+              <a:rPr lang="en-US" dirty="0"/>
+              <a:t> categories, </a:t>
+            </a:r>
+          </a:p>
+          <a:p>
+            <a:pPr lvl="1"/>
+            <a:r>
+              <a:rPr lang="en-US" dirty="0">
+                <a:solidFill>
+                  <a:srgbClr val="00B050"/>
+                </a:solidFill>
+              </a:rPr>
+              <a:t>Single</a:t>
+            </a:r>
+          </a:p>
+          <a:p>
+            <a:pPr lvl="1"/>
+            <a:r>
+              <a:rPr lang="en-US" dirty="0">
+                <a:solidFill>
+                  <a:srgbClr val="00B050"/>
+                </a:solidFill>
+              </a:rPr>
+              <a:t>Married</a:t>
+            </a:r>
+          </a:p>
+          <a:p>
+            <a:pPr lvl="1"/>
+            <a:r>
+              <a:rPr lang="en-US" dirty="0" err="1">
+                <a:solidFill>
+                  <a:srgbClr val="00B050"/>
+                </a:solidFill>
+              </a:rPr>
+              <a:t>MarriedBefore</a:t>
+            </a:r>
+            <a:endParaRPr lang="en-US" dirty="0">
+              <a:solidFill>
+                <a:srgbClr val="00B050"/>
+              </a:solidFill>
+            </a:endParaRPr>
+          </a:p>
+          <a:p>
+            <a:pPr lvl="1"/>
+            <a:r>
+              <a:rPr lang="en-US" dirty="0">
+                <a:solidFill>
+                  <a:srgbClr val="00B050"/>
+                </a:solidFill>
+              </a:rPr>
+              <a:t>Widowed</a:t>
+            </a:r>
+          </a:p>
+          <a:p>
+            <a:pPr marL="0" indent="0">
+              <a:buNone/>
+            </a:pPr>
+            <a:r>
+              <a:rPr lang="en-US" dirty="0"/>
+              <a:t>The original </a:t>
+            </a:r>
+            <a:r>
+              <a:rPr lang="en-US" b="1" dirty="0" err="1">
+                <a:solidFill>
+                  <a:srgbClr val="00B0F0"/>
+                </a:solidFill>
+              </a:rPr>
+              <a:t>work_class</a:t>
+            </a:r>
+            <a:r>
+              <a:rPr lang="en-US" dirty="0"/>
+              <a:t> has </a:t>
+            </a:r>
+            <a:r>
+              <a:rPr lang="en-US" b="1" dirty="0">
+                <a:solidFill>
+                  <a:srgbClr val="00B0F0"/>
+                </a:solidFill>
+              </a:rPr>
+              <a:t>8</a:t>
+            </a:r>
+            <a:r>
+              <a:rPr lang="en-US" dirty="0"/>
+              <a:t> categories, and I have reduced it to </a:t>
+            </a:r>
+            <a:r>
+              <a:rPr lang="en-US" b="1" dirty="0">
+                <a:solidFill>
+                  <a:srgbClr val="00B0F0"/>
+                </a:solidFill>
+              </a:rPr>
+              <a:t>4</a:t>
+            </a:r>
+            <a:r>
+              <a:rPr lang="en-US" dirty="0"/>
+              <a:t> categories,</a:t>
+            </a:r>
+          </a:p>
+          <a:p>
+            <a:pPr lvl="1"/>
+            <a:r>
+              <a:rPr lang="en-US" dirty="0" err="1">
+                <a:solidFill>
+                  <a:srgbClr val="00B050"/>
+                </a:solidFill>
+              </a:rPr>
+              <a:t>PublicSector</a:t>
+            </a:r>
+            <a:endParaRPr lang="en-US" dirty="0">
+              <a:solidFill>
+                <a:srgbClr val="00B050"/>
+              </a:solidFill>
+            </a:endParaRPr>
+          </a:p>
+          <a:p>
+            <a:pPr lvl="1"/>
+            <a:r>
+              <a:rPr lang="en-US" dirty="0" err="1">
+                <a:solidFill>
+                  <a:srgbClr val="00B050"/>
+                </a:solidFill>
+              </a:rPr>
+              <a:t>PrivateSector</a:t>
+            </a:r>
+            <a:endParaRPr lang="en-US" dirty="0">
+              <a:solidFill>
+                <a:srgbClr val="00B050"/>
+              </a:solidFill>
+            </a:endParaRPr>
+          </a:p>
+          <a:p>
+            <a:pPr lvl="1"/>
+            <a:r>
+              <a:rPr lang="en-US" dirty="0" err="1">
+                <a:solidFill>
+                  <a:srgbClr val="00B050"/>
+                </a:solidFill>
+              </a:rPr>
+              <a:t>SelfEmployed</a:t>
+            </a:r>
+            <a:endParaRPr lang="en-US" dirty="0">
+              <a:solidFill>
+                <a:srgbClr val="00B050"/>
+              </a:solidFill>
+            </a:endParaRPr>
+          </a:p>
+          <a:p>
+            <a:pPr lvl="1"/>
+            <a:r>
+              <a:rPr lang="en-US" dirty="0">
+                <a:solidFill>
+                  <a:srgbClr val="00B050"/>
+                </a:solidFill>
+              </a:rPr>
+              <a:t>Unemployed</a:t>
+            </a:r>
           </a:p>
         </p:txBody>
       </p:sp>
     </p:spTree>
     <p:extLst>
       <p:ext uri="{BB962C8B-B14F-4D97-AF65-F5344CB8AC3E}">
-        <p14:creationId xmlns:p14="http://schemas.microsoft.com/office/powerpoint/2010/main" val="1636161466"/>
+        <p14:creationId xmlns:p14="http://schemas.microsoft.com/office/powerpoint/2010/main" val="173811854"/>
       </p:ext>
     </p:extLst>
   </p:cSld>
@@ -4125,7 +4917,7 @@
           <p:cNvPr id="2" name="Title 1">
             <a:extLst>
               <a:ext uri="{FF2B5EF4-FFF2-40B4-BE49-F238E27FC236}">
-                <a16:creationId xmlns:a16="http://schemas.microsoft.com/office/drawing/2014/main" id="{41BA6EAF-97CE-8E4F-AD1C-FB9D504404C6}"/>
+                <a16:creationId xmlns:a16="http://schemas.microsoft.com/office/drawing/2014/main" id="{FBEF0BDD-76B9-3941-A5D4-1CE46311B63C}"/>
               </a:ext>
             </a:extLst>
           </p:cNvPr>
@@ -4141,7 +4933,10 @@
           <a:bodyPr/>
           <a:lstStyle/>
           <a:p>
-            <a:endParaRPr lang="en-US"/>
+            <a:r>
+              <a:rPr lang="en-US" dirty="0"/>
+              <a:t>Feature Engineering: country</a:t>
+            </a:r>
           </a:p>
         </p:txBody>
       </p:sp>
@@ -4150,7 +4945,7 @@
           <p:cNvPr id="3" name="Content Placeholder 2">
             <a:extLst>
               <a:ext uri="{FF2B5EF4-FFF2-40B4-BE49-F238E27FC236}">
-                <a16:creationId xmlns:a16="http://schemas.microsoft.com/office/drawing/2014/main" id="{8238A6A0-1A65-B54C-9C01-78B81DCDC645}"/>
+                <a16:creationId xmlns:a16="http://schemas.microsoft.com/office/drawing/2014/main" id="{4D1672F1-A5F2-5640-ABB8-CF328FE91336}"/>
               </a:ext>
             </a:extLst>
           </p:cNvPr>
@@ -4161,19 +4956,319 @@
             <p:ph idx="1"/>
           </p:nvPr>
         </p:nvSpPr>
-        <p:spPr/>
-        <p:txBody>
-          <a:bodyPr/>
+        <p:spPr>
+          <a:xfrm>
+            <a:off x="838200" y="1825624"/>
+            <a:ext cx="10515600" cy="4816715"/>
+          </a:xfrm>
+        </p:spPr>
+        <p:txBody>
+          <a:bodyPr>
+            <a:normAutofit fontScale="92500" lnSpcReduction="10000"/>
+          </a:bodyPr>
           <a:lstStyle/>
           <a:p>
-            <a:endParaRPr lang="en-US"/>
+            <a:pPr marL="0" indent="0">
+              <a:buNone/>
+            </a:pPr>
+            <a:r>
+              <a:rPr lang="en-US" dirty="0"/>
+              <a:t>The feature </a:t>
+            </a:r>
+            <a:r>
+              <a:rPr lang="en-US" b="1" dirty="0">
+                <a:solidFill>
+                  <a:srgbClr val="00B0F0"/>
+                </a:solidFill>
+              </a:rPr>
+              <a:t>country</a:t>
+            </a:r>
+            <a:r>
+              <a:rPr lang="en-US" dirty="0"/>
+              <a:t> is the one feature that I completely re-grouped based on location and level of development, from </a:t>
+            </a:r>
+            <a:r>
+              <a:rPr lang="en-US" b="1" dirty="0">
+                <a:solidFill>
+                  <a:srgbClr val="00B0F0"/>
+                </a:solidFill>
+              </a:rPr>
+              <a:t>41</a:t>
+            </a:r>
+            <a:r>
+              <a:rPr lang="en-US" dirty="0"/>
+              <a:t> countries to </a:t>
+            </a:r>
+            <a:r>
+              <a:rPr lang="en-US" b="1" dirty="0">
+                <a:solidFill>
+                  <a:srgbClr val="00B0F0"/>
+                </a:solidFill>
+              </a:rPr>
+              <a:t>9</a:t>
+            </a:r>
+            <a:r>
+              <a:rPr lang="en-US" dirty="0"/>
+              <a:t> categories,</a:t>
+            </a:r>
+          </a:p>
+          <a:p>
+            <a:pPr lvl="1"/>
+            <a:r>
+              <a:rPr lang="en-US" dirty="0" err="1">
+                <a:solidFill>
+                  <a:srgbClr val="00B050"/>
+                </a:solidFill>
+              </a:rPr>
+              <a:t>America_North</a:t>
+            </a:r>
+            <a:r>
+              <a:rPr lang="en-US" dirty="0">
+                <a:solidFill>
+                  <a:srgbClr val="00B050"/>
+                </a:solidFill>
+              </a:rPr>
+              <a:t> (US, Canada)</a:t>
+            </a:r>
+          </a:p>
+          <a:p>
+            <a:pPr lvl="1"/>
+            <a:r>
+              <a:rPr lang="en-US" dirty="0" err="1">
+                <a:solidFill>
+                  <a:srgbClr val="00B050"/>
+                </a:solidFill>
+              </a:rPr>
+              <a:t>America_South</a:t>
+            </a:r>
+            <a:r>
+              <a:rPr lang="en-US" dirty="0">
+                <a:solidFill>
+                  <a:srgbClr val="00B050"/>
+                </a:solidFill>
+              </a:rPr>
+              <a:t> (Columbia, </a:t>
+            </a:r>
+            <a:r>
+              <a:rPr lang="en-US" dirty="0" err="1">
+                <a:solidFill>
+                  <a:srgbClr val="00B050"/>
+                </a:solidFill>
+              </a:rPr>
+              <a:t>etc</a:t>
+            </a:r>
+            <a:r>
+              <a:rPr lang="en-US" dirty="0">
+                <a:solidFill>
+                  <a:srgbClr val="00B050"/>
+                </a:solidFill>
+              </a:rPr>
+              <a:t>)</a:t>
+            </a:r>
+          </a:p>
+          <a:p>
+            <a:pPr lvl="1"/>
+            <a:r>
+              <a:rPr lang="en-US" dirty="0" err="1">
+                <a:solidFill>
+                  <a:srgbClr val="00B050"/>
+                </a:solidFill>
+              </a:rPr>
+              <a:t>America_Latin</a:t>
+            </a:r>
+            <a:r>
+              <a:rPr lang="en-US" dirty="0">
+                <a:solidFill>
+                  <a:srgbClr val="00B050"/>
+                </a:solidFill>
+              </a:rPr>
+              <a:t> (Guatemala, </a:t>
+            </a:r>
+            <a:r>
+              <a:rPr lang="en-US" dirty="0" err="1">
+                <a:solidFill>
+                  <a:srgbClr val="00B050"/>
+                </a:solidFill>
+              </a:rPr>
+              <a:t>etc</a:t>
+            </a:r>
+            <a:r>
+              <a:rPr lang="en-US" dirty="0">
+                <a:solidFill>
+                  <a:srgbClr val="00B050"/>
+                </a:solidFill>
+              </a:rPr>
+              <a:t>)</a:t>
+            </a:r>
+          </a:p>
+          <a:p>
+            <a:pPr lvl="1"/>
+            <a:r>
+              <a:rPr lang="en-US" dirty="0" err="1">
+                <a:solidFill>
+                  <a:srgbClr val="00B050"/>
+                </a:solidFill>
+              </a:rPr>
+              <a:t>Europe_West</a:t>
+            </a:r>
+            <a:r>
+              <a:rPr lang="en-US" dirty="0">
+                <a:solidFill>
+                  <a:srgbClr val="00B050"/>
+                </a:solidFill>
+              </a:rPr>
+              <a:t> (developed European countries)</a:t>
+            </a:r>
+          </a:p>
+          <a:p>
+            <a:pPr lvl="1"/>
+            <a:r>
+              <a:rPr lang="en-US" dirty="0" err="1">
+                <a:solidFill>
+                  <a:srgbClr val="00B050"/>
+                </a:solidFill>
+              </a:rPr>
+              <a:t>Europe_East</a:t>
+            </a:r>
+            <a:r>
+              <a:rPr lang="en-US" dirty="0">
+                <a:solidFill>
+                  <a:srgbClr val="00B050"/>
+                </a:solidFill>
+              </a:rPr>
+              <a:t> (less developed European countries, prior Soviet Union countries)</a:t>
+            </a:r>
+          </a:p>
+          <a:p>
+            <a:pPr lvl="1"/>
+            <a:r>
+              <a:rPr lang="en-US" dirty="0" err="1">
+                <a:solidFill>
+                  <a:srgbClr val="00B050"/>
+                </a:solidFill>
+              </a:rPr>
+              <a:t>Asia_SouthEast</a:t>
+            </a:r>
+            <a:r>
+              <a:rPr lang="en-US" dirty="0">
+                <a:solidFill>
+                  <a:srgbClr val="00B050"/>
+                </a:solidFill>
+              </a:rPr>
+              <a:t> (Thailand </a:t>
+            </a:r>
+            <a:r>
+              <a:rPr lang="en-US" dirty="0" err="1">
+                <a:solidFill>
+                  <a:srgbClr val="00B050"/>
+                </a:solidFill>
+              </a:rPr>
+              <a:t>etc</a:t>
+            </a:r>
+            <a:r>
+              <a:rPr lang="en-US" dirty="0">
+                <a:solidFill>
+                  <a:srgbClr val="00B050"/>
+                </a:solidFill>
+              </a:rPr>
+              <a:t>)</a:t>
+            </a:r>
+          </a:p>
+          <a:p>
+            <a:pPr lvl="1"/>
+            <a:r>
+              <a:rPr lang="en-US" dirty="0" err="1">
+                <a:solidFill>
+                  <a:srgbClr val="00B050"/>
+                </a:solidFill>
+              </a:rPr>
+              <a:t>Asia_NorthEast</a:t>
+            </a:r>
+            <a:r>
+              <a:rPr lang="en-US" dirty="0">
+                <a:solidFill>
+                  <a:srgbClr val="00B050"/>
+                </a:solidFill>
+              </a:rPr>
+              <a:t> (Japan)</a:t>
+            </a:r>
+          </a:p>
+          <a:p>
+            <a:pPr lvl="1"/>
+            <a:r>
+              <a:rPr lang="en-US" dirty="0" err="1">
+                <a:solidFill>
+                  <a:srgbClr val="00B050"/>
+                </a:solidFill>
+              </a:rPr>
+              <a:t>Asia_GreaterChina</a:t>
+            </a:r>
+            <a:r>
+              <a:rPr lang="en-US" dirty="0">
+                <a:solidFill>
+                  <a:srgbClr val="00B050"/>
+                </a:solidFill>
+              </a:rPr>
+              <a:t> (China, Taiwan, </a:t>
+            </a:r>
+            <a:r>
+              <a:rPr lang="en-US" dirty="0" err="1">
+                <a:solidFill>
+                  <a:srgbClr val="00B050"/>
+                </a:solidFill>
+              </a:rPr>
+              <a:t>HongKong</a:t>
+            </a:r>
+            <a:r>
+              <a:rPr lang="en-US" dirty="0">
+                <a:solidFill>
+                  <a:srgbClr val="00B050"/>
+                </a:solidFill>
+              </a:rPr>
+              <a:t>)</a:t>
+            </a:r>
+          </a:p>
+          <a:p>
+            <a:pPr lvl="1"/>
+            <a:r>
+              <a:rPr lang="en-US" dirty="0">
+                <a:solidFill>
+                  <a:srgbClr val="00B050"/>
+                </a:solidFill>
+              </a:rPr>
+              <a:t>Other (all the rest)</a:t>
+            </a:r>
+          </a:p>
+          <a:p>
+            <a:pPr marL="0" indent="0">
+              <a:buNone/>
+            </a:pPr>
+            <a:r>
+              <a:rPr lang="en-US" dirty="0"/>
+              <a:t>The income levels between developed and development countries won’t be the same. In addition, neighbor countries of same development level tend to have similar income levels. </a:t>
+            </a:r>
+            <a:endParaRPr lang="en-US" dirty="0">
+              <a:solidFill>
+                <a:srgbClr val="00B050"/>
+              </a:solidFill>
+            </a:endParaRPr>
+          </a:p>
+          <a:p>
+            <a:endParaRPr lang="en-US" b="1" dirty="0">
+              <a:solidFill>
+                <a:srgbClr val="00B050"/>
+              </a:solidFill>
+            </a:endParaRPr>
+          </a:p>
+          <a:p>
+            <a:endParaRPr lang="en-US" dirty="0"/>
           </a:p>
         </p:txBody>
       </p:sp>
     </p:spTree>
     <p:extLst>
       <p:ext uri="{BB962C8B-B14F-4D97-AF65-F5344CB8AC3E}">
-        <p14:creationId xmlns:p14="http://schemas.microsoft.com/office/powerpoint/2010/main" val="1666752946"/>
+        <p14:creationId xmlns:p14="http://schemas.microsoft.com/office/powerpoint/2010/main" val="3280003024"/>
       </p:ext>
     </p:extLst>
   </p:cSld>
@@ -4205,7 +5300,7 @@
           <p:cNvPr id="2" name="Title 1">
             <a:extLst>
               <a:ext uri="{FF2B5EF4-FFF2-40B4-BE49-F238E27FC236}">
-                <a16:creationId xmlns:a16="http://schemas.microsoft.com/office/drawing/2014/main" id="{D2B9A25E-5188-AA45-B7E6-85C7EC6F1469}"/>
+                <a16:creationId xmlns:a16="http://schemas.microsoft.com/office/drawing/2014/main" id="{5BD95A30-F197-C340-BD77-21E6BB695E1F}"/>
               </a:ext>
             </a:extLst>
           </p:cNvPr>
@@ -4221,7 +5316,10 @@
           <a:bodyPr/>
           <a:lstStyle/>
           <a:p>
-            <a:endParaRPr lang="en-US"/>
+            <a:r>
+              <a:rPr lang="en-US" dirty="0"/>
+              <a:t>Feature Engineering: new investment feature</a:t>
+            </a:r>
           </a:p>
         </p:txBody>
       </p:sp>
@@ -4230,7 +5328,7 @@
           <p:cNvPr id="3" name="Content Placeholder 2">
             <a:extLst>
               <a:ext uri="{FF2B5EF4-FFF2-40B4-BE49-F238E27FC236}">
-                <a16:creationId xmlns:a16="http://schemas.microsoft.com/office/drawing/2014/main" id="{469E84E6-15FC-6645-9D08-AE42AEB5FF63}"/>
+                <a16:creationId xmlns:a16="http://schemas.microsoft.com/office/drawing/2014/main" id="{DD192985-A4F8-9A40-838E-D8B5989AA7FC}"/>
               </a:ext>
             </a:extLst>
           </p:cNvPr>
@@ -4241,19 +5339,289 @@
             <p:ph idx="1"/>
           </p:nvPr>
         </p:nvSpPr>
-        <p:spPr/>
-        <p:txBody>
-          <a:bodyPr/>
+        <p:spPr>
+          <a:xfrm>
+            <a:off x="838200" y="1825625"/>
+            <a:ext cx="10515600" cy="4667250"/>
+          </a:xfrm>
+        </p:spPr>
+        <p:txBody>
+          <a:bodyPr>
+            <a:normAutofit fontScale="85000" lnSpcReduction="20000"/>
+          </a:bodyPr>
           <a:lstStyle/>
           <a:p>
-            <a:endParaRPr lang="en-US"/>
+            <a:pPr marL="0" indent="0">
+              <a:buNone/>
+            </a:pPr>
+            <a:r>
+              <a:rPr lang="en-US" b="1" dirty="0" err="1">
+                <a:solidFill>
+                  <a:srgbClr val="00B0F0"/>
+                </a:solidFill>
+              </a:rPr>
+              <a:t>capital_gain</a:t>
+            </a:r>
+            <a:r>
+              <a:rPr lang="en-US" b="1" dirty="0">
+                <a:solidFill>
+                  <a:srgbClr val="00B0F0"/>
+                </a:solidFill>
+              </a:rPr>
+              <a:t> </a:t>
+            </a:r>
+            <a:r>
+              <a:rPr lang="en-US" dirty="0"/>
+              <a:t>and </a:t>
+            </a:r>
+            <a:r>
+              <a:rPr lang="en-US" b="1" dirty="0" err="1">
+                <a:solidFill>
+                  <a:srgbClr val="00B0F0"/>
+                </a:solidFill>
+              </a:rPr>
+              <a:t>capital_loss</a:t>
+            </a:r>
+            <a:r>
+              <a:rPr lang="en-US" b="1" dirty="0">
+                <a:solidFill>
+                  <a:srgbClr val="00B0F0"/>
+                </a:solidFill>
+              </a:rPr>
+              <a:t> </a:t>
+            </a:r>
+            <a:r>
+              <a:rPr lang="en-US" dirty="0"/>
+              <a:t>are the two given features with continuous numerical values. Both </a:t>
+            </a:r>
+            <a:r>
+              <a:rPr lang="en-US" b="1" dirty="0" err="1">
+                <a:solidFill>
+                  <a:srgbClr val="00B0F0"/>
+                </a:solidFill>
+              </a:rPr>
+              <a:t>capital_gain</a:t>
+            </a:r>
+            <a:r>
+              <a:rPr lang="en-US" b="1" dirty="0">
+                <a:solidFill>
+                  <a:srgbClr val="00B0F0"/>
+                </a:solidFill>
+              </a:rPr>
+              <a:t> </a:t>
+            </a:r>
+            <a:r>
+              <a:rPr lang="en-US" dirty="0"/>
+              <a:t>and </a:t>
+            </a:r>
+            <a:r>
+              <a:rPr lang="en-US" b="1" dirty="0" err="1">
+                <a:solidFill>
+                  <a:srgbClr val="00B0F0"/>
+                </a:solidFill>
+              </a:rPr>
+              <a:t>capital_loss</a:t>
+            </a:r>
+            <a:r>
+              <a:rPr lang="en-US" b="1" dirty="0">
+                <a:solidFill>
+                  <a:srgbClr val="00B0F0"/>
+                </a:solidFill>
+              </a:rPr>
+              <a:t> </a:t>
+            </a:r>
+            <a:r>
+              <a:rPr lang="en-US" dirty="0"/>
+              <a:t>can take on either positive values or zero. I’ve added the new </a:t>
+            </a:r>
+            <a:r>
+              <a:rPr lang="en-US" b="1" dirty="0">
+                <a:solidFill>
+                  <a:srgbClr val="00B050"/>
+                </a:solidFill>
+              </a:rPr>
+              <a:t>investment</a:t>
+            </a:r>
+            <a:r>
+              <a:rPr lang="en-US" dirty="0"/>
+              <a:t> feature based on the following logic, </a:t>
+            </a:r>
+          </a:p>
+          <a:p>
+            <a:pPr lvl="1"/>
+            <a:r>
+              <a:rPr lang="en-US" dirty="0">
+                <a:solidFill>
+                  <a:srgbClr val="00B050"/>
+                </a:solidFill>
+              </a:rPr>
+              <a:t>investment=Gain</a:t>
+            </a:r>
+          </a:p>
+          <a:p>
+            <a:pPr lvl="2"/>
+            <a:r>
+              <a:rPr lang="en-US" dirty="0">
+                <a:solidFill>
+                  <a:srgbClr val="00B0F0"/>
+                </a:solidFill>
+              </a:rPr>
+              <a:t>When </a:t>
+            </a:r>
+            <a:r>
+              <a:rPr lang="en-US" dirty="0" err="1">
+                <a:solidFill>
+                  <a:srgbClr val="00B0F0"/>
+                </a:solidFill>
+              </a:rPr>
+              <a:t>capital_gain</a:t>
+            </a:r>
+            <a:r>
+              <a:rPr lang="en-US" dirty="0">
+                <a:solidFill>
+                  <a:srgbClr val="00B0F0"/>
+                </a:solidFill>
+              </a:rPr>
+              <a:t> &gt; 0</a:t>
+            </a:r>
+          </a:p>
+          <a:p>
+            <a:pPr lvl="1"/>
+            <a:r>
+              <a:rPr lang="en-US" dirty="0">
+                <a:solidFill>
+                  <a:srgbClr val="00B050"/>
+                </a:solidFill>
+              </a:rPr>
+              <a:t>investment=Loss</a:t>
+            </a:r>
+          </a:p>
+          <a:p>
+            <a:pPr lvl="2"/>
+            <a:r>
+              <a:rPr lang="en-US" dirty="0">
+                <a:solidFill>
+                  <a:srgbClr val="00B0F0"/>
+                </a:solidFill>
+              </a:rPr>
+              <a:t>When </a:t>
+            </a:r>
+            <a:r>
+              <a:rPr lang="en-US" dirty="0" err="1">
+                <a:solidFill>
+                  <a:srgbClr val="00B0F0"/>
+                </a:solidFill>
+              </a:rPr>
+              <a:t>capital_loss</a:t>
+            </a:r>
+            <a:r>
+              <a:rPr lang="en-US" dirty="0">
+                <a:solidFill>
+                  <a:srgbClr val="00B0F0"/>
+                </a:solidFill>
+              </a:rPr>
+              <a:t> &gt; 0</a:t>
+            </a:r>
+          </a:p>
+          <a:p>
+            <a:pPr lvl="1"/>
+            <a:r>
+              <a:rPr lang="en-US" dirty="0">
+                <a:solidFill>
+                  <a:srgbClr val="00B050"/>
+                </a:solidFill>
+              </a:rPr>
+              <a:t>investment=None</a:t>
+            </a:r>
+          </a:p>
+          <a:p>
+            <a:pPr lvl="2"/>
+            <a:r>
+              <a:rPr lang="en-US" dirty="0">
+                <a:solidFill>
+                  <a:srgbClr val="00B0F0"/>
+                </a:solidFill>
+              </a:rPr>
+              <a:t>When </a:t>
+            </a:r>
+            <a:r>
+              <a:rPr lang="en-US" dirty="0" err="1">
+                <a:solidFill>
+                  <a:srgbClr val="00B0F0"/>
+                </a:solidFill>
+              </a:rPr>
+              <a:t>capital_gain</a:t>
+            </a:r>
+            <a:r>
+              <a:rPr lang="en-US" dirty="0">
+                <a:solidFill>
+                  <a:srgbClr val="00B0F0"/>
+                </a:solidFill>
+              </a:rPr>
+              <a:t> = 0 and </a:t>
+            </a:r>
+            <a:r>
+              <a:rPr lang="en-US" dirty="0" err="1">
+                <a:solidFill>
+                  <a:srgbClr val="00B0F0"/>
+                </a:solidFill>
+              </a:rPr>
+              <a:t>capital_loss</a:t>
+            </a:r>
+            <a:r>
+              <a:rPr lang="en-US" dirty="0">
+                <a:solidFill>
+                  <a:srgbClr val="00B0F0"/>
+                </a:solidFill>
+              </a:rPr>
+              <a:t> = 0</a:t>
+            </a:r>
+          </a:p>
+          <a:p>
+            <a:pPr marL="0" indent="0">
+              <a:buNone/>
+            </a:pPr>
+            <a:r>
+              <a:rPr lang="en-US" dirty="0"/>
+              <a:t>People don’t make investment when they have no savings. Broadly speaking, just by checking whether a person invests or not, we can have some insights on whether he/she is financially healthy. </a:t>
+            </a:r>
+          </a:p>
+          <a:p>
+            <a:pPr marL="0" indent="0">
+              <a:buNone/>
+            </a:pPr>
+            <a:r>
+              <a:rPr lang="en-US" dirty="0"/>
+              <a:t>Furthermore, while investment gain has a positive effect on income, investment loss has a negative effect on income, that’s why I split the investment into three categories.</a:t>
+            </a:r>
+            <a:endParaRPr lang="en-US" dirty="0">
+              <a:solidFill>
+                <a:srgbClr val="00B050"/>
+              </a:solidFill>
+            </a:endParaRPr>
+          </a:p>
+          <a:p>
+            <a:pPr marL="0" indent="0">
+              <a:buNone/>
+            </a:pPr>
+            <a:endParaRPr lang="en-US" dirty="0">
+              <a:solidFill>
+                <a:srgbClr val="00B050"/>
+              </a:solidFill>
+            </a:endParaRPr>
+          </a:p>
+          <a:p>
+            <a:pPr marL="0" indent="0">
+              <a:buNone/>
+            </a:pPr>
+            <a:endParaRPr lang="en-US" dirty="0"/>
           </a:p>
         </p:txBody>
       </p:sp>
     </p:spTree>
     <p:extLst>
       <p:ext uri="{BB962C8B-B14F-4D97-AF65-F5344CB8AC3E}">
-        <p14:creationId xmlns:p14="http://schemas.microsoft.com/office/powerpoint/2010/main" val="1160017862"/>
+        <p14:creationId xmlns:p14="http://schemas.microsoft.com/office/powerpoint/2010/main" val="1636161466"/>
       </p:ext>
     </p:extLst>
   </p:cSld>
@@ -4285,7 +5653,7 @@
           <p:cNvPr id="2" name="Title 1">
             <a:extLst>
               <a:ext uri="{FF2B5EF4-FFF2-40B4-BE49-F238E27FC236}">
-                <a16:creationId xmlns:a16="http://schemas.microsoft.com/office/drawing/2014/main" id="{25C4E7F1-9457-1547-9335-8ADF6C6B8926}"/>
+                <a16:creationId xmlns:a16="http://schemas.microsoft.com/office/drawing/2014/main" id="{41BA6EAF-97CE-8E4F-AD1C-FB9D504404C6}"/>
               </a:ext>
             </a:extLst>
           </p:cNvPr>
@@ -4301,7 +5669,10 @@
           <a:bodyPr/>
           <a:lstStyle/>
           <a:p>
-            <a:endParaRPr lang="en-US"/>
+            <a:r>
+              <a:rPr lang="en-US" dirty="0"/>
+              <a:t>Feature Engineering: dropped features</a:t>
+            </a:r>
           </a:p>
         </p:txBody>
       </p:sp>
@@ -4310,7 +5681,7 @@
           <p:cNvPr id="3" name="Content Placeholder 2">
             <a:extLst>
               <a:ext uri="{FF2B5EF4-FFF2-40B4-BE49-F238E27FC236}">
-                <a16:creationId xmlns:a16="http://schemas.microsoft.com/office/drawing/2014/main" id="{1ECC2723-5B49-DC48-8142-DCBA818C9497}"/>
+                <a16:creationId xmlns:a16="http://schemas.microsoft.com/office/drawing/2014/main" id="{8238A6A0-1A65-B54C-9C01-78B81DCDC645}"/>
               </a:ext>
             </a:extLst>
           </p:cNvPr>
@@ -4323,17 +5694,167 @@
         </p:nvSpPr>
         <p:spPr/>
         <p:txBody>
-          <a:bodyPr/>
+          <a:bodyPr>
+            <a:normAutofit/>
+          </a:bodyPr>
           <a:lstStyle/>
           <a:p>
-            <a:endParaRPr lang="en-US"/>
+            <a:pPr marL="0" indent="0">
+              <a:buNone/>
+            </a:pPr>
+            <a:r>
+              <a:rPr lang="en-US" dirty="0"/>
+              <a:t>The following four features have been dropped,</a:t>
+            </a:r>
+          </a:p>
+          <a:p>
+            <a:pPr lvl="1"/>
+            <a:r>
+              <a:rPr lang="en-US" dirty="0" err="1">
+                <a:solidFill>
+                  <a:srgbClr val="FF0000"/>
+                </a:solidFill>
+              </a:rPr>
+              <a:t>education_sum</a:t>
+            </a:r>
+            <a:endParaRPr lang="en-US" dirty="0">
+              <a:solidFill>
+                <a:srgbClr val="FF0000"/>
+              </a:solidFill>
+            </a:endParaRPr>
+          </a:p>
+          <a:p>
+            <a:pPr lvl="2"/>
+            <a:r>
+              <a:rPr lang="en-US" dirty="0"/>
+              <a:t>This is a continuous numerical feature which is not Naïve Bayes friendly</a:t>
+            </a:r>
+          </a:p>
+          <a:p>
+            <a:pPr lvl="2"/>
+            <a:r>
+              <a:rPr lang="en-US" dirty="0"/>
+              <a:t>It’s redundant with </a:t>
+            </a:r>
+            <a:r>
+              <a:rPr lang="en-US" dirty="0">
+                <a:solidFill>
+                  <a:srgbClr val="00B0F0"/>
+                </a:solidFill>
+              </a:rPr>
+              <a:t>education</a:t>
+            </a:r>
+            <a:r>
+              <a:rPr lang="en-US" dirty="0"/>
+              <a:t> feature</a:t>
+            </a:r>
+          </a:p>
+          <a:p>
+            <a:pPr lvl="1"/>
+            <a:r>
+              <a:rPr lang="en-US" dirty="0" err="1">
+                <a:solidFill>
+                  <a:srgbClr val="FF0000"/>
+                </a:solidFill>
+              </a:rPr>
+              <a:t>fnlwgt</a:t>
+            </a:r>
+            <a:endParaRPr lang="en-US" dirty="0">
+              <a:solidFill>
+                <a:srgbClr val="FF0000"/>
+              </a:solidFill>
+            </a:endParaRPr>
+          </a:p>
+          <a:p>
+            <a:pPr lvl="2"/>
+            <a:r>
+              <a:rPr lang="en-US" dirty="0"/>
+              <a:t>Sampling weight, continuous numerical feature, again not Naïve Bayes friendly</a:t>
+            </a:r>
+          </a:p>
+          <a:p>
+            <a:pPr lvl="2"/>
+            <a:r>
+              <a:rPr lang="en-US" dirty="0"/>
+              <a:t>Besides, I have no clue how to use it</a:t>
+            </a:r>
+          </a:p>
+          <a:p>
+            <a:pPr lvl="1"/>
+            <a:r>
+              <a:rPr lang="en-US" dirty="0" err="1">
+                <a:solidFill>
+                  <a:srgbClr val="FF0000"/>
+                </a:solidFill>
+              </a:rPr>
+              <a:t>capital_gain</a:t>
+            </a:r>
+            <a:endParaRPr lang="en-US" dirty="0">
+              <a:solidFill>
+                <a:srgbClr val="FF0000"/>
+              </a:solidFill>
+            </a:endParaRPr>
+          </a:p>
+          <a:p>
+            <a:pPr lvl="2"/>
+            <a:r>
+              <a:rPr lang="en-US" dirty="0"/>
+              <a:t>Created new </a:t>
+            </a:r>
+            <a:r>
+              <a:rPr lang="en-US" dirty="0">
+                <a:solidFill>
+                  <a:srgbClr val="00B050"/>
+                </a:solidFill>
+              </a:rPr>
+              <a:t>investment</a:t>
+            </a:r>
+            <a:r>
+              <a:rPr lang="en-US" dirty="0"/>
+              <a:t> feature based on it</a:t>
+            </a:r>
+          </a:p>
+          <a:p>
+            <a:pPr lvl="1"/>
+            <a:r>
+              <a:rPr lang="en-US" dirty="0" err="1">
+                <a:solidFill>
+                  <a:srgbClr val="FF0000"/>
+                </a:solidFill>
+              </a:rPr>
+              <a:t>capital_loss</a:t>
+            </a:r>
+            <a:endParaRPr lang="en-US" dirty="0">
+              <a:solidFill>
+                <a:srgbClr val="FF0000"/>
+              </a:solidFill>
+            </a:endParaRPr>
+          </a:p>
+          <a:p>
+            <a:pPr lvl="2"/>
+            <a:r>
+              <a:rPr lang="en-US" dirty="0"/>
+              <a:t>Created new </a:t>
+            </a:r>
+            <a:r>
+              <a:rPr lang="en-US" dirty="0">
+                <a:solidFill>
+                  <a:srgbClr val="00B050"/>
+                </a:solidFill>
+              </a:rPr>
+              <a:t>investment</a:t>
+            </a:r>
+            <a:r>
+              <a:rPr lang="en-US" dirty="0"/>
+              <a:t> feature based on it</a:t>
+            </a:r>
           </a:p>
         </p:txBody>
       </p:sp>
     </p:spTree>
     <p:extLst>
       <p:ext uri="{BB962C8B-B14F-4D97-AF65-F5344CB8AC3E}">
-        <p14:creationId xmlns:p14="http://schemas.microsoft.com/office/powerpoint/2010/main" val="1507138489"/>
+        <p14:creationId xmlns:p14="http://schemas.microsoft.com/office/powerpoint/2010/main" val="1666752946"/>
       </p:ext>
     </p:extLst>
   </p:cSld>
@@ -4365,7 +5886,7 @@
           <p:cNvPr id="2" name="Title 1">
             <a:extLst>
               <a:ext uri="{FF2B5EF4-FFF2-40B4-BE49-F238E27FC236}">
-                <a16:creationId xmlns:a16="http://schemas.microsoft.com/office/drawing/2014/main" id="{44FF7820-F245-4E4B-8A0E-AED1225C14B8}"/>
+                <a16:creationId xmlns:a16="http://schemas.microsoft.com/office/drawing/2014/main" id="{D2B9A25E-5188-AA45-B7E6-85C7EC6F1469}"/>
               </a:ext>
             </a:extLst>
           </p:cNvPr>
@@ -4378,10 +5899,19 @@
         </p:nvSpPr>
         <p:spPr/>
         <p:txBody>
-          <a:bodyPr/>
+          <a:bodyPr>
+            <a:normAutofit/>
+          </a:bodyPr>
           <a:lstStyle/>
           <a:p>
-            <a:endParaRPr lang="en-US"/>
+            <a:r>
+              <a:rPr lang="en-US" dirty="0"/>
+              <a:t>Training, Prediction and Evaluation</a:t>
+            </a:r>
+            <a:br>
+              <a:rPr lang="en-US" dirty="0"/>
+            </a:br>
+            <a:endParaRPr lang="en-US" dirty="0"/>
           </a:p>
         </p:txBody>
       </p:sp>
@@ -4390,7 +5920,7 @@
           <p:cNvPr id="3" name="Content Placeholder 2">
             <a:extLst>
               <a:ext uri="{FF2B5EF4-FFF2-40B4-BE49-F238E27FC236}">
-                <a16:creationId xmlns:a16="http://schemas.microsoft.com/office/drawing/2014/main" id="{7BCD48CC-4B72-3E46-93C1-1012421861BA}"/>
+                <a16:creationId xmlns:a16="http://schemas.microsoft.com/office/drawing/2014/main" id="{469E84E6-15FC-6645-9D08-AE42AEB5FF63}"/>
               </a:ext>
             </a:extLst>
           </p:cNvPr>
@@ -4403,17 +5933,282 @@
         </p:nvSpPr>
         <p:spPr/>
         <p:txBody>
-          <a:bodyPr/>
+          <a:bodyPr>
+            <a:normAutofit fontScale="92500" lnSpcReduction="10000"/>
+          </a:bodyPr>
           <a:lstStyle/>
           <a:p>
-            <a:endParaRPr lang="en-US"/>
+            <a:r>
+              <a:rPr lang="en-US" dirty="0"/>
+              <a:t>Training</a:t>
+            </a:r>
+          </a:p>
+          <a:p>
+            <a:pPr lvl="1"/>
+            <a:r>
+              <a:rPr lang="en-US" dirty="0"/>
+              <a:t>The entire dataset has been roughly split into </a:t>
+            </a:r>
+            <a:r>
+              <a:rPr lang="en-US" b="1" dirty="0">
+                <a:solidFill>
+                  <a:srgbClr val="0070C0"/>
+                </a:solidFill>
+              </a:rPr>
+              <a:t>2/3</a:t>
+            </a:r>
+            <a:r>
+              <a:rPr lang="en-US" dirty="0"/>
+              <a:t> for training and </a:t>
+            </a:r>
+            <a:r>
+              <a:rPr lang="en-US" b="1" dirty="0">
+                <a:solidFill>
+                  <a:srgbClr val="00B050"/>
+                </a:solidFill>
+              </a:rPr>
+              <a:t>1/3</a:t>
+            </a:r>
+            <a:r>
+              <a:rPr lang="en-US" dirty="0"/>
+              <a:t> for testing</a:t>
+            </a:r>
+          </a:p>
+          <a:p>
+            <a:pPr lvl="2"/>
+            <a:r>
+              <a:rPr lang="en-US" dirty="0" err="1"/>
+              <a:t>train_data</a:t>
+            </a:r>
+            <a:r>
+              <a:rPr lang="en-US" dirty="0"/>
+              <a:t> &lt;- </a:t>
+            </a:r>
+            <a:r>
+              <a:rPr lang="en-US" dirty="0" err="1"/>
+              <a:t>adult_data_full</a:t>
+            </a:r>
+            <a:r>
+              <a:rPr lang="en-US" dirty="0"/>
+              <a:t>[1:20000,]</a:t>
+            </a:r>
+          </a:p>
+          <a:p>
+            <a:pPr lvl="2"/>
+            <a:r>
+              <a:rPr lang="en-US" dirty="0" err="1"/>
+              <a:t>test_data</a:t>
+            </a:r>
+            <a:r>
+              <a:rPr lang="en-US" dirty="0"/>
+              <a:t> &lt;- </a:t>
+            </a:r>
+            <a:r>
+              <a:rPr lang="en-US" dirty="0" err="1"/>
+              <a:t>adult_data_full</a:t>
+            </a:r>
+            <a:r>
+              <a:rPr lang="en-US" dirty="0"/>
+              <a:t>[20001:30162,]</a:t>
+            </a:r>
+          </a:p>
+          <a:p>
+            <a:pPr lvl="1"/>
+            <a:r>
+              <a:rPr lang="en-US" dirty="0"/>
+              <a:t>The proportion of class labels have been verified to make sure it’s a balanced split,</a:t>
+            </a:r>
+          </a:p>
+          <a:p>
+            <a:pPr lvl="2"/>
+            <a:r>
+              <a:rPr lang="en-US" dirty="0"/>
+              <a:t>&gt; </a:t>
+            </a:r>
+            <a:r>
+              <a:rPr lang="en-US" dirty="0" err="1"/>
+              <a:t>prop.table</a:t>
+            </a:r>
+            <a:r>
+              <a:rPr lang="en-US" dirty="0"/>
+              <a:t>(table(</a:t>
+            </a:r>
+            <a:r>
+              <a:rPr lang="en-US" b="1" dirty="0" err="1">
+                <a:solidFill>
+                  <a:srgbClr val="0070C0"/>
+                </a:solidFill>
+              </a:rPr>
+              <a:t>train_data</a:t>
+            </a:r>
+            <a:r>
+              <a:rPr lang="en-US" dirty="0" err="1"/>
+              <a:t>$income</a:t>
+            </a:r>
+            <a:r>
+              <a:rPr lang="en-US" dirty="0"/>
+              <a:t>))</a:t>
+            </a:r>
+          </a:p>
+          <a:p>
+            <a:pPr lvl="2"/>
+            <a:r>
+              <a:rPr lang="en-US" dirty="0"/>
+              <a:t>    &lt;=50K              &gt;50K </a:t>
+            </a:r>
+          </a:p>
+          <a:p>
+            <a:pPr lvl="2"/>
+            <a:r>
+              <a:rPr lang="en-US" dirty="0"/>
+              <a:t>    </a:t>
+            </a:r>
+            <a:r>
+              <a:rPr lang="en-US" b="1" dirty="0">
+                <a:solidFill>
+                  <a:srgbClr val="0070C0"/>
+                </a:solidFill>
+              </a:rPr>
+              <a:t>0.7532</a:t>
+            </a:r>
+            <a:r>
+              <a:rPr lang="en-US" dirty="0"/>
+              <a:t>             </a:t>
+            </a:r>
+            <a:r>
+              <a:rPr lang="en-US" b="1" dirty="0">
+                <a:solidFill>
+                  <a:srgbClr val="0070C0"/>
+                </a:solidFill>
+              </a:rPr>
+              <a:t>0.2468</a:t>
+            </a:r>
+            <a:r>
+              <a:rPr lang="en-US" dirty="0"/>
+              <a:t> </a:t>
+            </a:r>
+          </a:p>
+          <a:p>
+            <a:pPr lvl="2"/>
+            <a:r>
+              <a:rPr lang="en-US" dirty="0"/>
+              <a:t>&gt; </a:t>
+            </a:r>
+            <a:r>
+              <a:rPr lang="en-US" dirty="0" err="1"/>
+              <a:t>prop.table</a:t>
+            </a:r>
+            <a:r>
+              <a:rPr lang="en-US" dirty="0"/>
+              <a:t>(table(</a:t>
+            </a:r>
+            <a:r>
+              <a:rPr lang="en-US" b="1" dirty="0" err="1">
+                <a:solidFill>
+                  <a:srgbClr val="00B050"/>
+                </a:solidFill>
+              </a:rPr>
+              <a:t>test_data</a:t>
+            </a:r>
+            <a:r>
+              <a:rPr lang="en-US" dirty="0" err="1"/>
+              <a:t>$income</a:t>
+            </a:r>
+            <a:r>
+              <a:rPr lang="en-US" dirty="0"/>
+              <a:t>))</a:t>
+            </a:r>
+          </a:p>
+          <a:p>
+            <a:pPr lvl="2"/>
+            <a:r>
+              <a:rPr lang="en-US" dirty="0"/>
+              <a:t>    &lt;=50K              &gt;50K </a:t>
+            </a:r>
+          </a:p>
+          <a:p>
+            <a:pPr lvl="2"/>
+            <a:r>
+              <a:rPr lang="en-US" dirty="0"/>
+              <a:t>    </a:t>
+            </a:r>
+            <a:r>
+              <a:rPr lang="en-US" b="1" dirty="0">
+                <a:solidFill>
+                  <a:srgbClr val="00B050"/>
+                </a:solidFill>
+              </a:rPr>
+              <a:t>0.7469002</a:t>
+            </a:r>
+            <a:r>
+              <a:rPr lang="en-US" dirty="0"/>
+              <a:t>      </a:t>
+            </a:r>
+            <a:r>
+              <a:rPr lang="en-US" b="1" dirty="0">
+                <a:solidFill>
+                  <a:srgbClr val="00B050"/>
+                </a:solidFill>
+              </a:rPr>
+              <a:t>0.2530998</a:t>
+            </a:r>
+            <a:r>
+              <a:rPr lang="en-US" dirty="0">
+                <a:solidFill>
+                  <a:srgbClr val="00B050"/>
+                </a:solidFill>
+              </a:rPr>
+              <a:t> </a:t>
+            </a:r>
+          </a:p>
+          <a:p>
+            <a:pPr lvl="1"/>
+            <a:r>
+              <a:rPr lang="en-US" dirty="0"/>
+              <a:t>Naive Bayes was used without any additional parameter</a:t>
+            </a:r>
+          </a:p>
+          <a:p>
+            <a:pPr lvl="2"/>
+            <a:r>
+              <a:rPr lang="en-US" dirty="0" err="1"/>
+              <a:t>income_classifier</a:t>
+            </a:r>
+            <a:r>
+              <a:rPr lang="en-US" dirty="0"/>
+              <a:t> &lt;- </a:t>
+            </a:r>
+            <a:r>
+              <a:rPr lang="en-US" dirty="0" err="1"/>
+              <a:t>naiveBayes</a:t>
+            </a:r>
+            <a:r>
+              <a:rPr lang="en-US" dirty="0"/>
+              <a:t>(</a:t>
+            </a:r>
+            <a:r>
+              <a:rPr lang="en-US" dirty="0" err="1"/>
+              <a:t>train_data</a:t>
+            </a:r>
+            <a:r>
+              <a:rPr lang="en-US" dirty="0"/>
+              <a:t>, </a:t>
+            </a:r>
+            <a:r>
+              <a:rPr lang="en-US" dirty="0" err="1"/>
+              <a:t>train_data$income</a:t>
+            </a:r>
+            <a:r>
+              <a:rPr lang="en-US" dirty="0"/>
+              <a:t>)</a:t>
+            </a:r>
           </a:p>
         </p:txBody>
       </p:sp>
     </p:spTree>
     <p:extLst>
       <p:ext uri="{BB962C8B-B14F-4D97-AF65-F5344CB8AC3E}">
-        <p14:creationId xmlns:p14="http://schemas.microsoft.com/office/powerpoint/2010/main" val="1908851424"/>
+        <p14:creationId xmlns:p14="http://schemas.microsoft.com/office/powerpoint/2010/main" val="1160017862"/>
       </p:ext>
     </p:extLst>
   </p:cSld>
@@ -4445,7 +6240,7 @@
           <p:cNvPr id="2" name="Title 1">
             <a:extLst>
               <a:ext uri="{FF2B5EF4-FFF2-40B4-BE49-F238E27FC236}">
-                <a16:creationId xmlns:a16="http://schemas.microsoft.com/office/drawing/2014/main" id="{9AA271E4-C7DA-BE40-805A-3BAB90E3CAB5}"/>
+                <a16:creationId xmlns:a16="http://schemas.microsoft.com/office/drawing/2014/main" id="{D2B9A25E-5188-AA45-B7E6-85C7EC6F1469}"/>
               </a:ext>
             </a:extLst>
           </p:cNvPr>
@@ -4458,10 +6253,19 @@
         </p:nvSpPr>
         <p:spPr/>
         <p:txBody>
-          <a:bodyPr/>
+          <a:bodyPr>
+            <a:normAutofit/>
+          </a:bodyPr>
           <a:lstStyle/>
           <a:p>
-            <a:endParaRPr lang="en-US"/>
+            <a:r>
+              <a:rPr lang="en-US" dirty="0"/>
+              <a:t>Training, Prediction and Evaluation</a:t>
+            </a:r>
+            <a:br>
+              <a:rPr lang="en-US" dirty="0"/>
+            </a:br>
+            <a:endParaRPr lang="en-US" dirty="0"/>
           </a:p>
         </p:txBody>
       </p:sp>
@@ -4470,7 +6274,7 @@
           <p:cNvPr id="3" name="Content Placeholder 2">
             <a:extLst>
               <a:ext uri="{FF2B5EF4-FFF2-40B4-BE49-F238E27FC236}">
-                <a16:creationId xmlns:a16="http://schemas.microsoft.com/office/drawing/2014/main" id="{5DF386C4-85C9-794F-874D-7783B8951C08}"/>
+                <a16:creationId xmlns:a16="http://schemas.microsoft.com/office/drawing/2014/main" id="{469E84E6-15FC-6645-9D08-AE42AEB5FF63}"/>
               </a:ext>
             </a:extLst>
           </p:cNvPr>
@@ -4483,17 +6287,512 @@
         </p:nvSpPr>
         <p:spPr/>
         <p:txBody>
-          <a:bodyPr/>
+          <a:bodyPr>
+            <a:normAutofit/>
+          </a:bodyPr>
           <a:lstStyle/>
           <a:p>
-            <a:endParaRPr lang="en-US"/>
-          </a:p>
-        </p:txBody>
-      </p:sp>
+            <a:r>
+              <a:rPr lang="en-US" dirty="0"/>
+              <a:t>Prediction &amp; Evaluation</a:t>
+            </a:r>
+          </a:p>
+          <a:p>
+            <a:pPr lvl="1"/>
+            <a:r>
+              <a:rPr lang="en-US" dirty="0" err="1"/>
+              <a:t>CrossTable</a:t>
+            </a:r>
+            <a:r>
+              <a:rPr lang="en-US" dirty="0"/>
+              <a:t>(</a:t>
+            </a:r>
+            <a:r>
+              <a:rPr lang="en-US" dirty="0" err="1"/>
+              <a:t>test_pred</a:t>
+            </a:r>
+            <a:r>
+              <a:rPr lang="en-US" dirty="0"/>
+              <a:t>, </a:t>
+            </a:r>
+            <a:r>
+              <a:rPr lang="en-US" dirty="0" err="1"/>
+              <a:t>test_data$income</a:t>
+            </a:r>
+            <a:r>
+              <a:rPr lang="en-US" dirty="0"/>
+              <a:t>, </a:t>
+            </a:r>
+            <a:r>
+              <a:rPr lang="en-US" dirty="0" err="1"/>
+              <a:t>prop.chisq</a:t>
+            </a:r>
+            <a:r>
+              <a:rPr lang="en-US" dirty="0"/>
+              <a:t> = FALSE, </a:t>
+            </a:r>
+            <a:r>
+              <a:rPr lang="en-US" dirty="0" err="1"/>
+              <a:t>prop.c</a:t>
+            </a:r>
+            <a:r>
+              <a:rPr lang="en-US" dirty="0"/>
+              <a:t> = FALSE, </a:t>
+            </a:r>
+          </a:p>
+          <a:p>
+            <a:pPr marL="457200" lvl="1" indent="0">
+              <a:buNone/>
+            </a:pPr>
+            <a:r>
+              <a:rPr lang="en-US" dirty="0"/>
+              <a:t>     		    </a:t>
+            </a:r>
+            <a:r>
+              <a:rPr lang="en-US" dirty="0" err="1"/>
+              <a:t>prop.r</a:t>
+            </a:r>
+            <a:r>
+              <a:rPr lang="en-US" dirty="0"/>
+              <a:t> = FALSE, </a:t>
+            </a:r>
+            <a:r>
+              <a:rPr lang="en-US" dirty="0" err="1"/>
+              <a:t>dnn</a:t>
+            </a:r>
+            <a:r>
+              <a:rPr lang="en-US" dirty="0"/>
+              <a:t> = c('Predicted', 'Actual’))</a:t>
+            </a:r>
+          </a:p>
+          <a:p>
+            <a:pPr lvl="1"/>
+            <a:r>
+              <a:rPr lang="en-US" dirty="0"/>
+              <a:t>Out of </a:t>
+            </a:r>
+            <a:r>
+              <a:rPr lang="en-US" b="1" dirty="0">
+                <a:solidFill>
+                  <a:srgbClr val="00B050"/>
+                </a:solidFill>
+              </a:rPr>
+              <a:t>10162</a:t>
+            </a:r>
+            <a:r>
+              <a:rPr lang="en-US" dirty="0"/>
+              <a:t> records in test data set, only </a:t>
+            </a:r>
+            <a:r>
+              <a:rPr lang="en-US" b="1" dirty="0">
+                <a:solidFill>
+                  <a:srgbClr val="FF0000"/>
+                </a:solidFill>
+              </a:rPr>
+              <a:t>8</a:t>
+            </a:r>
+            <a:r>
+              <a:rPr lang="en-US" dirty="0"/>
+              <a:t> records were predicted wrongly.</a:t>
+            </a:r>
+          </a:p>
+          <a:p>
+            <a:pPr lvl="1"/>
+            <a:endParaRPr lang="en-US" dirty="0"/>
+          </a:p>
+        </p:txBody>
+      </p:sp>
+      <p:graphicFrame>
+        <p:nvGraphicFramePr>
+          <p:cNvPr id="4" name="Table 3">
+            <a:extLst>
+              <a:ext uri="{FF2B5EF4-FFF2-40B4-BE49-F238E27FC236}">
+                <a16:creationId xmlns:a16="http://schemas.microsoft.com/office/drawing/2014/main" id="{D00AAB51-53F4-F549-97FB-91D616F7361E}"/>
+              </a:ext>
+            </a:extLst>
+          </p:cNvPr>
+          <p:cNvGraphicFramePr>
+            <a:graphicFrameLocks noGrp="1"/>
+          </p:cNvGraphicFramePr>
+          <p:nvPr>
+            <p:extLst>
+              <p:ext uri="{D42A27DB-BD31-4B8C-83A1-F6EECF244321}">
+                <p14:modId xmlns:p14="http://schemas.microsoft.com/office/powerpoint/2010/main" val="3952812177"/>
+              </p:ext>
+            </p:extLst>
+          </p:nvPr>
+        </p:nvGraphicFramePr>
+        <p:xfrm>
+          <a:off x="1614094" y="3945222"/>
+          <a:ext cx="5045497" cy="1854200"/>
+        </p:xfrm>
+        <a:graphic>
+          <a:graphicData uri="http://schemas.openxmlformats.org/drawingml/2006/table">
+            <a:tbl>
+              <a:tblPr firstRow="1" bandRow="1">
+                <a:tableStyleId>{5C22544A-7EE6-4342-B048-85BDC9FD1C3A}</a:tableStyleId>
+              </a:tblPr>
+              <a:tblGrid>
+                <a:gridCol w="1612184">
+                  <a:extLst>
+                    <a:ext uri="{9D8B030D-6E8A-4147-A177-3AD203B41FA5}">
+                      <a16:colId xmlns:a16="http://schemas.microsoft.com/office/drawing/2014/main" val="3029501712"/>
+                    </a:ext>
+                  </a:extLst>
+                </a:gridCol>
+                <a:gridCol w="966159">
+                  <a:extLst>
+                    <a:ext uri="{9D8B030D-6E8A-4147-A177-3AD203B41FA5}">
+                      <a16:colId xmlns:a16="http://schemas.microsoft.com/office/drawing/2014/main" val="1005019386"/>
+                    </a:ext>
+                  </a:extLst>
+                </a:gridCol>
+                <a:gridCol w="1078301">
+                  <a:extLst>
+                    <a:ext uri="{9D8B030D-6E8A-4147-A177-3AD203B41FA5}">
+                      <a16:colId xmlns:a16="http://schemas.microsoft.com/office/drawing/2014/main" val="459723160"/>
+                    </a:ext>
+                  </a:extLst>
+                </a:gridCol>
+                <a:gridCol w="1388853">
+                  <a:extLst>
+                    <a:ext uri="{9D8B030D-6E8A-4147-A177-3AD203B41FA5}">
+                      <a16:colId xmlns:a16="http://schemas.microsoft.com/office/drawing/2014/main" val="2221322372"/>
+                    </a:ext>
+                  </a:extLst>
+                </a:gridCol>
+              </a:tblGrid>
+              <a:tr h="370840">
+                <a:tc>
+                  <a:txBody>
+                    <a:bodyPr/>
+                    <a:lstStyle/>
+                    <a:p>
+                      <a:r>
+                        <a:rPr lang="en-US" dirty="0">
+                          <a:solidFill>
+                            <a:srgbClr val="FF62C8"/>
+                          </a:solidFill>
+                        </a:rPr>
+                        <a:t>Predicted</a:t>
+                      </a:r>
+                    </a:p>
+                  </a:txBody>
+                  <a:tcPr/>
+                </a:tc>
+                <a:tc gridSpan="3">
+                  <a:txBody>
+                    <a:bodyPr/>
+                    <a:lstStyle/>
+                    <a:p>
+                      <a:pPr algn="ctr"/>
+                      <a:r>
+                        <a:rPr lang="en-US" dirty="0">
+                          <a:solidFill>
+                            <a:srgbClr val="F0482A"/>
+                          </a:solidFill>
+                        </a:rPr>
+                        <a:t>Actual</a:t>
+                      </a:r>
+                    </a:p>
+                  </a:txBody>
+                  <a:tcPr/>
+                </a:tc>
+                <a:tc hMerge="1">
+                  <a:txBody>
+                    <a:bodyPr/>
+                    <a:lstStyle/>
+                    <a:p>
+                      <a:endParaRPr lang="en-US" dirty="0"/>
+                    </a:p>
+                  </a:txBody>
+                  <a:tcPr/>
+                </a:tc>
+                <a:tc hMerge="1">
+                  <a:txBody>
+                    <a:bodyPr/>
+                    <a:lstStyle/>
+                    <a:p>
+                      <a:endParaRPr lang="en-US" dirty="0"/>
+                    </a:p>
+                  </a:txBody>
+                  <a:tcPr/>
+                </a:tc>
+                <a:extLst>
+                  <a:ext uri="{0D108BD9-81ED-4DB2-BD59-A6C34878D82A}">
+                    <a16:rowId xmlns:a16="http://schemas.microsoft.com/office/drawing/2014/main" val="3994261589"/>
+                  </a:ext>
+                </a:extLst>
+              </a:tr>
+              <a:tr h="370840">
+                <a:tc>
+                  <a:txBody>
+                    <a:bodyPr/>
+                    <a:lstStyle/>
+                    <a:p>
+                      <a:endParaRPr lang="en-US" dirty="0">
+                        <a:solidFill>
+                          <a:srgbClr val="FF62C8"/>
+                        </a:solidFill>
+                      </a:endParaRPr>
+                    </a:p>
+                  </a:txBody>
+                  <a:tcPr/>
+                </a:tc>
+                <a:tc>
+                  <a:txBody>
+                    <a:bodyPr/>
+                    <a:lstStyle/>
+                    <a:p>
+                      <a:r>
+                        <a:rPr lang="en-US" dirty="0">
+                          <a:solidFill>
+                            <a:srgbClr val="F0482A"/>
+                          </a:solidFill>
+                        </a:rPr>
+                        <a:t>&lt;=50K</a:t>
+                      </a:r>
+                    </a:p>
+                  </a:txBody>
+                  <a:tcPr/>
+                </a:tc>
+                <a:tc>
+                  <a:txBody>
+                    <a:bodyPr/>
+                    <a:lstStyle/>
+                    <a:p>
+                      <a:r>
+                        <a:rPr lang="en-US" dirty="0">
+                          <a:solidFill>
+                            <a:srgbClr val="F0482A"/>
+                          </a:solidFill>
+                        </a:rPr>
+                        <a:t>&gt;50K</a:t>
+                      </a:r>
+                    </a:p>
+                  </a:txBody>
+                  <a:tcPr/>
+                </a:tc>
+                <a:tc>
+                  <a:txBody>
+                    <a:bodyPr/>
+                    <a:lstStyle/>
+                    <a:p>
+                      <a:r>
+                        <a:rPr lang="en-US" dirty="0">
+                          <a:solidFill>
+                            <a:srgbClr val="F0482A"/>
+                          </a:solidFill>
+                        </a:rPr>
+                        <a:t>Row Total</a:t>
+                      </a:r>
+                    </a:p>
+                  </a:txBody>
+                  <a:tcPr/>
+                </a:tc>
+                <a:extLst>
+                  <a:ext uri="{0D108BD9-81ED-4DB2-BD59-A6C34878D82A}">
+                    <a16:rowId xmlns:a16="http://schemas.microsoft.com/office/drawing/2014/main" val="1410087986"/>
+                  </a:ext>
+                </a:extLst>
+              </a:tr>
+              <a:tr h="370840">
+                <a:tc>
+                  <a:txBody>
+                    <a:bodyPr/>
+                    <a:lstStyle/>
+                    <a:p>
+                      <a:r>
+                        <a:rPr lang="en-US" dirty="0">
+                          <a:solidFill>
+                            <a:srgbClr val="FF62C8"/>
+                          </a:solidFill>
+                        </a:rPr>
+                        <a:t>&lt;=50K</a:t>
+                      </a:r>
+                    </a:p>
+                  </a:txBody>
+                  <a:tcPr/>
+                </a:tc>
+                <a:tc>
+                  <a:txBody>
+                    <a:bodyPr/>
+                    <a:lstStyle/>
+                    <a:p>
+                      <a:r>
+                        <a:rPr lang="en-US" dirty="0"/>
+                        <a:t>7590</a:t>
+                      </a:r>
+                    </a:p>
+                  </a:txBody>
+                  <a:tcPr/>
+                </a:tc>
+                <a:tc>
+                  <a:txBody>
+                    <a:bodyPr/>
+                    <a:lstStyle/>
+                    <a:p>
+                      <a:r>
+                        <a:rPr lang="en-US" dirty="0"/>
+                        <a:t>8</a:t>
+                      </a:r>
+                    </a:p>
+                  </a:txBody>
+                  <a:tcPr/>
+                </a:tc>
+                <a:tc>
+                  <a:txBody>
+                    <a:bodyPr/>
+                    <a:lstStyle/>
+                    <a:p>
+                      <a:r>
+                        <a:rPr lang="en-US" dirty="0"/>
+                        <a:t>7598</a:t>
+                      </a:r>
+                    </a:p>
+                  </a:txBody>
+                  <a:tcPr/>
+                </a:tc>
+                <a:extLst>
+                  <a:ext uri="{0D108BD9-81ED-4DB2-BD59-A6C34878D82A}">
+                    <a16:rowId xmlns:a16="http://schemas.microsoft.com/office/drawing/2014/main" val="2066482713"/>
+                  </a:ext>
+                </a:extLst>
+              </a:tr>
+              <a:tr h="370840">
+                <a:tc>
+                  <a:txBody>
+                    <a:bodyPr/>
+                    <a:lstStyle/>
+                    <a:p>
+                      <a:r>
+                        <a:rPr lang="en-US" dirty="0">
+                          <a:solidFill>
+                            <a:srgbClr val="FF62C8"/>
+                          </a:solidFill>
+                        </a:rPr>
+                        <a:t>&gt;50K</a:t>
+                      </a:r>
+                    </a:p>
+                  </a:txBody>
+                  <a:tcPr/>
+                </a:tc>
+                <a:tc>
+                  <a:txBody>
+                    <a:bodyPr/>
+                    <a:lstStyle/>
+                    <a:p>
+                      <a:r>
+                        <a:rPr lang="en-US" dirty="0"/>
+                        <a:t>0</a:t>
+                      </a:r>
+                    </a:p>
+                  </a:txBody>
+                  <a:tcPr/>
+                </a:tc>
+                <a:tc>
+                  <a:txBody>
+                    <a:bodyPr/>
+                    <a:lstStyle/>
+                    <a:p>
+                      <a:r>
+                        <a:rPr lang="en-US" dirty="0"/>
+                        <a:t>2564</a:t>
+                      </a:r>
+                    </a:p>
+                  </a:txBody>
+                  <a:tcPr/>
+                </a:tc>
+                <a:tc>
+                  <a:txBody>
+                    <a:bodyPr/>
+                    <a:lstStyle/>
+                    <a:p>
+                      <a:r>
+                        <a:rPr lang="en-US" dirty="0"/>
+                        <a:t>2564</a:t>
+                      </a:r>
+                    </a:p>
+                  </a:txBody>
+                  <a:tcPr/>
+                </a:tc>
+                <a:extLst>
+                  <a:ext uri="{0D108BD9-81ED-4DB2-BD59-A6C34878D82A}">
+                    <a16:rowId xmlns:a16="http://schemas.microsoft.com/office/drawing/2014/main" val="36682791"/>
+                  </a:ext>
+                </a:extLst>
+              </a:tr>
+              <a:tr h="370840">
+                <a:tc>
+                  <a:txBody>
+                    <a:bodyPr/>
+                    <a:lstStyle/>
+                    <a:p>
+                      <a:r>
+                        <a:rPr lang="en-US" dirty="0">
+                          <a:solidFill>
+                            <a:srgbClr val="FF62C8"/>
+                          </a:solidFill>
+                        </a:rPr>
+                        <a:t>Column Total</a:t>
+                      </a:r>
+                    </a:p>
+                  </a:txBody>
+                  <a:tcPr/>
+                </a:tc>
+                <a:tc>
+                  <a:txBody>
+                    <a:bodyPr/>
+                    <a:lstStyle/>
+                    <a:p>
+                      <a:r>
+                        <a:rPr lang="en-US" dirty="0"/>
+                        <a:t>7590</a:t>
+                      </a:r>
+                    </a:p>
+                  </a:txBody>
+                  <a:tcPr/>
+                </a:tc>
+                <a:tc>
+                  <a:txBody>
+                    <a:bodyPr/>
+                    <a:lstStyle/>
+                    <a:p>
+                      <a:r>
+                        <a:rPr lang="en-US" dirty="0"/>
+                        <a:t>2572</a:t>
+                      </a:r>
+                    </a:p>
+                  </a:txBody>
+                  <a:tcPr/>
+                </a:tc>
+                <a:tc>
+                  <a:txBody>
+                    <a:bodyPr/>
+                    <a:lstStyle/>
+                    <a:p>
+                      <a:r>
+                        <a:rPr lang="en-US" dirty="0"/>
+                        <a:t>10162</a:t>
+                      </a:r>
+                    </a:p>
+                  </a:txBody>
+                  <a:tcPr/>
+                </a:tc>
+                <a:extLst>
+                  <a:ext uri="{0D108BD9-81ED-4DB2-BD59-A6C34878D82A}">
+                    <a16:rowId xmlns:a16="http://schemas.microsoft.com/office/drawing/2014/main" val="850216961"/>
+                  </a:ext>
+                </a:extLst>
+              </a:tr>
+            </a:tbl>
+          </a:graphicData>
+        </a:graphic>
+      </p:graphicFrame>
     </p:spTree>
     <p:extLst>
       <p:ext uri="{BB962C8B-B14F-4D97-AF65-F5344CB8AC3E}">
-        <p14:creationId xmlns:p14="http://schemas.microsoft.com/office/powerpoint/2010/main" val="847416120"/>
+        <p14:creationId xmlns:p14="http://schemas.microsoft.com/office/powerpoint/2010/main" val="3766175231"/>
       </p:ext>
     </p:extLst>
   </p:cSld>
@@ -4525,7 +6824,7 @@
           <p:cNvPr id="2" name="Title 1">
             <a:extLst>
               <a:ext uri="{FF2B5EF4-FFF2-40B4-BE49-F238E27FC236}">
-                <a16:creationId xmlns:a16="http://schemas.microsoft.com/office/drawing/2014/main" id="{B4A3C95A-4C7E-7C40-B4E3-4398BB0742FA}"/>
+                <a16:creationId xmlns:a16="http://schemas.microsoft.com/office/drawing/2014/main" id="{D2B9A25E-5188-AA45-B7E6-85C7EC6F1469}"/>
               </a:ext>
             </a:extLst>
           </p:cNvPr>
@@ -4538,10 +6837,19 @@
         </p:nvSpPr>
         <p:spPr/>
         <p:txBody>
-          <a:bodyPr/>
+          <a:bodyPr>
+            <a:normAutofit/>
+          </a:bodyPr>
           <a:lstStyle/>
           <a:p>
-            <a:endParaRPr lang="en-US"/>
+            <a:r>
+              <a:rPr lang="en-US" dirty="0"/>
+              <a:t>Model Improvement and Re-evaluation</a:t>
+            </a:r>
+            <a:br>
+              <a:rPr lang="en-US" dirty="0"/>
+            </a:br>
+            <a:endParaRPr lang="en-US" dirty="0"/>
           </a:p>
         </p:txBody>
       </p:sp>
@@ -4550,7 +6858,7 @@
           <p:cNvPr id="3" name="Content Placeholder 2">
             <a:extLst>
               <a:ext uri="{FF2B5EF4-FFF2-40B4-BE49-F238E27FC236}">
-                <a16:creationId xmlns:a16="http://schemas.microsoft.com/office/drawing/2014/main" id="{F370B737-95A4-4F44-AB54-CB239A353427}"/>
+                <a16:creationId xmlns:a16="http://schemas.microsoft.com/office/drawing/2014/main" id="{469E84E6-15FC-6645-9D08-AE42AEB5FF63}"/>
               </a:ext>
             </a:extLst>
           </p:cNvPr>
@@ -4561,99 +6869,532 @@
             <p:ph idx="1"/>
           </p:nvPr>
         </p:nvSpPr>
-        <p:spPr/>
-        <p:txBody>
-          <a:bodyPr/>
+        <p:spPr>
+          <a:xfrm>
+            <a:off x="838200" y="1825625"/>
+            <a:ext cx="10515600" cy="4667250"/>
+          </a:xfrm>
+        </p:spPr>
+        <p:txBody>
+          <a:bodyPr>
+            <a:normAutofit/>
+          </a:bodyPr>
           <a:lstStyle/>
           <a:p>
-            <a:endParaRPr lang="en-US"/>
-          </a:p>
-        </p:txBody>
-      </p:sp>
+            <a:r>
+              <a:rPr lang="en-US" dirty="0"/>
+              <a:t>Model Improvement with Laplace smoothing</a:t>
+            </a:r>
+          </a:p>
+          <a:p>
+            <a:pPr lvl="1"/>
+            <a:r>
+              <a:rPr lang="en-US" dirty="0"/>
+              <a:t>I’ve introduce an additional parameter to the Naïve Bayes classifier</a:t>
+            </a:r>
+          </a:p>
+          <a:p>
+            <a:pPr lvl="2"/>
+            <a:r>
+              <a:rPr lang="en-US" dirty="0"/>
+              <a:t>income_classifier2 &lt;- </a:t>
+            </a:r>
+            <a:r>
+              <a:rPr lang="en-US" dirty="0" err="1"/>
+              <a:t>naiveBayes</a:t>
+            </a:r>
+            <a:r>
+              <a:rPr lang="en-US" dirty="0"/>
+              <a:t>(</a:t>
+            </a:r>
+            <a:r>
+              <a:rPr lang="en-US" dirty="0" err="1"/>
+              <a:t>train_data</a:t>
+            </a:r>
+            <a:r>
+              <a:rPr lang="en-US" dirty="0"/>
+              <a:t>, </a:t>
+            </a:r>
+            <a:r>
+              <a:rPr lang="en-US" dirty="0" err="1"/>
+              <a:t>train_data$income</a:t>
+            </a:r>
+            <a:r>
+              <a:rPr lang="en-US" dirty="0"/>
+              <a:t>, </a:t>
+            </a:r>
+            <a:r>
+              <a:rPr lang="en-US" b="1" dirty="0" err="1">
+                <a:solidFill>
+                  <a:srgbClr val="FF0000"/>
+                </a:solidFill>
+              </a:rPr>
+              <a:t>laplace</a:t>
+            </a:r>
+            <a:r>
+              <a:rPr lang="en-US" b="1" dirty="0">
+                <a:solidFill>
+                  <a:srgbClr val="FF0000"/>
+                </a:solidFill>
+              </a:rPr>
+              <a:t> = 1</a:t>
+            </a:r>
+            <a:r>
+              <a:rPr lang="en-US" dirty="0"/>
+              <a:t>)</a:t>
+            </a:r>
+          </a:p>
+          <a:p>
+            <a:r>
+              <a:rPr lang="en-US" dirty="0"/>
+              <a:t>Re-Evaluation</a:t>
+            </a:r>
+          </a:p>
+          <a:p>
+            <a:pPr lvl="1"/>
+            <a:r>
+              <a:rPr lang="en-US" dirty="0"/>
+              <a:t>Out of </a:t>
+            </a:r>
+            <a:r>
+              <a:rPr lang="en-US" b="1" dirty="0">
+                <a:solidFill>
+                  <a:srgbClr val="00B050"/>
+                </a:solidFill>
+              </a:rPr>
+              <a:t>10162</a:t>
+            </a:r>
+            <a:r>
+              <a:rPr lang="en-US" dirty="0"/>
+              <a:t> records in test data set, I managed to reduce the </a:t>
+            </a:r>
+            <a:r>
+              <a:rPr lang="en-US" b="1" dirty="0">
+                <a:solidFill>
+                  <a:srgbClr val="FF0000"/>
+                </a:solidFill>
+              </a:rPr>
+              <a:t>8</a:t>
+            </a:r>
+            <a:r>
+              <a:rPr lang="en-US" dirty="0"/>
+              <a:t> wrong predictions earlier to only </a:t>
+            </a:r>
+            <a:r>
+              <a:rPr lang="en-US" b="1" dirty="0">
+                <a:solidFill>
+                  <a:srgbClr val="FF0000"/>
+                </a:solidFill>
+              </a:rPr>
+              <a:t>2</a:t>
+            </a:r>
+            <a:r>
+              <a:rPr lang="en-US" dirty="0"/>
+              <a:t> after applying </a:t>
+            </a:r>
+            <a:r>
+              <a:rPr lang="en-US"/>
+              <a:t>Laplace smoothing.</a:t>
+            </a:r>
+            <a:endParaRPr lang="en-US" dirty="0"/>
+          </a:p>
+          <a:p>
+            <a:pPr lvl="1"/>
+            <a:endParaRPr lang="en-US" dirty="0"/>
+          </a:p>
+        </p:txBody>
+      </p:sp>
+      <p:graphicFrame>
+        <p:nvGraphicFramePr>
+          <p:cNvPr id="4" name="Table 3">
+            <a:extLst>
+              <a:ext uri="{FF2B5EF4-FFF2-40B4-BE49-F238E27FC236}">
+                <a16:creationId xmlns:a16="http://schemas.microsoft.com/office/drawing/2014/main" id="{D00AAB51-53F4-F549-97FB-91D616F7361E}"/>
+              </a:ext>
+            </a:extLst>
+          </p:cNvPr>
+          <p:cNvGraphicFramePr>
+            <a:graphicFrameLocks noGrp="1"/>
+          </p:cNvGraphicFramePr>
+          <p:nvPr>
+            <p:extLst>
+              <p:ext uri="{D42A27DB-BD31-4B8C-83A1-F6EECF244321}">
+                <p14:modId xmlns:p14="http://schemas.microsoft.com/office/powerpoint/2010/main" val="2723186923"/>
+              </p:ext>
+            </p:extLst>
+          </p:nvPr>
+        </p:nvGraphicFramePr>
+        <p:xfrm>
+          <a:off x="1622721" y="4385169"/>
+          <a:ext cx="5045497" cy="1854200"/>
+        </p:xfrm>
+        <a:graphic>
+          <a:graphicData uri="http://schemas.openxmlformats.org/drawingml/2006/table">
+            <a:tbl>
+              <a:tblPr firstRow="1" bandRow="1">
+                <a:tableStyleId>{5C22544A-7EE6-4342-B048-85BDC9FD1C3A}</a:tableStyleId>
+              </a:tblPr>
+              <a:tblGrid>
+                <a:gridCol w="1612184">
+                  <a:extLst>
+                    <a:ext uri="{9D8B030D-6E8A-4147-A177-3AD203B41FA5}">
+                      <a16:colId xmlns:a16="http://schemas.microsoft.com/office/drawing/2014/main" val="3029501712"/>
+                    </a:ext>
+                  </a:extLst>
+                </a:gridCol>
+                <a:gridCol w="966159">
+                  <a:extLst>
+                    <a:ext uri="{9D8B030D-6E8A-4147-A177-3AD203B41FA5}">
+                      <a16:colId xmlns:a16="http://schemas.microsoft.com/office/drawing/2014/main" val="1005019386"/>
+                    </a:ext>
+                  </a:extLst>
+                </a:gridCol>
+                <a:gridCol w="1078301">
+                  <a:extLst>
+                    <a:ext uri="{9D8B030D-6E8A-4147-A177-3AD203B41FA5}">
+                      <a16:colId xmlns:a16="http://schemas.microsoft.com/office/drawing/2014/main" val="459723160"/>
+                    </a:ext>
+                  </a:extLst>
+                </a:gridCol>
+                <a:gridCol w="1388853">
+                  <a:extLst>
+                    <a:ext uri="{9D8B030D-6E8A-4147-A177-3AD203B41FA5}">
+                      <a16:colId xmlns:a16="http://schemas.microsoft.com/office/drawing/2014/main" val="2221322372"/>
+                    </a:ext>
+                  </a:extLst>
+                </a:gridCol>
+              </a:tblGrid>
+              <a:tr h="370840">
+                <a:tc>
+                  <a:txBody>
+                    <a:bodyPr/>
+                    <a:lstStyle/>
+                    <a:p>
+                      <a:r>
+                        <a:rPr lang="en-US" dirty="0">
+                          <a:solidFill>
+                            <a:srgbClr val="FF62C8"/>
+                          </a:solidFill>
+                        </a:rPr>
+                        <a:t>Predicted</a:t>
+                      </a:r>
+                    </a:p>
+                  </a:txBody>
+                  <a:tcPr/>
+                </a:tc>
+                <a:tc gridSpan="3">
+                  <a:txBody>
+                    <a:bodyPr/>
+                    <a:lstStyle/>
+                    <a:p>
+                      <a:pPr algn="ctr"/>
+                      <a:r>
+                        <a:rPr lang="en-US" dirty="0">
+                          <a:solidFill>
+                            <a:srgbClr val="F0482A"/>
+                          </a:solidFill>
+                        </a:rPr>
+                        <a:t>Actual</a:t>
+                      </a:r>
+                    </a:p>
+                  </a:txBody>
+                  <a:tcPr/>
+                </a:tc>
+                <a:tc hMerge="1">
+                  <a:txBody>
+                    <a:bodyPr/>
+                    <a:lstStyle/>
+                    <a:p>
+                      <a:endParaRPr lang="en-US" dirty="0"/>
+                    </a:p>
+                  </a:txBody>
+                  <a:tcPr/>
+                </a:tc>
+                <a:tc hMerge="1">
+                  <a:txBody>
+                    <a:bodyPr/>
+                    <a:lstStyle/>
+                    <a:p>
+                      <a:endParaRPr lang="en-US" dirty="0"/>
+                    </a:p>
+                  </a:txBody>
+                  <a:tcPr/>
+                </a:tc>
+                <a:extLst>
+                  <a:ext uri="{0D108BD9-81ED-4DB2-BD59-A6C34878D82A}">
+                    <a16:rowId xmlns:a16="http://schemas.microsoft.com/office/drawing/2014/main" val="3994261589"/>
+                  </a:ext>
+                </a:extLst>
+              </a:tr>
+              <a:tr h="370840">
+                <a:tc>
+                  <a:txBody>
+                    <a:bodyPr/>
+                    <a:lstStyle/>
+                    <a:p>
+                      <a:endParaRPr lang="en-US" dirty="0">
+                        <a:solidFill>
+                          <a:srgbClr val="FF62C8"/>
+                        </a:solidFill>
+                      </a:endParaRPr>
+                    </a:p>
+                  </a:txBody>
+                  <a:tcPr/>
+                </a:tc>
+                <a:tc>
+                  <a:txBody>
+                    <a:bodyPr/>
+                    <a:lstStyle/>
+                    <a:p>
+                      <a:r>
+                        <a:rPr lang="en-US" dirty="0">
+                          <a:solidFill>
+                            <a:srgbClr val="F0482A"/>
+                          </a:solidFill>
+                        </a:rPr>
+                        <a:t>&lt;=50K</a:t>
+                      </a:r>
+                    </a:p>
+                  </a:txBody>
+                  <a:tcPr/>
+                </a:tc>
+                <a:tc>
+                  <a:txBody>
+                    <a:bodyPr/>
+                    <a:lstStyle/>
+                    <a:p>
+                      <a:r>
+                        <a:rPr lang="en-US" dirty="0">
+                          <a:solidFill>
+                            <a:srgbClr val="F0482A"/>
+                          </a:solidFill>
+                        </a:rPr>
+                        <a:t>&gt;50K</a:t>
+                      </a:r>
+                    </a:p>
+                  </a:txBody>
+                  <a:tcPr/>
+                </a:tc>
+                <a:tc>
+                  <a:txBody>
+                    <a:bodyPr/>
+                    <a:lstStyle/>
+                    <a:p>
+                      <a:r>
+                        <a:rPr lang="en-US" dirty="0">
+                          <a:solidFill>
+                            <a:srgbClr val="F0482A"/>
+                          </a:solidFill>
+                        </a:rPr>
+                        <a:t>Row Total</a:t>
+                      </a:r>
+                    </a:p>
+                  </a:txBody>
+                  <a:tcPr/>
+                </a:tc>
+                <a:extLst>
+                  <a:ext uri="{0D108BD9-81ED-4DB2-BD59-A6C34878D82A}">
+                    <a16:rowId xmlns:a16="http://schemas.microsoft.com/office/drawing/2014/main" val="1410087986"/>
+                  </a:ext>
+                </a:extLst>
+              </a:tr>
+              <a:tr h="370840">
+                <a:tc>
+                  <a:txBody>
+                    <a:bodyPr/>
+                    <a:lstStyle/>
+                    <a:p>
+                      <a:r>
+                        <a:rPr lang="en-US" dirty="0">
+                          <a:solidFill>
+                            <a:srgbClr val="FF62C8"/>
+                          </a:solidFill>
+                        </a:rPr>
+                        <a:t>&lt;=50K</a:t>
+                      </a:r>
+                    </a:p>
+                  </a:txBody>
+                  <a:tcPr/>
+                </a:tc>
+                <a:tc>
+                  <a:txBody>
+                    <a:bodyPr/>
+                    <a:lstStyle/>
+                    <a:p>
+                      <a:r>
+                        <a:rPr lang="en-US" dirty="0"/>
+                        <a:t>7590</a:t>
+                      </a:r>
+                    </a:p>
+                  </a:txBody>
+                  <a:tcPr/>
+                </a:tc>
+                <a:tc>
+                  <a:txBody>
+                    <a:bodyPr/>
+                    <a:lstStyle/>
+                    <a:p>
+                      <a:r>
+                        <a:rPr lang="en-US" dirty="0"/>
+                        <a:t>2</a:t>
+                      </a:r>
+                    </a:p>
+                  </a:txBody>
+                  <a:tcPr/>
+                </a:tc>
+                <a:tc>
+                  <a:txBody>
+                    <a:bodyPr/>
+                    <a:lstStyle/>
+                    <a:p>
+                      <a:r>
+                        <a:rPr lang="en-US" dirty="0"/>
+                        <a:t>7592</a:t>
+                      </a:r>
+                    </a:p>
+                  </a:txBody>
+                  <a:tcPr/>
+                </a:tc>
+                <a:extLst>
+                  <a:ext uri="{0D108BD9-81ED-4DB2-BD59-A6C34878D82A}">
+                    <a16:rowId xmlns:a16="http://schemas.microsoft.com/office/drawing/2014/main" val="2066482713"/>
+                  </a:ext>
+                </a:extLst>
+              </a:tr>
+              <a:tr h="370840">
+                <a:tc>
+                  <a:txBody>
+                    <a:bodyPr/>
+                    <a:lstStyle/>
+                    <a:p>
+                      <a:r>
+                        <a:rPr lang="en-US" dirty="0">
+                          <a:solidFill>
+                            <a:srgbClr val="FF62C8"/>
+                          </a:solidFill>
+                        </a:rPr>
+                        <a:t>&gt;50K</a:t>
+                      </a:r>
+                    </a:p>
+                  </a:txBody>
+                  <a:tcPr/>
+                </a:tc>
+                <a:tc>
+                  <a:txBody>
+                    <a:bodyPr/>
+                    <a:lstStyle/>
+                    <a:p>
+                      <a:r>
+                        <a:rPr lang="en-US" dirty="0"/>
+                        <a:t>0</a:t>
+                      </a:r>
+                    </a:p>
+                  </a:txBody>
+                  <a:tcPr/>
+                </a:tc>
+                <a:tc>
+                  <a:txBody>
+                    <a:bodyPr/>
+                    <a:lstStyle/>
+                    <a:p>
+                      <a:r>
+                        <a:rPr lang="en-US" dirty="0"/>
+                        <a:t>2570</a:t>
+                      </a:r>
+                    </a:p>
+                  </a:txBody>
+                  <a:tcPr/>
+                </a:tc>
+                <a:tc>
+                  <a:txBody>
+                    <a:bodyPr/>
+                    <a:lstStyle/>
+                    <a:p>
+                      <a:r>
+                        <a:rPr lang="en-US" dirty="0"/>
+                        <a:t>2570</a:t>
+                      </a:r>
+                    </a:p>
+                  </a:txBody>
+                  <a:tcPr/>
+                </a:tc>
+                <a:extLst>
+                  <a:ext uri="{0D108BD9-81ED-4DB2-BD59-A6C34878D82A}">
+                    <a16:rowId xmlns:a16="http://schemas.microsoft.com/office/drawing/2014/main" val="36682791"/>
+                  </a:ext>
+                </a:extLst>
+              </a:tr>
+              <a:tr h="370840">
+                <a:tc>
+                  <a:txBody>
+                    <a:bodyPr/>
+                    <a:lstStyle/>
+                    <a:p>
+                      <a:r>
+                        <a:rPr lang="en-US" dirty="0">
+                          <a:solidFill>
+                            <a:srgbClr val="FF62C8"/>
+                          </a:solidFill>
+                        </a:rPr>
+                        <a:t>Column Total</a:t>
+                      </a:r>
+                    </a:p>
+                  </a:txBody>
+                  <a:tcPr/>
+                </a:tc>
+                <a:tc>
+                  <a:txBody>
+                    <a:bodyPr/>
+                    <a:lstStyle/>
+                    <a:p>
+                      <a:r>
+                        <a:rPr lang="en-US" dirty="0"/>
+                        <a:t>7590</a:t>
+                      </a:r>
+                    </a:p>
+                  </a:txBody>
+                  <a:tcPr/>
+                </a:tc>
+                <a:tc>
+                  <a:txBody>
+                    <a:bodyPr/>
+                    <a:lstStyle/>
+                    <a:p>
+                      <a:r>
+                        <a:rPr lang="en-US" dirty="0"/>
+                        <a:t>2572</a:t>
+                      </a:r>
+                    </a:p>
+                  </a:txBody>
+                  <a:tcPr/>
+                </a:tc>
+                <a:tc>
+                  <a:txBody>
+                    <a:bodyPr/>
+                    <a:lstStyle/>
+                    <a:p>
+                      <a:r>
+                        <a:rPr lang="en-US" dirty="0"/>
+                        <a:t>10162</a:t>
+                      </a:r>
+                    </a:p>
+                  </a:txBody>
+                  <a:tcPr/>
+                </a:tc>
+                <a:extLst>
+                  <a:ext uri="{0D108BD9-81ED-4DB2-BD59-A6C34878D82A}">
+                    <a16:rowId xmlns:a16="http://schemas.microsoft.com/office/drawing/2014/main" val="850216961"/>
+                  </a:ext>
+                </a:extLst>
+              </a:tr>
+            </a:tbl>
+          </a:graphicData>
+        </a:graphic>
+      </p:graphicFrame>
     </p:spTree>
     <p:extLst>
       <p:ext uri="{BB962C8B-B14F-4D97-AF65-F5344CB8AC3E}">
-        <p14:creationId xmlns:p14="http://schemas.microsoft.com/office/powerpoint/2010/main" val="4027145452"/>
-      </p:ext>
-    </p:extLst>
-  </p:cSld>
-  <p:clrMapOvr>
-    <a:masterClrMapping/>
-  </p:clrMapOvr>
-</p:sld>
-</file>
-
-<file path=ppt/slides/slide19.xml><?xml version="1.0" encoding="utf-8"?>
-<p:sld xmlns:a="http://schemas.openxmlformats.org/drawingml/2006/main" xmlns:r="http://schemas.openxmlformats.org/officeDocument/2006/relationships" xmlns:p="http://schemas.openxmlformats.org/presentationml/2006/main">
-  <p:cSld>
-    <p:spTree>
-      <p:nvGrpSpPr>
-        <p:cNvPr id="1" name=""/>
-        <p:cNvGrpSpPr/>
-        <p:nvPr/>
-      </p:nvGrpSpPr>
-      <p:grpSpPr>
-        <a:xfrm>
-          <a:off x="0" y="0"/>
-          <a:ext cx="0" cy="0"/>
-          <a:chOff x="0" y="0"/>
-          <a:chExt cx="0" cy="0"/>
-        </a:xfrm>
-      </p:grpSpPr>
-      <p:sp>
-        <p:nvSpPr>
-          <p:cNvPr id="2" name="Title 1">
-            <a:extLst>
-              <a:ext uri="{FF2B5EF4-FFF2-40B4-BE49-F238E27FC236}">
-                <a16:creationId xmlns:a16="http://schemas.microsoft.com/office/drawing/2014/main" id="{3966868E-E76E-974D-A571-B7DD745BD548}"/>
-              </a:ext>
-            </a:extLst>
-          </p:cNvPr>
-          <p:cNvSpPr>
-            <a:spLocks noGrp="1"/>
-          </p:cNvSpPr>
-          <p:nvPr>
-            <p:ph type="title"/>
-          </p:nvPr>
-        </p:nvSpPr>
-        <p:spPr/>
-        <p:txBody>
-          <a:bodyPr/>
-          <a:lstStyle/>
-          <a:p>
-            <a:endParaRPr lang="en-US"/>
-          </a:p>
-        </p:txBody>
-      </p:sp>
-      <p:sp>
-        <p:nvSpPr>
-          <p:cNvPr id="3" name="Content Placeholder 2">
-            <a:extLst>
-              <a:ext uri="{FF2B5EF4-FFF2-40B4-BE49-F238E27FC236}">
-                <a16:creationId xmlns:a16="http://schemas.microsoft.com/office/drawing/2014/main" id="{F1F5B760-DDD4-3D40-B076-10078924BE66}"/>
-              </a:ext>
-            </a:extLst>
-          </p:cNvPr>
-          <p:cNvSpPr>
-            <a:spLocks noGrp="1"/>
-          </p:cNvSpPr>
-          <p:nvPr>
-            <p:ph idx="1"/>
-          </p:nvPr>
-        </p:nvSpPr>
-        <p:spPr/>
-        <p:txBody>
-          <a:bodyPr/>
-          <a:lstStyle/>
-          <a:p>
-            <a:endParaRPr lang="en-US"/>
-          </a:p>
-        </p:txBody>
-      </p:sp>
-    </p:spTree>
-    <p:extLst>
-      <p:ext uri="{BB962C8B-B14F-4D97-AF65-F5344CB8AC3E}">
-        <p14:creationId xmlns:p14="http://schemas.microsoft.com/office/powerpoint/2010/main" val="1344392860"/>
+        <p14:creationId xmlns:p14="http://schemas.microsoft.com/office/powerpoint/2010/main" val="695217924"/>
       </p:ext>
     </p:extLst>
   </p:cSld>
@@ -4998,7 +7739,7 @@
           <a:p>
             <a:r>
               <a:rPr lang="en-US" dirty="0"/>
-              <a:t>Followed the book example, I’ve learnt the Naïve Bayes classification model.</a:t>
+              <a:t>I followed the book example, and I’ve learnt the Naïve Bayes classification model.</a:t>
             </a:r>
           </a:p>
           <a:p>
@@ -5010,7 +7751,7 @@
           <a:p>
             <a:r>
               <a:rPr lang="en-US" dirty="0"/>
-              <a:t>Overall, the example is easy to follow and it help me understand the models step by step.</a:t>
+              <a:t>Overall, the example is easy to follow and it helped me understand Naïve Bayes model step by step.</a:t>
             </a:r>
           </a:p>
           <a:p>
@@ -5105,54 +7846,61 @@
             </a:pPr>
             <a:r>
               <a:rPr lang="en-US" dirty="0"/>
-              <a:t>I will dedicate the rest of the slides to fully document the details of the classification using the Adult dataset, here is a summary of what I’m going to cover in the following sections,</a:t>
-            </a:r>
-          </a:p>
-          <a:p>
-            <a:pPr marL="0" indent="0">
-              <a:buNone/>
-            </a:pPr>
-            <a:endParaRPr lang="en-US" dirty="0"/>
+              <a:t>I will dedicate the rest of the slides to fully document the details of classification using the Adult dataset, here is a summary of what I’m going to cover in the following sections,</a:t>
+            </a:r>
           </a:p>
           <a:p>
             <a:pPr lvl="1"/>
             <a:r>
-              <a:rPr lang="en-US" dirty="0"/>
+              <a:rPr lang="en-US" b="1" dirty="0">
+                <a:solidFill>
+                  <a:srgbClr val="0070C0"/>
+                </a:solidFill>
+              </a:rPr>
               <a:t>Data Description</a:t>
             </a:r>
           </a:p>
           <a:p>
             <a:pPr lvl="1"/>
             <a:r>
-              <a:rPr lang="en-US" dirty="0"/>
-              <a:t>Data Exploration</a:t>
+              <a:rPr lang="en-US" b="1" dirty="0">
+                <a:solidFill>
+                  <a:srgbClr val="0070C0"/>
+                </a:solidFill>
+              </a:rPr>
+              <a:t>Data Exploration &amp; Missing Data Handling</a:t>
             </a:r>
           </a:p>
           <a:p>
             <a:pPr lvl="1"/>
             <a:r>
-              <a:rPr lang="en-US" dirty="0"/>
-              <a:t>Missing Data Handling</a:t>
+              <a:rPr lang="en-US" b="1" dirty="0">
+                <a:solidFill>
+                  <a:srgbClr val="0070C0"/>
+                </a:solidFill>
+              </a:rPr>
+              <a:t>Feature Engineering (The Major Component)</a:t>
             </a:r>
           </a:p>
           <a:p>
             <a:pPr lvl="1"/>
             <a:r>
-              <a:rPr lang="en-US" dirty="0"/>
-              <a:t>Feature Engineering (The Major Component)</a:t>
+              <a:rPr lang="en-US" b="1" dirty="0">
+                <a:solidFill>
+                  <a:srgbClr val="0070C0"/>
+                </a:solidFill>
+              </a:rPr>
+              <a:t>Model Training &amp; Prediction and Performance Evaluation</a:t>
             </a:r>
           </a:p>
           <a:p>
             <a:pPr lvl="1"/>
             <a:r>
-              <a:rPr lang="en-US" dirty="0"/>
-              <a:t>Model Training &amp; Prediction &amp; Performance Evaluation</a:t>
-            </a:r>
-          </a:p>
-          <a:p>
-            <a:pPr lvl="1"/>
-            <a:r>
-              <a:rPr lang="en-US" dirty="0"/>
+              <a:rPr lang="en-US" b="1" dirty="0">
+                <a:solidFill>
+                  <a:srgbClr val="0070C0"/>
+                </a:solidFill>
+              </a:rPr>
               <a:t>Model Improvement &amp; Performance Re-evaluation</a:t>
             </a:r>
           </a:p>
@@ -5647,33 +8395,247 @@
           <a:p>
             <a:r>
               <a:rPr lang="en-US" dirty="0"/>
+              <a:t>Data Exploration &amp; Missing Data Handling</a:t>
+            </a:r>
+          </a:p>
+        </p:txBody>
+      </p:sp>
+      <p:sp>
+        <p:nvSpPr>
+          <p:cNvPr id="3" name="Content Placeholder 2">
+            <a:extLst>
+              <a:ext uri="{FF2B5EF4-FFF2-40B4-BE49-F238E27FC236}">
+                <a16:creationId xmlns:a16="http://schemas.microsoft.com/office/drawing/2014/main" id="{E6CC6509-6BD7-9C45-8D0B-F2C6604D680B}"/>
+              </a:ext>
+            </a:extLst>
+          </p:cNvPr>
+          <p:cNvSpPr>
+            <a:spLocks noGrp="1"/>
+          </p:cNvSpPr>
+          <p:nvPr>
+            <p:ph idx="1"/>
+          </p:nvPr>
+        </p:nvSpPr>
+        <p:spPr>
+          <a:xfrm>
+            <a:off x="838200" y="1825625"/>
+            <a:ext cx="10515600" cy="4819874"/>
+          </a:xfrm>
+        </p:spPr>
+        <p:txBody>
+          <a:bodyPr>
+            <a:normAutofit fontScale="92500" lnSpcReduction="10000"/>
+          </a:bodyPr>
+          <a:lstStyle/>
+          <a:p>
+            <a:r>
+              <a:rPr lang="en-US" b="1" dirty="0"/>
               <a:t>Data Exploration</a:t>
             </a:r>
           </a:p>
-        </p:txBody>
-      </p:sp>
-      <p:sp>
-        <p:nvSpPr>
-          <p:cNvPr id="3" name="Content Placeholder 2">
-            <a:extLst>
-              <a:ext uri="{FF2B5EF4-FFF2-40B4-BE49-F238E27FC236}">
-                <a16:creationId xmlns:a16="http://schemas.microsoft.com/office/drawing/2014/main" id="{E6CC6509-6BD7-9C45-8D0B-F2C6604D680B}"/>
-              </a:ext>
-            </a:extLst>
-          </p:cNvPr>
-          <p:cNvSpPr>
-            <a:spLocks noGrp="1"/>
-          </p:cNvSpPr>
-          <p:nvPr>
-            <p:ph idx="1"/>
-          </p:nvPr>
-        </p:nvSpPr>
-        <p:spPr/>
-        <p:txBody>
-          <a:bodyPr/>
-          <a:lstStyle/>
-          <a:p>
-            <a:endParaRPr lang="en-US"/>
+          <a:p>
+            <a:pPr lvl="1"/>
+            <a:r>
+              <a:rPr lang="en-US" dirty="0">
+                <a:solidFill>
+                  <a:srgbClr val="00B0F0"/>
+                </a:solidFill>
+              </a:rPr>
+              <a:t>14</a:t>
+            </a:r>
+            <a:r>
+              <a:rPr lang="en-US" dirty="0"/>
+              <a:t> features with </a:t>
+            </a:r>
+            <a:r>
+              <a:rPr lang="en-US" dirty="0">
+                <a:solidFill>
+                  <a:srgbClr val="00B0F0"/>
+                </a:solidFill>
+              </a:rPr>
+              <a:t>1</a:t>
+            </a:r>
+            <a:r>
+              <a:rPr lang="en-US" dirty="0"/>
+              <a:t> additional </a:t>
+            </a:r>
+            <a:r>
+              <a:rPr lang="en-US" b="1" dirty="0">
+                <a:solidFill>
+                  <a:srgbClr val="00B0F0"/>
+                </a:solidFill>
+              </a:rPr>
+              <a:t>income</a:t>
+            </a:r>
+            <a:r>
+              <a:rPr lang="en-US" dirty="0"/>
+              <a:t> as class label</a:t>
+            </a:r>
+          </a:p>
+          <a:p>
+            <a:pPr lvl="1"/>
+            <a:r>
+              <a:rPr lang="en-US" dirty="0"/>
+              <a:t>In total 32561 records</a:t>
+            </a:r>
+          </a:p>
+          <a:p>
+            <a:pPr lvl="2"/>
+            <a:r>
+              <a:rPr lang="en-US" dirty="0"/>
+              <a:t>&gt; dim(</a:t>
+            </a:r>
+            <a:r>
+              <a:rPr lang="en-US" dirty="0" err="1"/>
+              <a:t>adult_data</a:t>
+            </a:r>
+            <a:r>
+              <a:rPr lang="en-US" dirty="0"/>
+              <a:t>)</a:t>
+            </a:r>
+          </a:p>
+          <a:p>
+            <a:pPr lvl="2"/>
+            <a:r>
+              <a:rPr lang="en-US" dirty="0"/>
+              <a:t>[1] </a:t>
+            </a:r>
+            <a:r>
+              <a:rPr lang="en-US" b="1" dirty="0">
+                <a:solidFill>
+                  <a:srgbClr val="00B0F0"/>
+                </a:solidFill>
+              </a:rPr>
+              <a:t>32561    15</a:t>
+            </a:r>
+          </a:p>
+          <a:p>
+            <a:r>
+              <a:rPr lang="en-US" b="1" dirty="0"/>
+              <a:t>Missing Data</a:t>
+            </a:r>
+          </a:p>
+          <a:p>
+            <a:pPr lvl="1"/>
+            <a:r>
+              <a:rPr lang="en-US" dirty="0"/>
+              <a:t>The missing data percentage is less than </a:t>
+            </a:r>
+            <a:r>
+              <a:rPr lang="en-US" b="1" dirty="0">
+                <a:solidFill>
+                  <a:srgbClr val="00B050"/>
+                </a:solidFill>
+              </a:rPr>
+              <a:t>1%</a:t>
+            </a:r>
+          </a:p>
+          <a:p>
+            <a:pPr lvl="2"/>
+            <a:r>
+              <a:rPr lang="en-US" dirty="0"/>
+              <a:t>sum(</a:t>
+            </a:r>
+            <a:r>
+              <a:rPr lang="en-US" dirty="0" err="1"/>
+              <a:t>is.na</a:t>
+            </a:r>
+            <a:r>
+              <a:rPr lang="en-US" dirty="0"/>
+              <a:t>(</a:t>
+            </a:r>
+            <a:r>
+              <a:rPr lang="en-US" dirty="0" err="1"/>
+              <a:t>adult_data</a:t>
+            </a:r>
+            <a:r>
+              <a:rPr lang="en-US" dirty="0"/>
+              <a:t>))/prod(dim(</a:t>
+            </a:r>
+            <a:r>
+              <a:rPr lang="en-US" dirty="0" err="1"/>
+              <a:t>adult_data</a:t>
+            </a:r>
+            <a:r>
+              <a:rPr lang="en-US" dirty="0"/>
+              <a:t>))</a:t>
+            </a:r>
+          </a:p>
+          <a:p>
+            <a:pPr lvl="2"/>
+            <a:r>
+              <a:rPr lang="en-US" dirty="0"/>
+              <a:t>[1] </a:t>
+            </a:r>
+            <a:r>
+              <a:rPr lang="en-US" dirty="0">
+                <a:solidFill>
+                  <a:srgbClr val="00B050"/>
+                </a:solidFill>
+              </a:rPr>
+              <a:t>0.008726186</a:t>
+            </a:r>
+          </a:p>
+          <a:p>
+            <a:pPr lvl="1"/>
+            <a:r>
+              <a:rPr lang="en-US" dirty="0"/>
+              <a:t>Given that the percentage of missing data is minimal, I’ve decided to drop all records with missing values. And after omitting the missing data records, </a:t>
+            </a:r>
+          </a:p>
+          <a:p>
+            <a:pPr lvl="2"/>
+            <a:r>
+              <a:rPr lang="en-US" dirty="0"/>
+              <a:t>&gt; dim(</a:t>
+            </a:r>
+            <a:r>
+              <a:rPr lang="en-US" dirty="0" err="1"/>
+              <a:t>adult_data_full</a:t>
+            </a:r>
+            <a:r>
+              <a:rPr lang="en-US" dirty="0"/>
+              <a:t>)</a:t>
+            </a:r>
+          </a:p>
+          <a:p>
+            <a:pPr lvl="2"/>
+            <a:r>
+              <a:rPr lang="en-US" dirty="0"/>
+              <a:t>[1] </a:t>
+            </a:r>
+            <a:r>
+              <a:rPr lang="en-US" b="1" dirty="0">
+                <a:solidFill>
+                  <a:srgbClr val="00B050"/>
+                </a:solidFill>
+              </a:rPr>
+              <a:t>30162    12</a:t>
+            </a:r>
+          </a:p>
+          <a:p>
+            <a:pPr lvl="1"/>
+            <a:r>
+              <a:rPr lang="en-US" dirty="0"/>
+              <a:t>Hence, I’m using the </a:t>
+            </a:r>
+            <a:r>
+              <a:rPr lang="en-US" b="1" dirty="0">
+                <a:solidFill>
+                  <a:srgbClr val="00B050"/>
+                </a:solidFill>
+              </a:rPr>
+              <a:t>30162</a:t>
+            </a:r>
+            <a:r>
+              <a:rPr lang="en-US" dirty="0"/>
+              <a:t> records data set for this classification.</a:t>
+            </a:r>
+            <a:endParaRPr lang="en-US" b="1" dirty="0">
+              <a:solidFill>
+                <a:srgbClr val="00B050"/>
+              </a:solidFill>
+            </a:endParaRPr>
           </a:p>
         </p:txBody>
       </p:sp>
@@ -5712,7 +8674,7 @@
           <p:cNvPr id="2" name="Title 1">
             <a:extLst>
               <a:ext uri="{FF2B5EF4-FFF2-40B4-BE49-F238E27FC236}">
-                <a16:creationId xmlns:a16="http://schemas.microsoft.com/office/drawing/2014/main" id="{E5955FC1-F6EC-F04C-98FE-98FE2F09C13B}"/>
+                <a16:creationId xmlns:a16="http://schemas.microsoft.com/office/drawing/2014/main" id="{E3090F77-4A97-964A-9191-F71ABF278C92}"/>
               </a:ext>
             </a:extLst>
           </p:cNvPr>
@@ -5730,7 +8692,7 @@
           <a:p>
             <a:r>
               <a:rPr lang="en-US" dirty="0"/>
-              <a:t>Missing Data Handling</a:t>
+              <a:t>Feature Engineering</a:t>
             </a:r>
           </a:p>
         </p:txBody>
@@ -5740,7 +8702,7 @@
           <p:cNvPr id="3" name="Content Placeholder 2">
             <a:extLst>
               <a:ext uri="{FF2B5EF4-FFF2-40B4-BE49-F238E27FC236}">
-                <a16:creationId xmlns:a16="http://schemas.microsoft.com/office/drawing/2014/main" id="{E9D4D845-60AF-9D43-876C-3BEB208BF23A}"/>
+                <a16:creationId xmlns:a16="http://schemas.microsoft.com/office/drawing/2014/main" id="{2DAE3C0C-6361-AB4D-97F8-C7F1A90BA455}"/>
               </a:ext>
             </a:extLst>
           </p:cNvPr>
@@ -5751,19 +8713,185 @@
             <p:ph idx="1"/>
           </p:nvPr>
         </p:nvSpPr>
-        <p:spPr/>
-        <p:txBody>
-          <a:bodyPr/>
+        <p:spPr>
+          <a:xfrm>
+            <a:off x="838200" y="1825624"/>
+            <a:ext cx="10515600" cy="4871389"/>
+          </a:xfrm>
+        </p:spPr>
+        <p:txBody>
+          <a:bodyPr>
+            <a:normAutofit fontScale="92500" lnSpcReduction="20000"/>
+          </a:bodyPr>
           <a:lstStyle/>
           <a:p>
-            <a:endParaRPr lang="en-US"/>
+            <a:r>
+              <a:rPr lang="en-US" b="1" dirty="0"/>
+              <a:t>The following features have been converted/changed</a:t>
+            </a:r>
+          </a:p>
+          <a:p>
+            <a:pPr lvl="1"/>
+            <a:r>
+              <a:rPr lang="en-US" dirty="0">
+                <a:solidFill>
+                  <a:srgbClr val="00B0F0"/>
+                </a:solidFill>
+              </a:rPr>
+              <a:t>age</a:t>
+            </a:r>
+            <a:endParaRPr lang="en-US" dirty="0"/>
+          </a:p>
+          <a:p>
+            <a:pPr lvl="1"/>
+            <a:r>
+              <a:rPr lang="en-US" dirty="0" err="1">
+                <a:solidFill>
+                  <a:srgbClr val="00B0F0"/>
+                </a:solidFill>
+              </a:rPr>
+              <a:t>hours_per_week</a:t>
+            </a:r>
+            <a:endParaRPr lang="en-US" dirty="0"/>
+          </a:p>
+          <a:p>
+            <a:pPr lvl="1"/>
+            <a:r>
+              <a:rPr lang="en-US" dirty="0">
+                <a:solidFill>
+                  <a:srgbClr val="00B0F0"/>
+                </a:solidFill>
+              </a:rPr>
+              <a:t>education</a:t>
+            </a:r>
+            <a:endParaRPr lang="en-US" dirty="0"/>
+          </a:p>
+          <a:p>
+            <a:pPr lvl="1"/>
+            <a:r>
+              <a:rPr lang="en-US" dirty="0" err="1">
+                <a:solidFill>
+                  <a:srgbClr val="00B0F0"/>
+                </a:solidFill>
+              </a:rPr>
+              <a:t>marital_status</a:t>
+            </a:r>
+            <a:endParaRPr lang="en-US" dirty="0"/>
+          </a:p>
+          <a:p>
+            <a:pPr lvl="1"/>
+            <a:r>
+              <a:rPr lang="en-US" dirty="0">
+                <a:solidFill>
+                  <a:srgbClr val="00B0F0"/>
+                </a:solidFill>
+              </a:rPr>
+              <a:t>country</a:t>
+            </a:r>
+            <a:endParaRPr lang="en-US" dirty="0"/>
+          </a:p>
+          <a:p>
+            <a:pPr lvl="1"/>
+            <a:r>
+              <a:rPr lang="en-US" dirty="0" err="1">
+                <a:solidFill>
+                  <a:srgbClr val="00B0F0"/>
+                </a:solidFill>
+              </a:rPr>
+              <a:t>work_class</a:t>
+            </a:r>
+            <a:endParaRPr lang="en-US" dirty="0"/>
+          </a:p>
+          <a:p>
+            <a:r>
+              <a:rPr lang="en-US" b="1" dirty="0"/>
+              <a:t>The following feature has been created</a:t>
+            </a:r>
+          </a:p>
+          <a:p>
+            <a:pPr lvl="1"/>
+            <a:r>
+              <a:rPr lang="en-US" dirty="0" err="1">
+                <a:solidFill>
+                  <a:srgbClr val="00B050"/>
+                </a:solidFill>
+              </a:rPr>
+              <a:t>investement</a:t>
+            </a:r>
+            <a:endParaRPr lang="en-US" dirty="0">
+              <a:solidFill>
+                <a:srgbClr val="FF0000"/>
+              </a:solidFill>
+            </a:endParaRPr>
+          </a:p>
+          <a:p>
+            <a:r>
+              <a:rPr lang="en-US" b="1" dirty="0"/>
+              <a:t>The following features have been removed</a:t>
+            </a:r>
+          </a:p>
+          <a:p>
+            <a:pPr lvl="1"/>
+            <a:r>
+              <a:rPr lang="en-US" dirty="0" err="1">
+                <a:solidFill>
+                  <a:srgbClr val="FF0000"/>
+                </a:solidFill>
+              </a:rPr>
+              <a:t>education_sum</a:t>
+            </a:r>
+            <a:endParaRPr lang="en-US" dirty="0"/>
+          </a:p>
+          <a:p>
+            <a:pPr lvl="1"/>
+            <a:r>
+              <a:rPr lang="en-US" dirty="0" err="1">
+                <a:solidFill>
+                  <a:srgbClr val="FF0000"/>
+                </a:solidFill>
+              </a:rPr>
+              <a:t>fnlwgt</a:t>
+            </a:r>
+            <a:endParaRPr lang="en-US" dirty="0">
+              <a:solidFill>
+                <a:srgbClr val="FF0000"/>
+              </a:solidFill>
+            </a:endParaRPr>
+          </a:p>
+          <a:p>
+            <a:pPr lvl="1"/>
+            <a:r>
+              <a:rPr lang="en-US" dirty="0" err="1">
+                <a:solidFill>
+                  <a:srgbClr val="FF0000"/>
+                </a:solidFill>
+              </a:rPr>
+              <a:t>capital_gain</a:t>
+            </a:r>
+            <a:endParaRPr lang="en-US" dirty="0">
+              <a:solidFill>
+                <a:srgbClr val="FF0000"/>
+              </a:solidFill>
+            </a:endParaRPr>
+          </a:p>
+          <a:p>
+            <a:pPr lvl="1"/>
+            <a:r>
+              <a:rPr lang="en-US" dirty="0" err="1">
+                <a:solidFill>
+                  <a:srgbClr val="FF0000"/>
+                </a:solidFill>
+              </a:rPr>
+              <a:t>capital_loss</a:t>
+            </a:r>
+            <a:endParaRPr lang="en-US" dirty="0"/>
           </a:p>
         </p:txBody>
       </p:sp>
     </p:spTree>
     <p:extLst>
       <p:ext uri="{BB962C8B-B14F-4D97-AF65-F5344CB8AC3E}">
-        <p14:creationId xmlns:p14="http://schemas.microsoft.com/office/powerpoint/2010/main" val="1135290462"/>
+        <p14:creationId xmlns:p14="http://schemas.microsoft.com/office/powerpoint/2010/main" val="1893510801"/>
       </p:ext>
     </p:extLst>
   </p:cSld>
@@ -5795,7 +8923,7 @@
           <p:cNvPr id="2" name="Title 1">
             <a:extLst>
               <a:ext uri="{FF2B5EF4-FFF2-40B4-BE49-F238E27FC236}">
-                <a16:creationId xmlns:a16="http://schemas.microsoft.com/office/drawing/2014/main" id="{E3090F77-4A97-964A-9191-F71ABF278C92}"/>
+                <a16:creationId xmlns:a16="http://schemas.microsoft.com/office/drawing/2014/main" id="{3CC21E0C-3B0C-B845-9922-15A023FB889C}"/>
               </a:ext>
             </a:extLst>
           </p:cNvPr>
@@ -5813,7 +8941,7 @@
           <a:p>
             <a:r>
               <a:rPr lang="en-US" dirty="0"/>
-              <a:t>Feature Engineering</a:t>
+              <a:t>Feature Engineering: age</a:t>
             </a:r>
           </a:p>
         </p:txBody>
@@ -5823,7 +8951,7 @@
           <p:cNvPr id="3" name="Content Placeholder 2">
             <a:extLst>
               <a:ext uri="{FF2B5EF4-FFF2-40B4-BE49-F238E27FC236}">
-                <a16:creationId xmlns:a16="http://schemas.microsoft.com/office/drawing/2014/main" id="{2DAE3C0C-6361-AB4D-97F8-C7F1A90BA455}"/>
+                <a16:creationId xmlns:a16="http://schemas.microsoft.com/office/drawing/2014/main" id="{7AB298EF-5861-1B49-ACB0-8BCC3C63E1EB}"/>
               </a:ext>
             </a:extLst>
           </p:cNvPr>
@@ -5834,279 +8962,122 @@
             <p:ph idx="1"/>
           </p:nvPr>
         </p:nvSpPr>
-        <p:spPr>
-          <a:xfrm>
-            <a:off x="838200" y="1825624"/>
-            <a:ext cx="10515600" cy="4871389"/>
-          </a:xfrm>
-        </p:spPr>
-        <p:txBody>
-          <a:bodyPr>
-            <a:normAutofit fontScale="92500" lnSpcReduction="20000"/>
-          </a:bodyPr>
+        <p:spPr/>
+        <p:txBody>
+          <a:bodyPr/>
           <a:lstStyle/>
           <a:p>
-            <a:r>
-              <a:rPr lang="en-US" b="1" dirty="0"/>
-              <a:t>The following feature has been converted</a:t>
+            <a:pPr marL="0" indent="0">
+              <a:buNone/>
+            </a:pPr>
+            <a:r>
+              <a:rPr lang="en-US" dirty="0"/>
+              <a:t>Feature </a:t>
+            </a:r>
+            <a:r>
+              <a:rPr lang="en-US" b="1" dirty="0">
+                <a:solidFill>
+                  <a:srgbClr val="00B0F0"/>
+                </a:solidFill>
+              </a:rPr>
+              <a:t>age</a:t>
+            </a:r>
+            <a:r>
+              <a:rPr lang="en-US" dirty="0"/>
+              <a:t> is converted from continuous numerical to categorical using Binning, </a:t>
             </a:r>
           </a:p>
           <a:p>
             <a:pPr lvl="1"/>
             <a:r>
-              <a:rPr lang="en-US" dirty="0">
-                <a:solidFill>
-                  <a:srgbClr val="00B0F0"/>
-                </a:solidFill>
-              </a:rPr>
-              <a:t>age</a:t>
-            </a:r>
-            <a:r>
-              <a:rPr lang="en-US" dirty="0"/>
-              <a:t>: converted to categorical with Binning</a:t>
+              <a:rPr lang="en-US" dirty="0"/>
+              <a:t>age&lt;18          =</a:t>
+            </a:r>
+            <a:r>
+              <a:rPr lang="en-US" b="1" dirty="0">
+                <a:solidFill>
+                  <a:srgbClr val="00B050"/>
+                </a:solidFill>
+              </a:rPr>
+              <a:t>Youth</a:t>
+            </a:r>
+            <a:r>
+              <a:rPr lang="en-US" dirty="0"/>
+              <a:t>,  probably haven't even started working</a:t>
             </a:r>
           </a:p>
           <a:p>
             <a:pPr lvl="1"/>
             <a:r>
-              <a:rPr lang="en-US" dirty="0" err="1">
-                <a:solidFill>
-                  <a:srgbClr val="00B0F0"/>
-                </a:solidFill>
-              </a:rPr>
-              <a:t>hours_per_week</a:t>
-            </a:r>
-            <a:r>
-              <a:rPr lang="en-US" dirty="0"/>
-              <a:t>: converted to categorical with Binning</a:t>
+              <a:rPr lang="en-US" dirty="0"/>
+              <a:t>18&lt;age&lt;25   =</a:t>
+            </a:r>
+            <a:r>
+              <a:rPr lang="en-US" b="1" dirty="0" err="1">
+                <a:solidFill>
+                  <a:srgbClr val="00B050"/>
+                </a:solidFill>
+              </a:rPr>
+              <a:t>YoungAdult</a:t>
+            </a:r>
+            <a:r>
+              <a:rPr lang="en-US" dirty="0"/>
+              <a:t>, probably just started working</a:t>
             </a:r>
           </a:p>
           <a:p>
             <a:pPr lvl="1"/>
             <a:r>
-              <a:rPr lang="en-US" dirty="0">
-                <a:solidFill>
-                  <a:srgbClr val="00B0F0"/>
-                </a:solidFill>
-              </a:rPr>
-              <a:t>education</a:t>
-            </a:r>
-            <a:r>
-              <a:rPr lang="en-US" dirty="0"/>
-              <a:t>: reduced to fewer categories</a:t>
+              <a:rPr lang="en-US" dirty="0"/>
+              <a:t>25&lt;age&lt;60   =</a:t>
+            </a:r>
+            <a:r>
+              <a:rPr lang="en-US" b="1" dirty="0">
+                <a:solidFill>
+                  <a:srgbClr val="00B050"/>
+                </a:solidFill>
+              </a:rPr>
+              <a:t>Adult</a:t>
+            </a:r>
+            <a:r>
+              <a:rPr lang="en-US" dirty="0"/>
+              <a:t>, main workforce</a:t>
             </a:r>
           </a:p>
           <a:p>
             <a:pPr lvl="1"/>
             <a:r>
-              <a:rPr lang="en-US" dirty="0" err="1">
-                <a:solidFill>
-                  <a:srgbClr val="00B0F0"/>
-                </a:solidFill>
-              </a:rPr>
-              <a:t>marital_status</a:t>
-            </a:r>
-            <a:r>
-              <a:rPr lang="en-US" dirty="0"/>
-              <a:t>: reduced to fewer categories</a:t>
-            </a:r>
-          </a:p>
-          <a:p>
-            <a:pPr lvl="1"/>
-            <a:r>
-              <a:rPr lang="en-US" dirty="0">
-                <a:solidFill>
-                  <a:srgbClr val="00B0F0"/>
-                </a:solidFill>
-              </a:rPr>
-              <a:t>country</a:t>
-            </a:r>
-            <a:r>
-              <a:rPr lang="en-US" dirty="0"/>
-              <a:t>: grouped together based on location and level of development</a:t>
-            </a:r>
-          </a:p>
-          <a:p>
-            <a:pPr lvl="1"/>
-            <a:r>
-              <a:rPr lang="en-US" dirty="0" err="1">
-                <a:solidFill>
-                  <a:srgbClr val="00B0F0"/>
-                </a:solidFill>
-              </a:rPr>
-              <a:t>work_class</a:t>
-            </a:r>
-            <a:r>
-              <a:rPr lang="en-US" dirty="0"/>
-              <a:t>: reduced to fewer categories</a:t>
-            </a:r>
-          </a:p>
-          <a:p>
-            <a:r>
-              <a:rPr lang="en-US" b="1" dirty="0"/>
-              <a:t>The following feature has been created</a:t>
-            </a:r>
-          </a:p>
-          <a:p>
-            <a:pPr lvl="1"/>
-            <a:r>
-              <a:rPr lang="en-US" dirty="0" err="1">
+              <a:rPr lang="en-US" dirty="0"/>
+              <a:t>age&gt;60          =</a:t>
+            </a:r>
+            <a:r>
+              <a:rPr lang="en-US" b="1" dirty="0" err="1">
                 <a:solidFill>
                   <a:srgbClr val="00B050"/>
                 </a:solidFill>
               </a:rPr>
-              <a:t>investement</a:t>
-            </a:r>
-            <a:r>
-              <a:rPr lang="en-US" dirty="0"/>
-              <a:t>: created based on existing features </a:t>
-            </a:r>
-            <a:r>
-              <a:rPr lang="en-US" dirty="0" err="1">
-                <a:solidFill>
-                  <a:srgbClr val="FF0000"/>
-                </a:solidFill>
-              </a:rPr>
-              <a:t>capital_gain</a:t>
-            </a:r>
-            <a:r>
-              <a:rPr lang="en-US" dirty="0">
-                <a:solidFill>
-                  <a:srgbClr val="FF0000"/>
-                </a:solidFill>
-              </a:rPr>
-              <a:t> </a:t>
-            </a:r>
-            <a:r>
-              <a:rPr lang="en-US" dirty="0"/>
-              <a:t>and </a:t>
-            </a:r>
-            <a:r>
-              <a:rPr lang="en-US" dirty="0" err="1">
-                <a:solidFill>
-                  <a:srgbClr val="FF0000"/>
-                </a:solidFill>
-              </a:rPr>
-              <a:t>capital_loss</a:t>
-            </a:r>
-            <a:endParaRPr lang="en-US" dirty="0">
-              <a:solidFill>
-                <a:srgbClr val="FF0000"/>
-              </a:solidFill>
-            </a:endParaRPr>
-          </a:p>
-          <a:p>
-            <a:r>
-              <a:rPr lang="en-US" b="1" dirty="0"/>
-              <a:t>The following feature has been removed</a:t>
-            </a:r>
-          </a:p>
-          <a:p>
-            <a:pPr lvl="1"/>
-            <a:r>
-              <a:rPr lang="en-US" dirty="0" err="1">
-                <a:solidFill>
-                  <a:srgbClr val="FF0000"/>
-                </a:solidFill>
-              </a:rPr>
-              <a:t>education_sum</a:t>
-            </a:r>
-            <a:r>
-              <a:rPr lang="en-US" dirty="0"/>
-              <a:t>: removed due to redundancy with </a:t>
-            </a:r>
-            <a:r>
-              <a:rPr lang="en-US" dirty="0">
-                <a:solidFill>
-                  <a:srgbClr val="00B0F0"/>
-                </a:solidFill>
-              </a:rPr>
-              <a:t>education</a:t>
-            </a:r>
-            <a:r>
-              <a:rPr lang="en-US" dirty="0"/>
-              <a:t> feature</a:t>
-            </a:r>
-          </a:p>
-          <a:p>
-            <a:pPr lvl="1"/>
-            <a:r>
-              <a:rPr lang="en-US" dirty="0" err="1">
-                <a:solidFill>
-                  <a:srgbClr val="FF0000"/>
-                </a:solidFill>
-              </a:rPr>
-              <a:t>fnlwgt</a:t>
-            </a:r>
-            <a:r>
-              <a:rPr lang="en-US" dirty="0"/>
-              <a:t>: sampling weight dropped because I don’t see a point using it</a:t>
-            </a:r>
-          </a:p>
-          <a:p>
-            <a:pPr lvl="1"/>
-            <a:r>
-              <a:rPr lang="en-US" dirty="0" err="1">
-                <a:solidFill>
-                  <a:srgbClr val="FF0000"/>
-                </a:solidFill>
-              </a:rPr>
-              <a:t>capital_gain</a:t>
-            </a:r>
-            <a:r>
-              <a:rPr lang="en-US" dirty="0"/>
-              <a:t>: dropped as new feature </a:t>
-            </a:r>
-            <a:r>
-              <a:rPr lang="en-US" dirty="0">
-                <a:solidFill>
-                  <a:srgbClr val="00B050"/>
-                </a:solidFill>
-              </a:rPr>
-              <a:t>investment</a:t>
-            </a:r>
-            <a:r>
-              <a:rPr lang="en-US" dirty="0"/>
-              <a:t> is created </a:t>
-            </a:r>
-          </a:p>
-          <a:p>
-            <a:pPr lvl="1"/>
-            <a:r>
-              <a:rPr lang="en-US" dirty="0" err="1">
-                <a:solidFill>
-                  <a:srgbClr val="FF0000"/>
-                </a:solidFill>
-              </a:rPr>
-              <a:t>capital_loss</a:t>
-            </a:r>
-            <a:r>
-              <a:rPr lang="en-US" dirty="0"/>
-              <a:t>: dropped as new feature </a:t>
-            </a:r>
-            <a:r>
-              <a:rPr lang="en-US" dirty="0">
-                <a:solidFill>
-                  <a:srgbClr val="00B050"/>
-                </a:solidFill>
-              </a:rPr>
-              <a:t>investment</a:t>
-            </a:r>
-            <a:r>
-              <a:rPr lang="en-US" dirty="0"/>
-              <a:t> is created</a:t>
-            </a:r>
-          </a:p>
-          <a:p>
-            <a:pPr lvl="1"/>
-            <a:endParaRPr lang="en-US" dirty="0"/>
+              <a:t>SeniorAdult</a:t>
+            </a:r>
+            <a:r>
+              <a:rPr lang="en-US" dirty="0"/>
+              <a:t>, retiree</a:t>
+            </a:r>
+          </a:p>
+          <a:p>
+            <a:pPr marL="0" indent="0">
+              <a:buNone/>
+            </a:pPr>
+            <a:r>
+              <a:rPr lang="en-US" dirty="0"/>
+              <a:t>The splitting points chosen are based on general knowledge. Before 25, the work income usually won’t be much. While after 60, people starts to retire.</a:t>
+            </a:r>
           </a:p>
         </p:txBody>
       </p:sp>
     </p:spTree>
     <p:extLst>
       <p:ext uri="{BB962C8B-B14F-4D97-AF65-F5344CB8AC3E}">
-        <p14:creationId xmlns:p14="http://schemas.microsoft.com/office/powerpoint/2010/main" val="1893510801"/>
+        <p14:creationId xmlns:p14="http://schemas.microsoft.com/office/powerpoint/2010/main" val="3330460826"/>
       </p:ext>
     </p:extLst>
   </p:cSld>

--- a/mh8111_assignment/NaiveBayes.pptx
+++ b/mh8111_assignment/NaiveBayes.pptx
@@ -5,7 +5,7 @@
     <p:sldMasterId id="2147483648" r:id="rId1"/>
   </p:sldMasterIdLst>
   <p:notesMasterIdLst>
-    <p:notesMasterId r:id="rId20"/>
+    <p:notesMasterId r:id="rId21"/>
   </p:notesMasterIdLst>
   <p:sldIdLst>
     <p:sldId id="256" r:id="rId2"/>
@@ -26,6 +26,7 @@
     <p:sldId id="269" r:id="rId17"/>
     <p:sldId id="280" r:id="rId18"/>
     <p:sldId id="282" r:id="rId19"/>
+    <p:sldId id="283" r:id="rId20"/>
   </p:sldIdLst>
   <p:sldSz cx="12192000" cy="6858000"/>
   <p:notesSz cx="6858000" cy="9144000"/>
@@ -7404,6 +7405,151 @@
 </p:sld>
 </file>
 
+<file path=ppt/slides/slide19.xml><?xml version="1.0" encoding="utf-8"?>
+<p:sld xmlns:a="http://schemas.openxmlformats.org/drawingml/2006/main" xmlns:r="http://schemas.openxmlformats.org/officeDocument/2006/relationships" xmlns:p="http://schemas.openxmlformats.org/presentationml/2006/main">
+  <p:cSld>
+    <p:spTree>
+      <p:nvGrpSpPr>
+        <p:cNvPr id="1" name=""/>
+        <p:cNvGrpSpPr/>
+        <p:nvPr/>
+      </p:nvGrpSpPr>
+      <p:grpSpPr>
+        <a:xfrm>
+          <a:off x="0" y="0"/>
+          <a:ext cx="0" cy="0"/>
+          <a:chOff x="0" y="0"/>
+          <a:chExt cx="0" cy="0"/>
+        </a:xfrm>
+      </p:grpSpPr>
+      <p:sp>
+        <p:nvSpPr>
+          <p:cNvPr id="2" name="Title 1">
+            <a:extLst>
+              <a:ext uri="{FF2B5EF4-FFF2-40B4-BE49-F238E27FC236}">
+                <a16:creationId xmlns:a16="http://schemas.microsoft.com/office/drawing/2014/main" id="{8DED249E-F89C-C24D-8592-9F661CD33EA0}"/>
+              </a:ext>
+            </a:extLst>
+          </p:cNvPr>
+          <p:cNvSpPr>
+            <a:spLocks noGrp="1"/>
+          </p:cNvSpPr>
+          <p:nvPr>
+            <p:ph type="title"/>
+          </p:nvPr>
+        </p:nvSpPr>
+        <p:spPr/>
+        <p:txBody>
+          <a:bodyPr/>
+          <a:lstStyle/>
+          <a:p>
+            <a:r>
+              <a:rPr lang="en-US" dirty="0"/>
+              <a:t>Summary and </a:t>
+            </a:r>
+            <a:r>
+              <a:rPr lang="en-US" dirty="0" err="1"/>
+              <a:t>Afterwords</a:t>
+            </a:r>
+            <a:endParaRPr lang="en-US" dirty="0"/>
+          </a:p>
+        </p:txBody>
+      </p:sp>
+      <p:sp>
+        <p:nvSpPr>
+          <p:cNvPr id="3" name="Content Placeholder 2">
+            <a:extLst>
+              <a:ext uri="{FF2B5EF4-FFF2-40B4-BE49-F238E27FC236}">
+                <a16:creationId xmlns:a16="http://schemas.microsoft.com/office/drawing/2014/main" id="{346C62BB-54B8-2A41-8578-E9765651FE6E}"/>
+              </a:ext>
+            </a:extLst>
+          </p:cNvPr>
+          <p:cNvSpPr>
+            <a:spLocks noGrp="1"/>
+          </p:cNvSpPr>
+          <p:nvPr>
+            <p:ph idx="1"/>
+          </p:nvPr>
+        </p:nvSpPr>
+        <p:spPr/>
+        <p:txBody>
+          <a:bodyPr/>
+          <a:lstStyle/>
+          <a:p>
+            <a:pPr marL="0" indent="0">
+              <a:buNone/>
+            </a:pPr>
+            <a:r>
+              <a:rPr lang="en-US" dirty="0"/>
+              <a:t>One point worth mentioning is that, I found the Binning method to be very slow. </a:t>
+            </a:r>
+          </a:p>
+          <a:p>
+            <a:pPr marL="0" indent="0">
+              <a:buNone/>
+            </a:pPr>
+            <a:endParaRPr lang="en-US" dirty="0"/>
+          </a:p>
+          <a:p>
+            <a:pPr marL="0" indent="0">
+              <a:buNone/>
+            </a:pPr>
+            <a:r>
+              <a:rPr lang="en-US" dirty="0"/>
+              <a:t>I’ve binned feature </a:t>
+            </a:r>
+            <a:r>
+              <a:rPr lang="en-US" b="1" dirty="0">
+                <a:solidFill>
+                  <a:srgbClr val="0070C0"/>
+                </a:solidFill>
+              </a:rPr>
+              <a:t>age</a:t>
+            </a:r>
+            <a:r>
+              <a:rPr lang="en-US" dirty="0"/>
+              <a:t>, </a:t>
+            </a:r>
+            <a:r>
+              <a:rPr lang="en-US" b="1" dirty="0" err="1">
+                <a:solidFill>
+                  <a:srgbClr val="0070C0"/>
+                </a:solidFill>
+              </a:rPr>
+              <a:t>hours_per_week</a:t>
+            </a:r>
+            <a:r>
+              <a:rPr lang="en-US" dirty="0"/>
+              <a:t> and </a:t>
+            </a:r>
+            <a:r>
+              <a:rPr lang="en-US" b="1" dirty="0">
+                <a:solidFill>
+                  <a:srgbClr val="0070C0"/>
+                </a:solidFill>
+              </a:rPr>
+              <a:t>investment</a:t>
+            </a:r>
+            <a:r>
+              <a:rPr lang="en-US" dirty="0"/>
+              <a:t>, maybe my computer is really slow, it takes about 4~5 minutes to run the R codes. </a:t>
+            </a:r>
+          </a:p>
+        </p:txBody>
+      </p:sp>
+    </p:spTree>
+    <p:extLst>
+      <p:ext uri="{BB962C8B-B14F-4D97-AF65-F5344CB8AC3E}">
+        <p14:creationId xmlns:p14="http://schemas.microsoft.com/office/powerpoint/2010/main" val="2892961167"/>
+      </p:ext>
+    </p:extLst>
+  </p:cSld>
+  <p:clrMapOvr>
+    <a:masterClrMapping/>
+  </p:clrMapOvr>
+</p:sld>
+</file>
+
 <file path=ppt/slides/slide2.xml><?xml version="1.0" encoding="utf-8"?>
 <p:sld xmlns:a="http://schemas.openxmlformats.org/drawingml/2006/main" xmlns:r="http://schemas.openxmlformats.org/officeDocument/2006/relationships" xmlns:p="http://schemas.openxmlformats.org/presentationml/2006/main">
   <p:cSld>
@@ -7903,6 +8049,30 @@
               </a:rPr>
               <a:t>Model Improvement &amp; Performance Re-evaluation</a:t>
             </a:r>
+          </a:p>
+          <a:p>
+            <a:pPr lvl="1"/>
+            <a:r>
+              <a:rPr lang="en-US" b="1" dirty="0">
+                <a:solidFill>
+                  <a:srgbClr val="0070C0"/>
+                </a:solidFill>
+              </a:rPr>
+              <a:t>Summary and </a:t>
+            </a:r>
+            <a:r>
+              <a:rPr lang="en-US" b="1" dirty="0" err="1">
+                <a:solidFill>
+                  <a:srgbClr val="0070C0"/>
+                </a:solidFill>
+              </a:rPr>
+              <a:t>Afterwords</a:t>
+            </a:r>
+            <a:endParaRPr lang="en-US" b="1" dirty="0">
+              <a:solidFill>
+                <a:srgbClr val="0070C0"/>
+              </a:solidFill>
+            </a:endParaRPr>
           </a:p>
           <a:p>
             <a:pPr lvl="1"/>
